--- a/LectureSlides/Lecture 3_ Data Preprocessing and Intro Machine Learning Models_.pptx
+++ b/LectureSlides/Lecture 3_ Data Preprocessing and Intro Machine Learning Models_.pptx
@@ -40,21 +40,22 @@
     <p:sldId id="282" r:id="rId35"/>
     <p:sldId id="283" r:id="rId36"/>
     <p:sldId id="284" r:id="rId37"/>
+    <p:sldId id="285" r:id="rId38"/>
   </p:sldIdLst>
   <p:sldSz cy="6858000" cx="9144000"/>
   <p:notesSz cx="6858000" cy="9144000"/>
   <p:embeddedFontLst>
     <p:embeddedFont>
       <p:font typeface="Roboto Slab"/>
-      <p:regular r:id="rId38"/>
-      <p:bold r:id="rId39"/>
+      <p:regular r:id="rId39"/>
+      <p:bold r:id="rId40"/>
     </p:embeddedFont>
     <p:embeddedFont>
       <p:font typeface="Source Sans Pro"/>
-      <p:regular r:id="rId40"/>
-      <p:bold r:id="rId41"/>
-      <p:italic r:id="rId42"/>
-      <p:boldItalic r:id="rId43"/>
+      <p:regular r:id="rId41"/>
+      <p:bold r:id="rId42"/>
+      <p:italic r:id="rId43"/>
+      <p:boldItalic r:id="rId44"/>
     </p:embeddedFont>
   </p:embeddedFontLst>
   <p:defaultTextStyle>
@@ -833,7 +834,7 @@
       </p:grpSpPr>
       <p:sp>
         <p:nvSpPr>
-          <p:cNvPr id="340" name="Google Shape;340;g5850248132_0_246:notes"/>
+          <p:cNvPr id="340" name="Google Shape;340;g5bbd02662b_0_0:notes"/>
           <p:cNvSpPr/>
           <p:nvPr>
             <p:ph idx="2" type="sldImg"/>
@@ -868,7 +869,7 @@
       </p:sp>
       <p:sp>
         <p:nvSpPr>
-          <p:cNvPr id="341" name="Google Shape;341;g5850248132_0_246:notes"/>
+          <p:cNvPr id="341" name="Google Shape;341;g5bbd02662b_0_0:notes"/>
           <p:cNvSpPr txBox="1"/>
           <p:nvPr>
             <p:ph idx="1" type="body"/>
@@ -918,7 +919,7 @@
   <p:cSld>
     <p:spTree>
       <p:nvGrpSpPr>
-        <p:cNvPr id="348" name="Shape 348"/>
+        <p:cNvPr id="349" name="Shape 349"/>
         <p:cNvGrpSpPr/>
         <p:nvPr/>
       </p:nvGrpSpPr>
@@ -932,7 +933,7 @@
       </p:grpSpPr>
       <p:sp>
         <p:nvSpPr>
-          <p:cNvPr id="349" name="Google Shape;349;g5850248132_0_264:notes"/>
+          <p:cNvPr id="350" name="Google Shape;350;g5850248132_0_246:notes"/>
           <p:cNvSpPr/>
           <p:nvPr>
             <p:ph idx="2" type="sldImg"/>
@@ -967,7 +968,7 @@
       </p:sp>
       <p:sp>
         <p:nvSpPr>
-          <p:cNvPr id="350" name="Google Shape;350;g5850248132_0_264:notes"/>
+          <p:cNvPr id="351" name="Google Shape;351;g5850248132_0_246:notes"/>
           <p:cNvSpPr txBox="1"/>
           <p:nvPr>
             <p:ph idx="1" type="body"/>
@@ -988,19 +989,17 @@
           </a:bodyPr>
           <a:lstStyle/>
           <a:p>
-            <a:pPr indent="-317500" lvl="0" marL="457200" rtl="0" algn="l">
-              <a:spcBef>
-                <a:spcPts val="0"/>
-              </a:spcBef>
-              <a:spcAft>
-                <a:spcPts val="0"/>
-              </a:spcAft>
-              <a:buSzPts val="1400"/>
-              <a:buChar char="-"/>
+            <a:pPr indent="0" lvl="0" marL="0" rtl="0" algn="l">
+              <a:spcBef>
+                <a:spcPts val="0"/>
+              </a:spcBef>
+              <a:spcAft>
+                <a:spcPts val="0"/>
+              </a:spcAft>
+              <a:buNone/>
             </a:pPr>
             <a:r>
-              <a:rPr lang="en"/>
-              <a:t>When we are given a dataset, we don’t want to train on the entirety of the dataset, otherwise, there will be no way for us to measure how good our model does when given new data. So typically, what we would do is to set aside a portion of our dataset (a good number is approximately 25%), this is called the test set, whereas the other 75% of the data is called the training set. After our model is done training on the training set, we will then test the model on the test set, using various metrics to gauge its performance</a:t>
+              <a:t/>
             </a:r>
             <a:endParaRPr/>
           </a:p>
@@ -1019,7 +1018,7 @@
   <p:cSld>
     <p:spTree>
       <p:nvGrpSpPr>
-        <p:cNvPr id="359" name="Shape 359"/>
+        <p:cNvPr id="358" name="Shape 358"/>
         <p:cNvGrpSpPr/>
         <p:nvPr/>
       </p:nvGrpSpPr>
@@ -1033,7 +1032,7 @@
       </p:grpSpPr>
       <p:sp>
         <p:nvSpPr>
-          <p:cNvPr id="360" name="Google Shape;360;g5850248132_0_333:notes"/>
+          <p:cNvPr id="359" name="Google Shape;359;g5850248132_0_264:notes"/>
           <p:cNvSpPr/>
           <p:nvPr>
             <p:ph idx="2" type="sldImg"/>
@@ -1068,7 +1067,7 @@
       </p:sp>
       <p:sp>
         <p:nvSpPr>
-          <p:cNvPr id="361" name="Google Shape;361;g5850248132_0_333:notes"/>
+          <p:cNvPr id="360" name="Google Shape;360;g5850248132_0_264:notes"/>
           <p:cNvSpPr txBox="1"/>
           <p:nvPr>
             <p:ph idx="1" type="body"/>
@@ -1089,108 +1088,19 @@
           </a:bodyPr>
           <a:lstStyle/>
           <a:p>
-            <a:pPr indent="0" lvl="0" marL="0" rtl="0" algn="l">
-              <a:spcBef>
-                <a:spcPts val="0"/>
-              </a:spcBef>
-              <a:spcAft>
-                <a:spcPts val="0"/>
-              </a:spcAft>
-              <a:buNone/>
+            <a:pPr indent="-317500" lvl="0" marL="457200" rtl="0" algn="l">
+              <a:spcBef>
+                <a:spcPts val="0"/>
+              </a:spcBef>
+              <a:spcAft>
+                <a:spcPts val="0"/>
+              </a:spcAft>
+              <a:buSzPts val="1400"/>
+              <a:buChar char="-"/>
             </a:pPr>
             <a:r>
               <a:rPr lang="en"/>
-              <a:t>One of the big reasons we do a train-test-split is to tackle the overfitting and underfitting problem. When we are training a model, what we essentially want to do is to have a model be able to reflect what happens in reality. However, the data that we get in reality typically contains a lot of noise, making it difficult to have a model to exactly predict the “correct” answer. When we underfit a model, it means our model isn’t complex enough, or hasn’t trained enough to learn the intricacies of what happens in reality, and is reflected by a high error in both the training set and test set. When we overfit a model, the model not only learns the trends that happen in reality, but also learns the noise in the environment, which is something we don’t want as the noise is generally randomized and provides no real insight for the inferences we are trying to make. An overfit model will typically have very low training set error but high test set error. </a:t>
-            </a:r>
-            <a:endParaRPr/>
-          </a:p>
-          <a:p>
-            <a:pPr indent="0" lvl="0" marL="0" rtl="0" algn="l">
-              <a:spcBef>
-                <a:spcPts val="0"/>
-              </a:spcBef>
-              <a:spcAft>
-                <a:spcPts val="0"/>
-              </a:spcAft>
-              <a:buNone/>
-            </a:pPr>
-            <a:r>
-              <a:t/>
-            </a:r>
-            <a:endParaRPr/>
-          </a:p>
-          <a:p>
-            <a:pPr indent="0" lvl="0" marL="0" rtl="0" algn="l">
-              <a:spcBef>
-                <a:spcPts val="0"/>
-              </a:spcBef>
-              <a:spcAft>
-                <a:spcPts val="0"/>
-              </a:spcAft>
-              <a:buNone/>
-            </a:pPr>
-            <a:r>
-              <a:rPr lang="en"/>
-              <a:t>Note: talk about machine learning </a:t>
-            </a:r>
-            <a:r>
-              <a:rPr b="1" lang="en"/>
-              <a:t>model </a:t>
-            </a:r>
-            <a:r>
-              <a:rPr lang="en"/>
-              <a:t>terminology, call it a “prediction model”</a:t>
-            </a:r>
-            <a:endParaRPr/>
-          </a:p>
-          <a:p>
-            <a:pPr indent="-317500" lvl="0" marL="457200" rtl="0" algn="l">
-              <a:spcBef>
-                <a:spcPts val="0"/>
-              </a:spcBef>
-              <a:spcAft>
-                <a:spcPts val="0"/>
-              </a:spcAft>
-              <a:buSzPts val="1400"/>
-              <a:buChar char="-"/>
-            </a:pPr>
-            <a:r>
-              <a:rPr lang="en"/>
-              <a:t>Gathering data: a lot of open-source repos exist, e.g. Kaggle and UCI</a:t>
-            </a:r>
-            <a:endParaRPr/>
-          </a:p>
-          <a:p>
-            <a:pPr indent="-317500" lvl="0" marL="457200" rtl="0" algn="l">
-              <a:spcBef>
-                <a:spcPts val="0"/>
-              </a:spcBef>
-              <a:spcAft>
-                <a:spcPts val="0"/>
-              </a:spcAft>
-              <a:buSzPts val="1400"/>
-              <a:buChar char="-"/>
-            </a:pPr>
-            <a:r>
-              <a:rPr lang="en"/>
-              <a:t>Processing data: a lot of data is bad, missing, or uninterpretable by ML models, we need to process this data to improve performance</a:t>
-            </a:r>
-            <a:endParaRPr/>
-          </a:p>
-          <a:p>
-            <a:pPr indent="-317500" lvl="0" marL="457200" rtl="0" algn="l">
-              <a:spcBef>
-                <a:spcPts val="0"/>
-              </a:spcBef>
-              <a:spcAft>
-                <a:spcPts val="0"/>
-              </a:spcAft>
-              <a:buSzPts val="1400"/>
-              <a:buChar char="-"/>
-            </a:pPr>
-            <a:r>
-              <a:rPr lang="en"/>
-              <a:t>This also involves splitting your data into train/test splits. That is, for every machine learnin</a:t>
+              <a:t>When we are given a dataset, we don’t want to train on the entirety of the dataset, otherwise, there will be no way for us to measure how good our model does when given new data. So typically, what we would do is to set aside a portion of our dataset (a good number is approximately 25%), this is called the test set, whereas the other 75% of the data is called the training set. After our model is done training on the training set, we will then test the model on the test set, using various metrics to gauge its performance</a:t>
             </a:r>
             <a:endParaRPr/>
           </a:p>
@@ -1209,7 +1119,7 @@
   <p:cSld>
     <p:spTree>
       <p:nvGrpSpPr>
-        <p:cNvPr id="367" name="Shape 367"/>
+        <p:cNvPr id="369" name="Shape 369"/>
         <p:cNvGrpSpPr/>
         <p:nvPr/>
       </p:nvGrpSpPr>
@@ -1223,7 +1133,7 @@
       </p:grpSpPr>
       <p:sp>
         <p:nvSpPr>
-          <p:cNvPr id="368" name="Google Shape;368;g5d0f546c5a_0_0:notes"/>
+          <p:cNvPr id="370" name="Google Shape;370;g5850248132_0_333:notes"/>
           <p:cNvSpPr/>
           <p:nvPr>
             <p:ph idx="2" type="sldImg"/>
@@ -1258,7 +1168,7 @@
       </p:sp>
       <p:sp>
         <p:nvSpPr>
-          <p:cNvPr id="369" name="Google Shape;369;g5d0f546c5a_0_0:notes"/>
+          <p:cNvPr id="371" name="Google Shape;371;g5850248132_0_333:notes"/>
           <p:cNvSpPr txBox="1"/>
           <p:nvPr>
             <p:ph idx="1" type="body"/>
@@ -1289,7 +1199,98 @@
               <a:buNone/>
             </a:pPr>
             <a:r>
+              <a:rPr lang="en"/>
+              <a:t>One of the big reasons we do a train-test-split is to tackle the overfitting and underfitting problem. When we are training a model, what we essentially want to do is to have a model be able to reflect what happens in reality. However, the data that we get in reality typically contains a lot of noise, making it difficult to have a model to exactly predict the “correct” answer. When we underfit a model, it means our model isn’t complex enough, or hasn’t trained enough to learn the intricacies of what happens in reality, and is reflected by a high error in both the training set and test set. When we overfit a model, the model not only learns the trends that happen in reality, but also learns the noise in the environment, which is something we don’t want as the noise is generally randomized and provides no real insight for the inferences we are trying to make. An overfit model will typically have very low training set error but high test set error. </a:t>
+            </a:r>
+            <a:endParaRPr/>
+          </a:p>
+          <a:p>
+            <a:pPr indent="0" lvl="0" marL="0" rtl="0" algn="l">
+              <a:spcBef>
+                <a:spcPts val="0"/>
+              </a:spcBef>
+              <a:spcAft>
+                <a:spcPts val="0"/>
+              </a:spcAft>
+              <a:buNone/>
+            </a:pPr>
+            <a:r>
               <a:t/>
+            </a:r>
+            <a:endParaRPr/>
+          </a:p>
+          <a:p>
+            <a:pPr indent="0" lvl="0" marL="0" rtl="0" algn="l">
+              <a:spcBef>
+                <a:spcPts val="0"/>
+              </a:spcBef>
+              <a:spcAft>
+                <a:spcPts val="0"/>
+              </a:spcAft>
+              <a:buNone/>
+            </a:pPr>
+            <a:r>
+              <a:rPr lang="en"/>
+              <a:t>Note: talk about machine learning </a:t>
+            </a:r>
+            <a:r>
+              <a:rPr b="1" lang="en"/>
+              <a:t>model </a:t>
+            </a:r>
+            <a:r>
+              <a:rPr lang="en"/>
+              <a:t>terminology, call it a “prediction model”</a:t>
+            </a:r>
+            <a:endParaRPr/>
+          </a:p>
+          <a:p>
+            <a:pPr indent="-317500" lvl="0" marL="457200" rtl="0" algn="l">
+              <a:spcBef>
+                <a:spcPts val="0"/>
+              </a:spcBef>
+              <a:spcAft>
+                <a:spcPts val="0"/>
+              </a:spcAft>
+              <a:buSzPts val="1400"/>
+              <a:buChar char="-"/>
+            </a:pPr>
+            <a:r>
+              <a:rPr lang="en"/>
+              <a:t>Gathering data: a lot of open-source repos exist, e.g. Kaggle and UCI</a:t>
+            </a:r>
+            <a:endParaRPr/>
+          </a:p>
+          <a:p>
+            <a:pPr indent="-317500" lvl="0" marL="457200" rtl="0" algn="l">
+              <a:spcBef>
+                <a:spcPts val="0"/>
+              </a:spcBef>
+              <a:spcAft>
+                <a:spcPts val="0"/>
+              </a:spcAft>
+              <a:buSzPts val="1400"/>
+              <a:buChar char="-"/>
+            </a:pPr>
+            <a:r>
+              <a:rPr lang="en"/>
+              <a:t>Processing data: a lot of data is bad, missing, or uninterpretable by ML models, we need to process this data to improve performance</a:t>
+            </a:r>
+            <a:endParaRPr/>
+          </a:p>
+          <a:p>
+            <a:pPr indent="-317500" lvl="0" marL="457200" rtl="0" algn="l">
+              <a:spcBef>
+                <a:spcPts val="0"/>
+              </a:spcBef>
+              <a:spcAft>
+                <a:spcPts val="0"/>
+              </a:spcAft>
+              <a:buSzPts val="1400"/>
+              <a:buChar char="-"/>
+            </a:pPr>
+            <a:r>
+              <a:rPr lang="en"/>
+              <a:t>This also involves splitting your data into train/test splits. That is, for every machine learnin</a:t>
             </a:r>
             <a:endParaRPr/>
           </a:p>
@@ -1308,7 +1309,7 @@
   <p:cSld>
     <p:spTree>
       <p:nvGrpSpPr>
-        <p:cNvPr id="375" name="Shape 375"/>
+        <p:cNvPr id="377" name="Shape 377"/>
         <p:cNvGrpSpPr/>
         <p:nvPr/>
       </p:nvGrpSpPr>
@@ -1322,7 +1323,7 @@
       </p:grpSpPr>
       <p:sp>
         <p:nvSpPr>
-          <p:cNvPr id="376" name="Google Shape;376;g5d0f546c5a_0_11:notes"/>
+          <p:cNvPr id="378" name="Google Shape;378;g5d0f546c5a_0_0:notes"/>
           <p:cNvSpPr/>
           <p:nvPr>
             <p:ph idx="2" type="sldImg"/>
@@ -1357,7 +1358,7 @@
       </p:sp>
       <p:sp>
         <p:nvSpPr>
-          <p:cNvPr id="377" name="Google Shape;377;g5d0f546c5a_0_11:notes"/>
+          <p:cNvPr id="379" name="Google Shape;379;g5d0f546c5a_0_0:notes"/>
           <p:cNvSpPr txBox="1"/>
           <p:nvPr>
             <p:ph idx="1" type="body"/>
@@ -1407,7 +1408,7 @@
   <p:cSld>
     <p:spTree>
       <p:nvGrpSpPr>
-        <p:cNvPr id="383" name="Shape 383"/>
+        <p:cNvPr id="385" name="Shape 385"/>
         <p:cNvGrpSpPr/>
         <p:nvPr/>
       </p:nvGrpSpPr>
@@ -1421,7 +1422,7 @@
       </p:grpSpPr>
       <p:sp>
         <p:nvSpPr>
-          <p:cNvPr id="384" name="Google Shape;384;g5ceede47ad_0_216:notes"/>
+          <p:cNvPr id="386" name="Google Shape;386;g5d0f546c5a_0_11:notes"/>
           <p:cNvSpPr/>
           <p:nvPr>
             <p:ph idx="2" type="sldImg"/>
@@ -1456,7 +1457,7 @@
       </p:sp>
       <p:sp>
         <p:nvSpPr>
-          <p:cNvPr id="385" name="Google Shape;385;g5ceede47ad_0_216:notes"/>
+          <p:cNvPr id="387" name="Google Shape;387;g5d0f546c5a_0_11:notes"/>
           <p:cNvSpPr txBox="1"/>
           <p:nvPr>
             <p:ph idx="1" type="body"/>
@@ -1506,7 +1507,7 @@
   <p:cSld>
     <p:spTree>
       <p:nvGrpSpPr>
-        <p:cNvPr id="397" name="Shape 397"/>
+        <p:cNvPr id="393" name="Shape 393"/>
         <p:cNvGrpSpPr/>
         <p:nvPr/>
       </p:nvGrpSpPr>
@@ -1520,7 +1521,7 @@
       </p:grpSpPr>
       <p:sp>
         <p:nvSpPr>
-          <p:cNvPr id="398" name="Google Shape;398;g5ceede47ad_0_452:notes"/>
+          <p:cNvPr id="394" name="Google Shape;394;g5ceede47ad_0_216:notes"/>
           <p:cNvSpPr/>
           <p:nvPr>
             <p:ph idx="2" type="sldImg"/>
@@ -1555,7 +1556,7 @@
       </p:sp>
       <p:sp>
         <p:nvSpPr>
-          <p:cNvPr id="399" name="Google Shape;399;g5ceede47ad_0_452:notes"/>
+          <p:cNvPr id="395" name="Google Shape;395;g5ceede47ad_0_216:notes"/>
           <p:cNvSpPr txBox="1"/>
           <p:nvPr>
             <p:ph idx="1" type="body"/>
@@ -1605,7 +1606,7 @@
   <p:cSld>
     <p:spTree>
       <p:nvGrpSpPr>
-        <p:cNvPr id="409" name="Shape 409"/>
+        <p:cNvPr id="407" name="Shape 407"/>
         <p:cNvGrpSpPr/>
         <p:nvPr/>
       </p:nvGrpSpPr>
@@ -1619,7 +1620,7 @@
       </p:grpSpPr>
       <p:sp>
         <p:nvSpPr>
-          <p:cNvPr id="410" name="Google Shape;410;g5850248132_0_401:notes"/>
+          <p:cNvPr id="408" name="Google Shape;408;g5ceede47ad_0_452:notes"/>
           <p:cNvSpPr/>
           <p:nvPr>
             <p:ph idx="2" type="sldImg"/>
@@ -1654,7 +1655,7 @@
       </p:sp>
       <p:sp>
         <p:nvSpPr>
-          <p:cNvPr id="411" name="Google Shape;411;g5850248132_0_401:notes"/>
+          <p:cNvPr id="409" name="Google Shape;409;g5ceede47ad_0_452:notes"/>
           <p:cNvSpPr txBox="1"/>
           <p:nvPr>
             <p:ph idx="1" type="body"/>
@@ -1675,7 +1676,7 @@
           </a:bodyPr>
           <a:lstStyle/>
           <a:p>
-            <a:pPr indent="0" lvl="0" marL="457200" rtl="0" algn="l">
+            <a:pPr indent="0" lvl="0" marL="0" rtl="0" algn="l">
               <a:spcBef>
                 <a:spcPts val="0"/>
               </a:spcBef>
@@ -1704,7 +1705,7 @@
   <p:cSld>
     <p:spTree>
       <p:nvGrpSpPr>
-        <p:cNvPr id="416" name="Shape 416"/>
+        <p:cNvPr id="419" name="Shape 419"/>
         <p:cNvGrpSpPr/>
         <p:nvPr/>
       </p:nvGrpSpPr>
@@ -1718,7 +1719,7 @@
       </p:grpSpPr>
       <p:sp>
         <p:nvSpPr>
-          <p:cNvPr id="417" name="Google Shape;417;g5850248132_0_526:notes"/>
+          <p:cNvPr id="420" name="Google Shape;420;g5850248132_0_401:notes"/>
           <p:cNvSpPr/>
           <p:nvPr>
             <p:ph idx="2" type="sldImg"/>
@@ -1753,7 +1754,7 @@
       </p:sp>
       <p:sp>
         <p:nvSpPr>
-          <p:cNvPr id="418" name="Google Shape;418;g5850248132_0_526:notes"/>
+          <p:cNvPr id="421" name="Google Shape;421;g5850248132_0_401:notes"/>
           <p:cNvSpPr txBox="1"/>
           <p:nvPr>
             <p:ph idx="1" type="body"/>
@@ -1774,7 +1775,7 @@
           </a:bodyPr>
           <a:lstStyle/>
           <a:p>
-            <a:pPr indent="0" lvl="0" marL="0" rtl="0" algn="l">
+            <a:pPr indent="0" lvl="0" marL="457200" rtl="0" algn="l">
               <a:spcBef>
                 <a:spcPts val="0"/>
               </a:spcBef>
@@ -1803,7 +1804,7 @@
   <p:cSld>
     <p:spTree>
       <p:nvGrpSpPr>
-        <p:cNvPr id="424" name="Shape 424"/>
+        <p:cNvPr id="426" name="Shape 426"/>
         <p:cNvGrpSpPr/>
         <p:nvPr/>
       </p:nvGrpSpPr>
@@ -1817,7 +1818,7 @@
       </p:grpSpPr>
       <p:sp>
         <p:nvSpPr>
-          <p:cNvPr id="425" name="Google Shape;425;g5850248132_0_407:notes"/>
+          <p:cNvPr id="427" name="Google Shape;427;g5850248132_0_526:notes"/>
           <p:cNvSpPr/>
           <p:nvPr>
             <p:ph idx="2" type="sldImg"/>
@@ -1852,7 +1853,7 @@
       </p:sp>
       <p:sp>
         <p:nvSpPr>
-          <p:cNvPr id="426" name="Google Shape;426;g5850248132_0_407:notes"/>
+          <p:cNvPr id="428" name="Google Shape;428;g5850248132_0_526:notes"/>
           <p:cNvSpPr txBox="1"/>
           <p:nvPr>
             <p:ph idx="1" type="body"/>
@@ -1883,59 +1884,7 @@
               <a:buNone/>
             </a:pPr>
             <a:r>
-              <a:rPr lang="en"/>
-              <a:t>With a single train-test split, even if you randomize your data, you might get a biased/ imbalanced distribution on your test set, causing your measured test error to have high variance. That is, depending on your test set, empirically your error might be inconsistent on different test sets. In order to reduce this variance, we use a technique called k cross-fold validation to train the model’s parameters.</a:t>
-            </a:r>
-            <a:endParaRPr/>
-          </a:p>
-          <a:p>
-            <a:pPr indent="-317500" lvl="0" marL="457200" rtl="0" algn="l">
-              <a:spcBef>
-                <a:spcPts val="0"/>
-              </a:spcBef>
-              <a:spcAft>
-                <a:spcPts val="0"/>
-              </a:spcAft>
-              <a:buSzPts val="1400"/>
-              <a:buChar char="●"/>
-            </a:pPr>
-            <a:r>
-              <a:rPr lang="en"/>
-              <a:t>Split into k folds, train on k-1, test on kth fold.</a:t>
-            </a:r>
-            <a:endParaRPr/>
-          </a:p>
-          <a:p>
-            <a:pPr indent="-317500" lvl="0" marL="457200" rtl="0" algn="l">
-              <a:spcBef>
-                <a:spcPts val="0"/>
-              </a:spcBef>
-              <a:spcAft>
-                <a:spcPts val="0"/>
-              </a:spcAft>
-              <a:buSzPts val="1400"/>
-              <a:buChar char="●"/>
-            </a:pPr>
-            <a:r>
-              <a:rPr lang="en"/>
-              <a:t>Average parameters learned over k folds</a:t>
-            </a:r>
-            <a:endParaRPr/>
-          </a:p>
-          <a:p>
-            <a:pPr indent="-317500" lvl="0" marL="457200" rtl="0" algn="l">
-              <a:spcBef>
-                <a:spcPts val="0"/>
-              </a:spcBef>
-              <a:spcAft>
-                <a:spcPts val="0"/>
-              </a:spcAft>
-              <a:buSzPts val="1400"/>
-              <a:buChar char="●"/>
-            </a:pPr>
-            <a:r>
-              <a:rPr lang="en"/>
-              <a:t>Reduces variance, slight trade-off since we “waste 1/K” amount of data per iteration. Also K times more expensive to compute.</a:t>
+              <a:t/>
             </a:r>
             <a:endParaRPr/>
           </a:p>
@@ -2053,7 +2002,7 @@
   <p:cSld>
     <p:spTree>
       <p:nvGrpSpPr>
-        <p:cNvPr id="431" name="Shape 431"/>
+        <p:cNvPr id="434" name="Shape 434"/>
         <p:cNvGrpSpPr/>
         <p:nvPr/>
       </p:nvGrpSpPr>
@@ -2067,7 +2016,7 @@
       </p:grpSpPr>
       <p:sp>
         <p:nvSpPr>
-          <p:cNvPr id="432" name="Google Shape;432;g5ceede47ad_0_461:notes"/>
+          <p:cNvPr id="435" name="Google Shape;435;g5850248132_0_407:notes"/>
           <p:cNvSpPr/>
           <p:nvPr>
             <p:ph idx="2" type="sldImg"/>
@@ -2102,7 +2051,7 @@
       </p:sp>
       <p:sp>
         <p:nvSpPr>
-          <p:cNvPr id="433" name="Google Shape;433;g5ceede47ad_0_461:notes"/>
+          <p:cNvPr id="436" name="Google Shape;436;g5850248132_0_407:notes"/>
           <p:cNvSpPr txBox="1"/>
           <p:nvPr>
             <p:ph idx="1" type="body"/>
@@ -2133,7 +2082,59 @@
               <a:buNone/>
             </a:pPr>
             <a:r>
-              <a:t/>
+              <a:rPr lang="en"/>
+              <a:t>With a single train-test split, even if you randomize your data, you might get a biased/ imbalanced distribution on your test set, causing your measured test error to have high variance. That is, depending on your test set, empirically your error might be inconsistent on different test sets. In order to reduce this variance, we use a technique called k cross-fold validation to train the model’s parameters.</a:t>
+            </a:r>
+            <a:endParaRPr/>
+          </a:p>
+          <a:p>
+            <a:pPr indent="-317500" lvl="0" marL="457200" rtl="0" algn="l">
+              <a:spcBef>
+                <a:spcPts val="0"/>
+              </a:spcBef>
+              <a:spcAft>
+                <a:spcPts val="0"/>
+              </a:spcAft>
+              <a:buSzPts val="1400"/>
+              <a:buChar char="●"/>
+            </a:pPr>
+            <a:r>
+              <a:rPr lang="en"/>
+              <a:t>Split into k folds, train on k-1, test on kth fold.</a:t>
+            </a:r>
+            <a:endParaRPr/>
+          </a:p>
+          <a:p>
+            <a:pPr indent="-317500" lvl="0" marL="457200" rtl="0" algn="l">
+              <a:spcBef>
+                <a:spcPts val="0"/>
+              </a:spcBef>
+              <a:spcAft>
+                <a:spcPts val="0"/>
+              </a:spcAft>
+              <a:buSzPts val="1400"/>
+              <a:buChar char="●"/>
+            </a:pPr>
+            <a:r>
+              <a:rPr lang="en"/>
+              <a:t>Average parameters learned over k folds</a:t>
+            </a:r>
+            <a:endParaRPr/>
+          </a:p>
+          <a:p>
+            <a:pPr indent="-317500" lvl="0" marL="457200" rtl="0" algn="l">
+              <a:spcBef>
+                <a:spcPts val="0"/>
+              </a:spcBef>
+              <a:spcAft>
+                <a:spcPts val="0"/>
+              </a:spcAft>
+              <a:buSzPts val="1400"/>
+              <a:buChar char="●"/>
+            </a:pPr>
+            <a:r>
+              <a:rPr lang="en"/>
+              <a:t>Reduces variance, slight trade-off since we “waste 1/K” amount of data per iteration. Also K times more expensive to compute.</a:t>
             </a:r>
             <a:endParaRPr/>
           </a:p>
@@ -2152,7 +2153,7 @@
   <p:cSld>
     <p:spTree>
       <p:nvGrpSpPr>
-        <p:cNvPr id="437" name="Shape 437"/>
+        <p:cNvPr id="441" name="Shape 441"/>
         <p:cNvGrpSpPr/>
         <p:nvPr/>
       </p:nvGrpSpPr>
@@ -2166,7 +2167,7 @@
       </p:grpSpPr>
       <p:sp>
         <p:nvSpPr>
-          <p:cNvPr id="438" name="Google Shape;438;g5ceede47ad_0_292:notes"/>
+          <p:cNvPr id="442" name="Google Shape;442;g5ceede47ad_0_461:notes"/>
           <p:cNvSpPr/>
           <p:nvPr>
             <p:ph idx="2" type="sldImg"/>
@@ -2201,7 +2202,7 @@
       </p:sp>
       <p:sp>
         <p:nvSpPr>
-          <p:cNvPr id="439" name="Google Shape;439;g5ceede47ad_0_292:notes"/>
+          <p:cNvPr id="443" name="Google Shape;443;g5ceede47ad_0_461:notes"/>
           <p:cNvSpPr txBox="1"/>
           <p:nvPr>
             <p:ph idx="1" type="body"/>
@@ -2251,7 +2252,7 @@
   <p:cSld>
     <p:spTree>
       <p:nvGrpSpPr>
-        <p:cNvPr id="451" name="Shape 451"/>
+        <p:cNvPr id="447" name="Shape 447"/>
         <p:cNvGrpSpPr/>
         <p:nvPr/>
       </p:nvGrpSpPr>
@@ -2265,7 +2266,7 @@
       </p:grpSpPr>
       <p:sp>
         <p:nvSpPr>
-          <p:cNvPr id="452" name="Google Shape;452;g5850248132_0_519:notes"/>
+          <p:cNvPr id="448" name="Google Shape;448;g5ceede47ad_0_292:notes"/>
           <p:cNvSpPr/>
           <p:nvPr>
             <p:ph idx="2" type="sldImg"/>
@@ -2300,7 +2301,7 @@
       </p:sp>
       <p:sp>
         <p:nvSpPr>
-          <p:cNvPr id="453" name="Google Shape;453;g5850248132_0_519:notes"/>
+          <p:cNvPr id="449" name="Google Shape;449;g5ceede47ad_0_292:notes"/>
           <p:cNvSpPr txBox="1"/>
           <p:nvPr>
             <p:ph idx="1" type="body"/>
@@ -2331,98 +2332,7 @@
               <a:buNone/>
             </a:pPr>
             <a:r>
-              <a:rPr lang="en"/>
-              <a:t>One of the big reasons we do a train-test-split is to tackle the overfitting and underfitting problem. When we are training a model, what we essentially want to do is to have a model be able to reflect what happens in reality. However, the data that we get in reality typically contains a lot of noise, making it difficult to have a model to exactly predict the “correct” answer. When we underfit a model, it means our model isn’t complex enough, or hasn’t trained enough to learn the intricacies of what happens in reality, and is reflected by a high error in both the training set and test set. When we overfit a model, the model not only learns the trends that happen in reality, but also learns the noise in the environment, which is something we don’t want as the noise is generally randomized and provides no real insight for the inferences we are trying to make. An overfit model will typically have very low training set error but high test set error. </a:t>
-            </a:r>
-            <a:endParaRPr/>
-          </a:p>
-          <a:p>
-            <a:pPr indent="0" lvl="0" marL="0" rtl="0" algn="l">
-              <a:spcBef>
-                <a:spcPts val="0"/>
-              </a:spcBef>
-              <a:spcAft>
-                <a:spcPts val="0"/>
-              </a:spcAft>
-              <a:buNone/>
-            </a:pPr>
-            <a:r>
               <a:t/>
-            </a:r>
-            <a:endParaRPr/>
-          </a:p>
-          <a:p>
-            <a:pPr indent="0" lvl="0" marL="0" rtl="0" algn="l">
-              <a:spcBef>
-                <a:spcPts val="0"/>
-              </a:spcBef>
-              <a:spcAft>
-                <a:spcPts val="0"/>
-              </a:spcAft>
-              <a:buNone/>
-            </a:pPr>
-            <a:r>
-              <a:rPr lang="en"/>
-              <a:t>Note: talk about machine learning </a:t>
-            </a:r>
-            <a:r>
-              <a:rPr b="1" lang="en"/>
-              <a:t>model </a:t>
-            </a:r>
-            <a:r>
-              <a:rPr lang="en"/>
-              <a:t>terminology, call it a “prediction model”</a:t>
-            </a:r>
-            <a:endParaRPr/>
-          </a:p>
-          <a:p>
-            <a:pPr indent="-317500" lvl="0" marL="457200" rtl="0" algn="l">
-              <a:spcBef>
-                <a:spcPts val="0"/>
-              </a:spcBef>
-              <a:spcAft>
-                <a:spcPts val="0"/>
-              </a:spcAft>
-              <a:buSzPts val="1400"/>
-              <a:buChar char="-"/>
-            </a:pPr>
-            <a:r>
-              <a:rPr lang="en"/>
-              <a:t>Gathering data: a lot of open-source repos exist, e.g. Kaggle and UCI</a:t>
-            </a:r>
-            <a:endParaRPr/>
-          </a:p>
-          <a:p>
-            <a:pPr indent="-317500" lvl="0" marL="457200" rtl="0" algn="l">
-              <a:spcBef>
-                <a:spcPts val="0"/>
-              </a:spcBef>
-              <a:spcAft>
-                <a:spcPts val="0"/>
-              </a:spcAft>
-              <a:buSzPts val="1400"/>
-              <a:buChar char="-"/>
-            </a:pPr>
-            <a:r>
-              <a:rPr lang="en"/>
-              <a:t>Processing data: a lot of data is bad, missing, or uninterpretable by ML models, we need to process this data to improve performance</a:t>
-            </a:r>
-            <a:endParaRPr/>
-          </a:p>
-          <a:p>
-            <a:pPr indent="-317500" lvl="0" marL="457200" rtl="0" algn="l">
-              <a:spcBef>
-                <a:spcPts val="0"/>
-              </a:spcBef>
-              <a:spcAft>
-                <a:spcPts val="0"/>
-              </a:spcAft>
-              <a:buSzPts val="1400"/>
-              <a:buChar char="-"/>
-            </a:pPr>
-            <a:r>
-              <a:rPr lang="en"/>
-              <a:t>This also involves splitting your data into train/test splits. That is, for every machine learnin</a:t>
             </a:r>
             <a:endParaRPr/>
           </a:p>
@@ -2441,7 +2351,7 @@
   <p:cSld>
     <p:spTree>
       <p:nvGrpSpPr>
-        <p:cNvPr id="459" name="Shape 459"/>
+        <p:cNvPr id="461" name="Shape 461"/>
         <p:cNvGrpSpPr/>
         <p:nvPr/>
       </p:nvGrpSpPr>
@@ -2455,7 +2365,7 @@
       </p:grpSpPr>
       <p:sp>
         <p:nvSpPr>
-          <p:cNvPr id="460" name="Google Shape;460;g5850248132_0_209:notes"/>
+          <p:cNvPr id="462" name="Google Shape;462;g5850248132_0_519:notes"/>
           <p:cNvSpPr/>
           <p:nvPr>
             <p:ph idx="2" type="sldImg"/>
@@ -2490,7 +2400,7 @@
       </p:sp>
       <p:sp>
         <p:nvSpPr>
-          <p:cNvPr id="461" name="Google Shape;461;g5850248132_0_209:notes"/>
+          <p:cNvPr id="463" name="Google Shape;463;g5850248132_0_519:notes"/>
           <p:cNvSpPr txBox="1"/>
           <p:nvPr>
             <p:ph idx="1" type="body"/>
@@ -2521,7 +2431,98 @@
               <a:buNone/>
             </a:pPr>
             <a:r>
+              <a:rPr lang="en"/>
+              <a:t>One of the big reasons we do a train-test-split is to tackle the overfitting and underfitting problem. When we are training a model, what we essentially want to do is to have a model be able to reflect what happens in reality. However, the data that we get in reality typically contains a lot of noise, making it difficult to have a model to exactly predict the “correct” answer. When we underfit a model, it means our model isn’t complex enough, or hasn’t trained enough to learn the intricacies of what happens in reality, and is reflected by a high error in both the training set and test set. When we overfit a model, the model not only learns the trends that happen in reality, but also learns the noise in the environment, which is something we don’t want as the noise is generally randomized and provides no real insight for the inferences we are trying to make. An overfit model will typically have very low training set error but high test set error. </a:t>
+            </a:r>
+            <a:endParaRPr/>
+          </a:p>
+          <a:p>
+            <a:pPr indent="0" lvl="0" marL="0" rtl="0" algn="l">
+              <a:spcBef>
+                <a:spcPts val="0"/>
+              </a:spcBef>
+              <a:spcAft>
+                <a:spcPts val="0"/>
+              </a:spcAft>
+              <a:buNone/>
+            </a:pPr>
+            <a:r>
               <a:t/>
+            </a:r>
+            <a:endParaRPr/>
+          </a:p>
+          <a:p>
+            <a:pPr indent="0" lvl="0" marL="0" rtl="0" algn="l">
+              <a:spcBef>
+                <a:spcPts val="0"/>
+              </a:spcBef>
+              <a:spcAft>
+                <a:spcPts val="0"/>
+              </a:spcAft>
+              <a:buNone/>
+            </a:pPr>
+            <a:r>
+              <a:rPr lang="en"/>
+              <a:t>Note: talk about machine learning </a:t>
+            </a:r>
+            <a:r>
+              <a:rPr b="1" lang="en"/>
+              <a:t>model </a:t>
+            </a:r>
+            <a:r>
+              <a:rPr lang="en"/>
+              <a:t>terminology, call it a “prediction model”</a:t>
+            </a:r>
+            <a:endParaRPr/>
+          </a:p>
+          <a:p>
+            <a:pPr indent="-317500" lvl="0" marL="457200" rtl="0" algn="l">
+              <a:spcBef>
+                <a:spcPts val="0"/>
+              </a:spcBef>
+              <a:spcAft>
+                <a:spcPts val="0"/>
+              </a:spcAft>
+              <a:buSzPts val="1400"/>
+              <a:buChar char="-"/>
+            </a:pPr>
+            <a:r>
+              <a:rPr lang="en"/>
+              <a:t>Gathering data: a lot of open-source repos exist, e.g. Kaggle and UCI</a:t>
+            </a:r>
+            <a:endParaRPr/>
+          </a:p>
+          <a:p>
+            <a:pPr indent="-317500" lvl="0" marL="457200" rtl="0" algn="l">
+              <a:spcBef>
+                <a:spcPts val="0"/>
+              </a:spcBef>
+              <a:spcAft>
+                <a:spcPts val="0"/>
+              </a:spcAft>
+              <a:buSzPts val="1400"/>
+              <a:buChar char="-"/>
+            </a:pPr>
+            <a:r>
+              <a:rPr lang="en"/>
+              <a:t>Processing data: a lot of data is bad, missing, or uninterpretable by ML models, we need to process this data to improve performance</a:t>
+            </a:r>
+            <a:endParaRPr/>
+          </a:p>
+          <a:p>
+            <a:pPr indent="-317500" lvl="0" marL="457200" rtl="0" algn="l">
+              <a:spcBef>
+                <a:spcPts val="0"/>
+              </a:spcBef>
+              <a:spcAft>
+                <a:spcPts val="0"/>
+              </a:spcAft>
+              <a:buSzPts val="1400"/>
+              <a:buChar char="-"/>
+            </a:pPr>
+            <a:r>
+              <a:rPr lang="en"/>
+              <a:t>This also involves splitting your data into train/test splits. That is, for every machine learnin</a:t>
             </a:r>
             <a:endParaRPr/>
           </a:p>
@@ -2554,7 +2555,7 @@
       </p:grpSpPr>
       <p:sp>
         <p:nvSpPr>
-          <p:cNvPr id="470" name="Google Shape;470;g5850248132_0_490:notes"/>
+          <p:cNvPr id="470" name="Google Shape;470;g5850248132_0_209:notes"/>
           <p:cNvSpPr/>
           <p:nvPr>
             <p:ph idx="2" type="sldImg"/>
@@ -2589,7 +2590,7 @@
       </p:sp>
       <p:sp>
         <p:nvSpPr>
-          <p:cNvPr id="471" name="Google Shape;471;g5850248132_0_490:notes"/>
+          <p:cNvPr id="471" name="Google Shape;471;g5850248132_0_209:notes"/>
           <p:cNvSpPr txBox="1"/>
           <p:nvPr>
             <p:ph idx="1" type="body"/>
@@ -2653,7 +2654,7 @@
       </p:grpSpPr>
       <p:sp>
         <p:nvSpPr>
-          <p:cNvPr id="480" name="Google Shape;480;g5ceede47ad_0_368:notes"/>
+          <p:cNvPr id="480" name="Google Shape;480;g5850248132_0_490:notes"/>
           <p:cNvSpPr/>
           <p:nvPr>
             <p:ph idx="2" type="sldImg"/>
@@ -2688,7 +2689,7 @@
       </p:sp>
       <p:sp>
         <p:nvSpPr>
-          <p:cNvPr id="481" name="Google Shape;481;g5ceede47ad_0_368:notes"/>
+          <p:cNvPr id="481" name="Google Shape;481;g5850248132_0_490:notes"/>
           <p:cNvSpPr txBox="1"/>
           <p:nvPr>
             <p:ph idx="1" type="body"/>
@@ -2738,7 +2739,7 @@
   <p:cSld>
     <p:spTree>
       <p:nvGrpSpPr>
-        <p:cNvPr id="493" name="Shape 493"/>
+        <p:cNvPr id="489" name="Shape 489"/>
         <p:cNvGrpSpPr/>
         <p:nvPr/>
       </p:nvGrpSpPr>
@@ -2752,7 +2753,7 @@
       </p:grpSpPr>
       <p:sp>
         <p:nvSpPr>
-          <p:cNvPr id="494" name="Google Shape;494;g5850248132_0_508:notes"/>
+          <p:cNvPr id="490" name="Google Shape;490;g5ceede47ad_0_368:notes"/>
           <p:cNvSpPr/>
           <p:nvPr>
             <p:ph idx="2" type="sldImg"/>
@@ -2787,7 +2788,7 @@
       </p:sp>
       <p:sp>
         <p:nvSpPr>
-          <p:cNvPr id="495" name="Google Shape;495;g5850248132_0_508:notes"/>
+          <p:cNvPr id="491" name="Google Shape;491;g5ceede47ad_0_368:notes"/>
           <p:cNvSpPr txBox="1"/>
           <p:nvPr>
             <p:ph idx="1" type="body"/>
@@ -2837,7 +2838,7 @@
   <p:cSld>
     <p:spTree>
       <p:nvGrpSpPr>
-        <p:cNvPr id="499" name="Shape 499"/>
+        <p:cNvPr id="503" name="Shape 503"/>
         <p:cNvGrpSpPr/>
         <p:nvPr/>
       </p:nvGrpSpPr>
@@ -2851,7 +2852,7 @@
       </p:grpSpPr>
       <p:sp>
         <p:nvSpPr>
-          <p:cNvPr id="500" name="Google Shape;500;g5850248132_0_502:notes"/>
+          <p:cNvPr id="504" name="Google Shape;504;g5850248132_0_508:notes"/>
           <p:cNvSpPr/>
           <p:nvPr>
             <p:ph idx="2" type="sldImg"/>
@@ -2886,7 +2887,7 @@
       </p:sp>
       <p:sp>
         <p:nvSpPr>
-          <p:cNvPr id="501" name="Google Shape;501;g5850248132_0_502:notes"/>
+          <p:cNvPr id="505" name="Google Shape;505;g5850248132_0_508:notes"/>
           <p:cNvSpPr txBox="1"/>
           <p:nvPr>
             <p:ph idx="1" type="body"/>
@@ -2917,8 +2918,7 @@
               <a:buNone/>
             </a:pPr>
             <a:r>
-              <a:rPr lang="en"/>
-              <a:t>Switch to Jupyter Notebook</a:t>
+              <a:t/>
             </a:r>
             <a:endParaRPr/>
           </a:p>
@@ -2937,7 +2937,7 @@
   <p:cSld>
     <p:spTree>
       <p:nvGrpSpPr>
-        <p:cNvPr id="508" name="Shape 508"/>
+        <p:cNvPr id="509" name="Shape 509"/>
         <p:cNvGrpSpPr/>
         <p:nvPr/>
       </p:nvGrpSpPr>
@@ -2951,7 +2951,7 @@
       </p:grpSpPr>
       <p:sp>
         <p:nvSpPr>
-          <p:cNvPr id="509" name="Google Shape;509;g5ceede47ad_0_472:notes"/>
+          <p:cNvPr id="510" name="Google Shape;510;g5850248132_0_502:notes"/>
           <p:cNvSpPr/>
           <p:nvPr>
             <p:ph idx="2" type="sldImg"/>
@@ -2986,7 +2986,7 @@
       </p:sp>
       <p:sp>
         <p:nvSpPr>
-          <p:cNvPr id="510" name="Google Shape;510;g5ceede47ad_0_472:notes"/>
+          <p:cNvPr id="511" name="Google Shape;511;g5850248132_0_502:notes"/>
           <p:cNvSpPr txBox="1"/>
           <p:nvPr>
             <p:ph idx="1" type="body"/>
@@ -3017,44 +3017,8 @@
               <a:buNone/>
             </a:pPr>
             <a:r>
-              <a:rPr lang="en" u="sng">
-                <a:solidFill>
-                  <a:schemeClr val="hlink"/>
-                </a:solidFill>
-                <a:hlinkClick r:id="rId2"/>
-              </a:rPr>
-              <a:t>https://www.w3resource.com/python-exercises/numpy/linear-algebra/numpy-linear-algebra-exercise-1.php</a:t>
-            </a:r>
-            <a:endParaRPr/>
-          </a:p>
-          <a:p>
-            <a:pPr indent="0" lvl="0" marL="0" rtl="0" algn="l">
-              <a:spcBef>
-                <a:spcPts val="0"/>
-              </a:spcBef>
-              <a:spcAft>
-                <a:spcPts val="0"/>
-              </a:spcAft>
-              <a:buNone/>
-            </a:pPr>
-            <a:r>
-              <a:t/>
-            </a:r>
-            <a:endParaRPr/>
-          </a:p>
-          <a:p>
-            <a:pPr indent="0" lvl="0" marL="0" rtl="0" algn="l">
-              <a:spcBef>
-                <a:spcPts val="0"/>
-              </a:spcBef>
-              <a:spcAft>
-                <a:spcPts val="0"/>
-              </a:spcAft>
-              <a:buNone/>
-            </a:pPr>
-            <a:r>
               <a:rPr lang="en"/>
-              <a:t>Read up on eigenvectors and eigenvalues</a:t>
+              <a:t>Switch to Jupyter Notebook</a:t>
             </a:r>
             <a:endParaRPr/>
           </a:p>
@@ -3073,7 +3037,7 @@
   <p:cSld>
     <p:spTree>
       <p:nvGrpSpPr>
-        <p:cNvPr id="515" name="Shape 515"/>
+        <p:cNvPr id="518" name="Shape 518"/>
         <p:cNvGrpSpPr/>
         <p:nvPr/>
       </p:nvGrpSpPr>
@@ -3087,7 +3051,7 @@
       </p:grpSpPr>
       <p:sp>
         <p:nvSpPr>
-          <p:cNvPr id="516" name="Google Shape;516;g5ceede47ad_0_0:notes"/>
+          <p:cNvPr id="519" name="Google Shape;519;g5ceede47ad_0_472:notes"/>
           <p:cNvSpPr/>
           <p:nvPr>
             <p:ph idx="2" type="sldImg"/>
@@ -3095,7 +3059,7 @@
         </p:nvSpPr>
         <p:spPr>
           <a:xfrm>
-            <a:off x="1143213" y="685800"/>
+            <a:off x="1143225" y="685800"/>
             <a:ext cx="4572300" cy="3429000"/>
           </a:xfrm>
           <a:custGeom>
@@ -3122,7 +3086,7 @@
       </p:sp>
       <p:sp>
         <p:nvSpPr>
-          <p:cNvPr id="517" name="Google Shape;517;g5ceede47ad_0_0:notes"/>
+          <p:cNvPr id="520" name="Google Shape;520;g5ceede47ad_0_472:notes"/>
           <p:cNvSpPr txBox="1"/>
           <p:nvPr>
             <p:ph idx="1" type="body"/>
@@ -3222,6 +3186,105 @@
       <p:sp>
         <p:nvSpPr>
           <p:cNvPr id="271" name="Google Shape;271;g5ceede47ad_0_140:notes"/>
+          <p:cNvSpPr txBox="1"/>
+          <p:nvPr>
+            <p:ph idx="1" type="body"/>
+          </p:nvPr>
+        </p:nvSpPr>
+        <p:spPr>
+          <a:xfrm>
+            <a:off x="685800" y="4343400"/>
+            <a:ext cx="5486400" cy="4114800"/>
+          </a:xfrm>
+          <a:prstGeom prst="rect">
+            <a:avLst/>
+          </a:prstGeom>
+        </p:spPr>
+        <p:txBody>
+          <a:bodyPr anchorCtr="0" anchor="t" bIns="91425" lIns="91425" spcFirstLastPara="1" rIns="91425" wrap="square" tIns="91425">
+            <a:noAutofit/>
+          </a:bodyPr>
+          <a:lstStyle/>
+          <a:p>
+            <a:pPr indent="0" lvl="0" marL="0" rtl="0" algn="l">
+              <a:spcBef>
+                <a:spcPts val="0"/>
+              </a:spcBef>
+              <a:spcAft>
+                <a:spcPts val="0"/>
+              </a:spcAft>
+              <a:buNone/>
+            </a:pPr>
+            <a:r>
+              <a:t/>
+            </a:r>
+            <a:endParaRPr/>
+          </a:p>
+        </p:txBody>
+      </p:sp>
+    </p:spTree>
+  </p:cSld>
+  <p:clrMapOvr>
+    <a:masterClrMapping/>
+  </p:clrMapOvr>
+</p:notes>
+</file>
+
+<file path=ppt/notesSlides/notesSlide30.xml><?xml version="1.0" encoding="utf-8"?>
+<p:notes xmlns:a="http://schemas.openxmlformats.org/drawingml/2006/main" xmlns:r="http://schemas.openxmlformats.org/officeDocument/2006/relationships" xmlns:mc="http://schemas.openxmlformats.org/markup-compatibility/2006" xmlns:mv="urn:schemas-microsoft-com:mac:vml" xmlns:p="http://schemas.openxmlformats.org/presentationml/2006/main" xmlns:c="http://schemas.openxmlformats.org/drawingml/2006/chart" xmlns:dgm="http://schemas.openxmlformats.org/drawingml/2006/diagram" xmlns:o="urn:schemas-microsoft-com:office:office" xmlns:v="urn:schemas-microsoft-com:vml" xmlns:pvml="urn:schemas-microsoft-com:office:powerpoint" xmlns:com="http://schemas.openxmlformats.org/drawingml/2006/compatibility" xmlns:p14="http://schemas.microsoft.com/office/powerpoint/2010/main" xmlns:p15="http://schemas.microsoft.com/office/powerpoint/2012/main" showMasterPhAnim="0" showMasterSp="0">
+  <p:cSld>
+    <p:spTree>
+      <p:nvGrpSpPr>
+        <p:cNvPr id="525" name="Shape 525"/>
+        <p:cNvGrpSpPr/>
+        <p:nvPr/>
+      </p:nvGrpSpPr>
+      <p:grpSpPr>
+        <a:xfrm>
+          <a:off x="0" y="0"/>
+          <a:ext cx="0" cy="0"/>
+          <a:chOff x="0" y="0"/>
+          <a:chExt cx="0" cy="0"/>
+        </a:xfrm>
+      </p:grpSpPr>
+      <p:sp>
+        <p:nvSpPr>
+          <p:cNvPr id="526" name="Google Shape;526;g5ceede47ad_0_0:notes"/>
+          <p:cNvSpPr/>
+          <p:nvPr>
+            <p:ph idx="2" type="sldImg"/>
+          </p:nvPr>
+        </p:nvSpPr>
+        <p:spPr>
+          <a:xfrm>
+            <a:off x="1143213" y="685800"/>
+            <a:ext cx="4572300" cy="3429000"/>
+          </a:xfrm>
+          <a:custGeom>
+            <a:rect b="b" l="l" r="r" t="t"/>
+            <a:pathLst>
+              <a:path extrusionOk="0" h="120000" w="120000">
+                <a:moveTo>
+                  <a:pt x="0" y="0"/>
+                </a:moveTo>
+                <a:lnTo>
+                  <a:pt x="120000" y="0"/>
+                </a:lnTo>
+                <a:lnTo>
+                  <a:pt x="120000" y="120000"/>
+                </a:lnTo>
+                <a:lnTo>
+                  <a:pt x="0" y="120000"/>
+                </a:lnTo>
+                <a:close/>
+              </a:path>
+            </a:pathLst>
+          </a:custGeom>
+        </p:spPr>
+      </p:sp>
+      <p:sp>
+        <p:nvSpPr>
+          <p:cNvPr id="527" name="Google Shape;527;g5ceede47ad_0_0:notes"/>
           <p:cNvSpPr txBox="1"/>
           <p:nvPr>
             <p:ph idx="1" type="body"/>
@@ -26561,7 +26624,7 @@
             </a:pPr>
             <a:r>
               <a:rPr lang="en"/>
-              <a:t>Study the data and remove the unnecessary columns</a:t>
+              <a:t>Data Augmentation </a:t>
             </a:r>
             <a:endParaRPr/>
           </a:p>
@@ -26570,6 +26633,612 @@
       <p:sp>
         <p:nvSpPr>
           <p:cNvPr id="344" name="Google Shape;344;p54"/>
+          <p:cNvSpPr txBox="1"/>
+          <p:nvPr>
+            <p:ph idx="4294967295" type="body"/>
+          </p:nvPr>
+        </p:nvSpPr>
+        <p:spPr>
+          <a:xfrm>
+            <a:off x="786150" y="1347717"/>
+            <a:ext cx="7571700" cy="4764900"/>
+          </a:xfrm>
+          <a:prstGeom prst="rect">
+            <a:avLst/>
+          </a:prstGeom>
+        </p:spPr>
+        <p:txBody>
+          <a:bodyPr anchorCtr="0" anchor="t" bIns="91425" lIns="91425" spcFirstLastPara="1" rIns="91425" wrap="square" tIns="91425">
+            <a:noAutofit/>
+          </a:bodyPr>
+          <a:lstStyle/>
+          <a:p>
+            <a:pPr indent="-342900" lvl="0" marL="457200" rtl="0" algn="l">
+              <a:lnSpc>
+                <a:spcPct val="115000"/>
+              </a:lnSpc>
+              <a:spcBef>
+                <a:spcPts val="600"/>
+              </a:spcBef>
+              <a:spcAft>
+                <a:spcPts val="0"/>
+              </a:spcAft>
+              <a:buClr>
+                <a:srgbClr val="000000"/>
+              </a:buClr>
+              <a:buSzPts val="1800"/>
+              <a:buFont typeface="Roboto Slab"/>
+              <a:buChar char="●"/>
+            </a:pPr>
+            <a:r>
+              <a:rPr lang="en" sz="1800">
+                <a:solidFill>
+                  <a:srgbClr val="000000"/>
+                </a:solidFill>
+                <a:latin typeface="Roboto Slab"/>
+                <a:ea typeface="Roboto Slab"/>
+                <a:cs typeface="Roboto Slab"/>
+                <a:sym typeface="Roboto Slab"/>
+              </a:rPr>
+              <a:t>Performing </a:t>
+            </a:r>
+            <a:r>
+              <a:rPr b="1" lang="en" sz="1800">
+                <a:solidFill>
+                  <a:srgbClr val="000000"/>
+                </a:solidFill>
+                <a:latin typeface="Roboto Slab"/>
+                <a:ea typeface="Roboto Slab"/>
+                <a:cs typeface="Roboto Slab"/>
+                <a:sym typeface="Roboto Slab"/>
+              </a:rPr>
+              <a:t>linear transformation </a:t>
+            </a:r>
+            <a:r>
+              <a:rPr lang="en" sz="1800">
+                <a:solidFill>
+                  <a:srgbClr val="000000"/>
+                </a:solidFill>
+                <a:latin typeface="Roboto Slab"/>
+                <a:ea typeface="Roboto Slab"/>
+                <a:cs typeface="Roboto Slab"/>
+                <a:sym typeface="Roboto Slab"/>
+              </a:rPr>
+              <a:t>on existing data to s</a:t>
+            </a:r>
+            <a:r>
+              <a:rPr lang="en" sz="1800">
+                <a:solidFill>
+                  <a:srgbClr val="000000"/>
+                </a:solidFill>
+                <a:latin typeface="Roboto Slab"/>
+                <a:ea typeface="Roboto Slab"/>
+                <a:cs typeface="Roboto Slab"/>
+                <a:sym typeface="Roboto Slab"/>
+              </a:rPr>
+              <a:t>trategically generate more data for training.</a:t>
+            </a:r>
+            <a:endParaRPr sz="1800">
+              <a:solidFill>
+                <a:srgbClr val="000000"/>
+              </a:solidFill>
+              <a:latin typeface="Roboto Slab"/>
+              <a:ea typeface="Roboto Slab"/>
+              <a:cs typeface="Roboto Slab"/>
+              <a:sym typeface="Roboto Slab"/>
+            </a:endParaRPr>
+          </a:p>
+          <a:p>
+            <a:pPr indent="0" lvl="0" marL="0" rtl="0" algn="l">
+              <a:lnSpc>
+                <a:spcPct val="115000"/>
+              </a:lnSpc>
+              <a:spcBef>
+                <a:spcPts val="600"/>
+              </a:spcBef>
+              <a:spcAft>
+                <a:spcPts val="0"/>
+              </a:spcAft>
+              <a:buNone/>
+            </a:pPr>
+            <a:r>
+              <a:t/>
+            </a:r>
+            <a:endParaRPr sz="1800">
+              <a:solidFill>
+                <a:srgbClr val="000000"/>
+              </a:solidFill>
+              <a:latin typeface="Roboto Slab"/>
+              <a:ea typeface="Roboto Slab"/>
+              <a:cs typeface="Roboto Slab"/>
+              <a:sym typeface="Roboto Slab"/>
+            </a:endParaRPr>
+          </a:p>
+          <a:p>
+            <a:pPr indent="-342900" lvl="0" marL="457200" rtl="0" algn="l">
+              <a:lnSpc>
+                <a:spcPct val="115000"/>
+              </a:lnSpc>
+              <a:spcBef>
+                <a:spcPts val="600"/>
+              </a:spcBef>
+              <a:spcAft>
+                <a:spcPts val="0"/>
+              </a:spcAft>
+              <a:buClr>
+                <a:srgbClr val="000000"/>
+              </a:buClr>
+              <a:buSzPts val="1800"/>
+              <a:buFont typeface="Roboto Slab"/>
+              <a:buChar char="●"/>
+            </a:pPr>
+            <a:r>
+              <a:rPr lang="en" sz="1800">
+                <a:solidFill>
+                  <a:srgbClr val="000000"/>
+                </a:solidFill>
+                <a:latin typeface="Roboto Slab"/>
+                <a:ea typeface="Roboto Slab"/>
+                <a:cs typeface="Roboto Slab"/>
+                <a:sym typeface="Roboto Slab"/>
+              </a:rPr>
+              <a:t>Especially used in computer vision and Deep Learning (you’ll learn more about this later!) where models need a </a:t>
+            </a:r>
+            <a:r>
+              <a:rPr b="1" lang="en" sz="1800">
+                <a:solidFill>
+                  <a:srgbClr val="000000"/>
+                </a:solidFill>
+                <a:latin typeface="Roboto Slab"/>
+                <a:ea typeface="Roboto Slab"/>
+                <a:cs typeface="Roboto Slab"/>
+                <a:sym typeface="Roboto Slab"/>
+              </a:rPr>
+              <a:t>large</a:t>
+            </a:r>
+            <a:r>
+              <a:rPr lang="en" sz="1800">
+                <a:solidFill>
+                  <a:srgbClr val="000000"/>
+                </a:solidFill>
+                <a:latin typeface="Roboto Slab"/>
+                <a:ea typeface="Roboto Slab"/>
+                <a:cs typeface="Roboto Slab"/>
+                <a:sym typeface="Roboto Slab"/>
+              </a:rPr>
+              <a:t> amount of data to train. </a:t>
+            </a:r>
+            <a:endParaRPr sz="1800">
+              <a:solidFill>
+                <a:srgbClr val="000000"/>
+              </a:solidFill>
+              <a:latin typeface="Roboto Slab"/>
+              <a:ea typeface="Roboto Slab"/>
+              <a:cs typeface="Roboto Slab"/>
+              <a:sym typeface="Roboto Slab"/>
+            </a:endParaRPr>
+          </a:p>
+          <a:p>
+            <a:pPr indent="0" lvl="0" marL="0" rtl="0" algn="l">
+              <a:lnSpc>
+                <a:spcPct val="115000"/>
+              </a:lnSpc>
+              <a:spcBef>
+                <a:spcPts val="600"/>
+              </a:spcBef>
+              <a:spcAft>
+                <a:spcPts val="0"/>
+              </a:spcAft>
+              <a:buNone/>
+            </a:pPr>
+            <a:r>
+              <a:t/>
+            </a:r>
+            <a:endParaRPr sz="1800">
+              <a:solidFill>
+                <a:srgbClr val="000000"/>
+              </a:solidFill>
+              <a:latin typeface="Roboto Slab"/>
+              <a:ea typeface="Roboto Slab"/>
+              <a:cs typeface="Roboto Slab"/>
+              <a:sym typeface="Roboto Slab"/>
+            </a:endParaRPr>
+          </a:p>
+          <a:p>
+            <a:pPr indent="0" lvl="0" marL="0" rtl="0" algn="l">
+              <a:lnSpc>
+                <a:spcPct val="115000"/>
+              </a:lnSpc>
+              <a:spcBef>
+                <a:spcPts val="600"/>
+              </a:spcBef>
+              <a:spcAft>
+                <a:spcPts val="0"/>
+              </a:spcAft>
+              <a:buNone/>
+            </a:pPr>
+            <a:r>
+              <a:t/>
+            </a:r>
+            <a:endParaRPr sz="1800">
+              <a:solidFill>
+                <a:srgbClr val="000000"/>
+              </a:solidFill>
+              <a:latin typeface="Roboto Slab"/>
+              <a:ea typeface="Roboto Slab"/>
+              <a:cs typeface="Roboto Slab"/>
+              <a:sym typeface="Roboto Slab"/>
+            </a:endParaRPr>
+          </a:p>
+          <a:p>
+            <a:pPr indent="0" lvl="0" marL="0" rtl="0" algn="l">
+              <a:lnSpc>
+                <a:spcPct val="115000"/>
+              </a:lnSpc>
+              <a:spcBef>
+                <a:spcPts val="600"/>
+              </a:spcBef>
+              <a:spcAft>
+                <a:spcPts val="0"/>
+              </a:spcAft>
+              <a:buNone/>
+            </a:pPr>
+            <a:r>
+              <a:t/>
+            </a:r>
+            <a:endParaRPr sz="1800">
+              <a:solidFill>
+                <a:srgbClr val="000000"/>
+              </a:solidFill>
+              <a:latin typeface="Roboto Slab"/>
+              <a:ea typeface="Roboto Slab"/>
+              <a:cs typeface="Roboto Slab"/>
+              <a:sym typeface="Roboto Slab"/>
+            </a:endParaRPr>
+          </a:p>
+          <a:p>
+            <a:pPr indent="0" lvl="0" marL="0" rtl="0" algn="l">
+              <a:lnSpc>
+                <a:spcPct val="115000"/>
+              </a:lnSpc>
+              <a:spcBef>
+                <a:spcPts val="600"/>
+              </a:spcBef>
+              <a:spcAft>
+                <a:spcPts val="0"/>
+              </a:spcAft>
+              <a:buNone/>
+            </a:pPr>
+            <a:r>
+              <a:t/>
+            </a:r>
+            <a:endParaRPr sz="1800">
+              <a:solidFill>
+                <a:srgbClr val="000000"/>
+              </a:solidFill>
+              <a:latin typeface="Roboto Slab"/>
+              <a:ea typeface="Roboto Slab"/>
+              <a:cs typeface="Roboto Slab"/>
+              <a:sym typeface="Roboto Slab"/>
+            </a:endParaRPr>
+          </a:p>
+          <a:p>
+            <a:pPr indent="0" lvl="0" marL="0" rtl="0" algn="l">
+              <a:lnSpc>
+                <a:spcPct val="115000"/>
+              </a:lnSpc>
+              <a:spcBef>
+                <a:spcPts val="600"/>
+              </a:spcBef>
+              <a:spcAft>
+                <a:spcPts val="0"/>
+              </a:spcAft>
+              <a:buNone/>
+            </a:pPr>
+            <a:r>
+              <a:t/>
+            </a:r>
+            <a:endParaRPr sz="1800">
+              <a:solidFill>
+                <a:srgbClr val="000000"/>
+              </a:solidFill>
+              <a:latin typeface="Roboto Slab"/>
+              <a:ea typeface="Roboto Slab"/>
+              <a:cs typeface="Roboto Slab"/>
+              <a:sym typeface="Roboto Slab"/>
+            </a:endParaRPr>
+          </a:p>
+          <a:p>
+            <a:pPr indent="0" lvl="0" marL="0" rtl="0" algn="l">
+              <a:lnSpc>
+                <a:spcPct val="115000"/>
+              </a:lnSpc>
+              <a:spcBef>
+                <a:spcPts val="600"/>
+              </a:spcBef>
+              <a:spcAft>
+                <a:spcPts val="0"/>
+              </a:spcAft>
+              <a:buNone/>
+            </a:pPr>
+            <a:r>
+              <a:t/>
+            </a:r>
+            <a:endParaRPr sz="1800">
+              <a:solidFill>
+                <a:srgbClr val="000000"/>
+              </a:solidFill>
+              <a:latin typeface="Roboto Slab"/>
+              <a:ea typeface="Roboto Slab"/>
+              <a:cs typeface="Roboto Slab"/>
+              <a:sym typeface="Roboto Slab"/>
+            </a:endParaRPr>
+          </a:p>
+          <a:p>
+            <a:pPr indent="0" lvl="0" marL="0" rtl="0" algn="l">
+              <a:lnSpc>
+                <a:spcPct val="115000"/>
+              </a:lnSpc>
+              <a:spcBef>
+                <a:spcPts val="600"/>
+              </a:spcBef>
+              <a:spcAft>
+                <a:spcPts val="0"/>
+              </a:spcAft>
+              <a:buNone/>
+            </a:pPr>
+            <a:r>
+              <a:t/>
+            </a:r>
+            <a:endParaRPr sz="1800">
+              <a:solidFill>
+                <a:srgbClr val="000000"/>
+              </a:solidFill>
+              <a:latin typeface="Roboto Slab"/>
+              <a:ea typeface="Roboto Slab"/>
+              <a:cs typeface="Roboto Slab"/>
+              <a:sym typeface="Roboto Slab"/>
+            </a:endParaRPr>
+          </a:p>
+          <a:p>
+            <a:pPr indent="0" lvl="0" marL="0" rtl="0" algn="l">
+              <a:lnSpc>
+                <a:spcPct val="115000"/>
+              </a:lnSpc>
+              <a:spcBef>
+                <a:spcPts val="600"/>
+              </a:spcBef>
+              <a:spcAft>
+                <a:spcPts val="0"/>
+              </a:spcAft>
+              <a:buNone/>
+            </a:pPr>
+            <a:r>
+              <a:rPr lang="en" sz="1800">
+                <a:solidFill>
+                  <a:srgbClr val="000000"/>
+                </a:solidFill>
+                <a:latin typeface="Roboto Slab"/>
+                <a:ea typeface="Roboto Slab"/>
+                <a:cs typeface="Roboto Slab"/>
+                <a:sym typeface="Roboto Slab"/>
+              </a:rPr>
+              <a:t> </a:t>
+            </a:r>
+            <a:endParaRPr sz="1800">
+              <a:solidFill>
+                <a:srgbClr val="000000"/>
+              </a:solidFill>
+              <a:latin typeface="Roboto Slab"/>
+              <a:ea typeface="Roboto Slab"/>
+              <a:cs typeface="Roboto Slab"/>
+              <a:sym typeface="Roboto Slab"/>
+            </a:endParaRPr>
+          </a:p>
+        </p:txBody>
+      </p:sp>
+      <p:sp>
+        <p:nvSpPr>
+          <p:cNvPr id="345" name="Google Shape;345;p54"/>
+          <p:cNvSpPr txBox="1"/>
+          <p:nvPr>
+            <p:ph idx="12" type="sldNum"/>
+          </p:nvPr>
+        </p:nvSpPr>
+        <p:spPr>
+          <a:xfrm>
+            <a:off x="8404384" y="6333134"/>
+            <a:ext cx="548700" cy="525000"/>
+          </a:xfrm>
+          <a:prstGeom prst="rect">
+            <a:avLst/>
+          </a:prstGeom>
+        </p:spPr>
+        <p:txBody>
+          <a:bodyPr anchorCtr="0" anchor="t" bIns="91425" lIns="91425" spcFirstLastPara="1" rIns="91425" wrap="square" tIns="91425">
+            <a:noAutofit/>
+          </a:bodyPr>
+          <a:lstStyle/>
+          <a:p>
+            <a:pPr indent="0" lvl="0" marL="0" rtl="0" algn="r">
+              <a:spcBef>
+                <a:spcPts val="0"/>
+              </a:spcBef>
+              <a:spcAft>
+                <a:spcPts val="0"/>
+              </a:spcAft>
+              <a:buNone/>
+            </a:pPr>
+            <a:fld id="{00000000-1234-1234-1234-123412341234}" type="slidenum">
+              <a:rPr lang="en"/>
+              <a:t>‹#›</a:t>
+            </a:fld>
+            <a:endParaRPr/>
+          </a:p>
+        </p:txBody>
+      </p:sp>
+      <p:grpSp>
+        <p:nvGrpSpPr>
+          <p:cNvPr id="346" name="Google Shape;346;p54"/>
+          <p:cNvGrpSpPr/>
+          <p:nvPr/>
+        </p:nvGrpSpPr>
+        <p:grpSpPr>
+          <a:xfrm>
+            <a:off x="2432000" y="3598550"/>
+            <a:ext cx="4490450" cy="2893901"/>
+            <a:chOff x="908000" y="3598550"/>
+            <a:chExt cx="4490450" cy="2893901"/>
+          </a:xfrm>
+        </p:grpSpPr>
+        <p:pic>
+          <p:nvPicPr>
+            <p:cNvPr id="347" name="Google Shape;347;p54"/>
+            <p:cNvPicPr preferRelativeResize="0"/>
+            <p:nvPr/>
+          </p:nvPicPr>
+          <p:blipFill rotWithShape="1">
+            <a:blip r:embed="rId3">
+              <a:alphaModFix/>
+            </a:blip>
+            <a:srcRect b="12186" l="12249" r="9275" t="13142"/>
+            <a:stretch/>
+          </p:blipFill>
+          <p:spPr>
+            <a:xfrm>
+              <a:off x="908000" y="3598550"/>
+              <a:ext cx="4055149" cy="2893901"/>
+            </a:xfrm>
+            <a:prstGeom prst="rect">
+              <a:avLst/>
+            </a:prstGeom>
+            <a:noFill/>
+            <a:ln>
+              <a:noFill/>
+            </a:ln>
+          </p:spPr>
+        </p:pic>
+        <p:sp>
+          <p:nvSpPr>
+            <p:cNvPr id="348" name="Google Shape;348;p54"/>
+            <p:cNvSpPr txBox="1"/>
+            <p:nvPr/>
+          </p:nvSpPr>
+          <p:spPr>
+            <a:xfrm rot="5400000">
+              <a:off x="3910150" y="4651550"/>
+              <a:ext cx="2541300" cy="435300"/>
+            </a:xfrm>
+            <a:prstGeom prst="rect">
+              <a:avLst/>
+            </a:prstGeom>
+            <a:noFill/>
+            <a:ln>
+              <a:noFill/>
+            </a:ln>
+          </p:spPr>
+          <p:txBody>
+            <a:bodyPr anchorCtr="0" anchor="t" bIns="91425" lIns="91425" spcFirstLastPara="1" rIns="91425" wrap="square" tIns="91425">
+              <a:noAutofit/>
+            </a:bodyPr>
+            <a:lstStyle/>
+            <a:p>
+              <a:pPr indent="0" lvl="0" marL="0" rtl="0" algn="l">
+                <a:spcBef>
+                  <a:spcPts val="0"/>
+                </a:spcBef>
+                <a:spcAft>
+                  <a:spcPts val="0"/>
+                </a:spcAft>
+                <a:buNone/>
+              </a:pPr>
+              <a:r>
+                <a:rPr lang="en">
+                  <a:latin typeface="Roboto Slab"/>
+                  <a:ea typeface="Roboto Slab"/>
+                  <a:cs typeface="Roboto Slab"/>
+                  <a:sym typeface="Roboto Slab"/>
+                </a:rPr>
+                <a:t>Photos by Jason Brownlee</a:t>
+              </a:r>
+              <a:endParaRPr>
+                <a:latin typeface="Roboto Slab"/>
+                <a:ea typeface="Roboto Slab"/>
+                <a:cs typeface="Roboto Slab"/>
+                <a:sym typeface="Roboto Slab"/>
+              </a:endParaRPr>
+            </a:p>
+          </p:txBody>
+        </p:sp>
+      </p:grpSp>
+    </p:spTree>
+  </p:cSld>
+  <p:clrMapOvr>
+    <a:masterClrMapping/>
+  </p:clrMapOvr>
+</p:sld>
+</file>
+
+<file path=ppt/slides/slide11.xml><?xml version="1.0" encoding="utf-8"?>
+<p:sld xmlns:a="http://schemas.openxmlformats.org/drawingml/2006/main" xmlns:r="http://schemas.openxmlformats.org/officeDocument/2006/relationships" xmlns:mc="http://schemas.openxmlformats.org/markup-compatibility/2006" xmlns:mv="urn:schemas-microsoft-com:mac:vml" xmlns:p="http://schemas.openxmlformats.org/presentationml/2006/main" xmlns:c="http://schemas.openxmlformats.org/drawingml/2006/chart" xmlns:dgm="http://schemas.openxmlformats.org/drawingml/2006/diagram" xmlns:o="urn:schemas-microsoft-com:office:office" xmlns:v="urn:schemas-microsoft-com:vml" xmlns:pvml="urn:schemas-microsoft-com:office:powerpoint" xmlns:com="http://schemas.openxmlformats.org/drawingml/2006/compatibility" xmlns:p14="http://schemas.microsoft.com/office/powerpoint/2010/main" xmlns:p15="http://schemas.microsoft.com/office/powerpoint/2012/main">
+  <p:cSld>
+    <p:spTree>
+      <p:nvGrpSpPr>
+        <p:cNvPr id="352" name="Shape 352"/>
+        <p:cNvGrpSpPr/>
+        <p:nvPr/>
+      </p:nvGrpSpPr>
+      <p:grpSpPr>
+        <a:xfrm>
+          <a:off x="0" y="0"/>
+          <a:ext cx="0" cy="0"/>
+          <a:chOff x="0" y="0"/>
+          <a:chExt cx="0" cy="0"/>
+        </a:xfrm>
+      </p:grpSpPr>
+      <p:sp>
+        <p:nvSpPr>
+          <p:cNvPr id="353" name="Google Shape;353;p55"/>
+          <p:cNvSpPr txBox="1"/>
+          <p:nvPr>
+            <p:ph type="title"/>
+          </p:nvPr>
+        </p:nvSpPr>
+        <p:spPr>
+          <a:xfrm>
+            <a:off x="786150" y="410826"/>
+            <a:ext cx="7571700" cy="936900"/>
+          </a:xfrm>
+          <a:prstGeom prst="rect">
+            <a:avLst/>
+          </a:prstGeom>
+        </p:spPr>
+        <p:txBody>
+          <a:bodyPr anchorCtr="0" anchor="b" bIns="91425" lIns="91425" spcFirstLastPara="1" rIns="91425" wrap="square" tIns="91425">
+            <a:noAutofit/>
+          </a:bodyPr>
+          <a:lstStyle/>
+          <a:p>
+            <a:pPr indent="0" lvl="0" marL="0" rtl="0" algn="l">
+              <a:spcBef>
+                <a:spcPts val="0"/>
+              </a:spcBef>
+              <a:spcAft>
+                <a:spcPts val="0"/>
+              </a:spcAft>
+              <a:buNone/>
+            </a:pPr>
+            <a:r>
+              <a:rPr lang="en"/>
+              <a:t>Study the data and remove the unnecessary columns</a:t>
+            </a:r>
+            <a:endParaRPr/>
+          </a:p>
+        </p:txBody>
+      </p:sp>
+      <p:sp>
+        <p:nvSpPr>
+          <p:cNvPr id="354" name="Google Shape;354;p55"/>
           <p:cNvSpPr txBox="1"/>
           <p:nvPr>
             <p:ph idx="12" type="sldNum"/>
@@ -26617,7 +27286,7 @@
       </p:sp>
       <p:pic>
         <p:nvPicPr>
-          <p:cNvPr id="345" name="Google Shape;345;p54"/>
+          <p:cNvPr id="355" name="Google Shape;355;p55"/>
           <p:cNvPicPr preferRelativeResize="0"/>
           <p:nvPr/>
         </p:nvPicPr>
@@ -26645,7 +27314,7 @@
       </p:pic>
       <p:sp>
         <p:nvSpPr>
-          <p:cNvPr id="346" name="Google Shape;346;p54"/>
+          <p:cNvPr id="356" name="Google Shape;356;p55"/>
           <p:cNvSpPr/>
           <p:nvPr/>
         </p:nvSpPr>
@@ -26688,7 +27357,7 @@
       </p:sp>
       <p:sp>
         <p:nvSpPr>
-          <p:cNvPr id="347" name="Google Shape;347;p54"/>
+          <p:cNvPr id="357" name="Google Shape;357;p55"/>
           <p:cNvSpPr/>
           <p:nvPr/>
         </p:nvSpPr>
@@ -26768,7 +27437,7 @@
                                           </p:stCondLst>
                                         </p:cTn>
                                         <p:tgtEl>
-                                          <p:spTgt spid="347"/>
+                                          <p:spTgt spid="357"/>
                                         </p:tgtEl>
                                         <p:attrNameLst>
                                           <p:attrName>style.visibility</p:attrName>
@@ -26795,7 +27464,7 @@
                                           </p:stCondLst>
                                         </p:cTn>
                                         <p:tgtEl>
-                                          <p:spTgt spid="346"/>
+                                          <p:spTgt spid="356"/>
                                         </p:tgtEl>
                                         <p:attrNameLst>
                                           <p:attrName>style.visibility</p:attrName>
@@ -26839,365 +27508,6 @@
 </p:sld>
 </file>
 
-<file path=ppt/slides/slide11.xml><?xml version="1.0" encoding="utf-8"?>
-<p:sld xmlns:a="http://schemas.openxmlformats.org/drawingml/2006/main" xmlns:r="http://schemas.openxmlformats.org/officeDocument/2006/relationships" xmlns:mc="http://schemas.openxmlformats.org/markup-compatibility/2006" xmlns:mv="urn:schemas-microsoft-com:mac:vml" xmlns:p="http://schemas.openxmlformats.org/presentationml/2006/main" xmlns:c="http://schemas.openxmlformats.org/drawingml/2006/chart" xmlns:dgm="http://schemas.openxmlformats.org/drawingml/2006/diagram" xmlns:o="urn:schemas-microsoft-com:office:office" xmlns:v="urn:schemas-microsoft-com:vml" xmlns:pvml="urn:schemas-microsoft-com:office:powerpoint" xmlns:com="http://schemas.openxmlformats.org/drawingml/2006/compatibility" xmlns:p14="http://schemas.microsoft.com/office/powerpoint/2010/main" xmlns:p15="http://schemas.microsoft.com/office/powerpoint/2012/main">
-  <p:cSld>
-    <p:bg>
-      <p:bgPr>
-        <a:blipFill>
-          <a:blip r:embed="rId3">
-            <a:alphaModFix/>
-          </a:blip>
-          <a:stretch>
-            <a:fillRect/>
-          </a:stretch>
-        </a:blipFill>
-      </p:bgPr>
-    </p:bg>
-    <p:spTree>
-      <p:nvGrpSpPr>
-        <p:cNvPr id="351" name="Shape 351"/>
-        <p:cNvGrpSpPr/>
-        <p:nvPr/>
-      </p:nvGrpSpPr>
-      <p:grpSpPr>
-        <a:xfrm>
-          <a:off x="0" y="0"/>
-          <a:ext cx="0" cy="0"/>
-          <a:chOff x="0" y="0"/>
-          <a:chExt cx="0" cy="0"/>
-        </a:xfrm>
-      </p:grpSpPr>
-      <p:sp>
-        <p:nvSpPr>
-          <p:cNvPr id="352" name="Google Shape;352;p55"/>
-          <p:cNvSpPr txBox="1"/>
-          <p:nvPr>
-            <p:ph type="title"/>
-          </p:nvPr>
-        </p:nvSpPr>
-        <p:spPr>
-          <a:xfrm>
-            <a:off x="786150" y="410826"/>
-            <a:ext cx="7571700" cy="936900"/>
-          </a:xfrm>
-          <a:prstGeom prst="rect">
-            <a:avLst/>
-          </a:prstGeom>
-        </p:spPr>
-        <p:txBody>
-          <a:bodyPr anchorCtr="0" anchor="b" bIns="91425" lIns="91425" spcFirstLastPara="1" rIns="91425" wrap="square" tIns="91425">
-            <a:noAutofit/>
-          </a:bodyPr>
-          <a:lstStyle/>
-          <a:p>
-            <a:pPr indent="0" lvl="0" marL="0" rtl="0" algn="l">
-              <a:spcBef>
-                <a:spcPts val="0"/>
-              </a:spcBef>
-              <a:spcAft>
-                <a:spcPts val="0"/>
-              </a:spcAft>
-              <a:buNone/>
-            </a:pPr>
-            <a:r>
-              <a:rPr lang="en">
-                <a:solidFill>
-                  <a:srgbClr val="CC0000"/>
-                </a:solidFill>
-              </a:rPr>
-              <a:t>Train-Test Split</a:t>
-            </a:r>
-            <a:endParaRPr>
-              <a:solidFill>
-                <a:srgbClr val="CC0000"/>
-              </a:solidFill>
-            </a:endParaRPr>
-          </a:p>
-        </p:txBody>
-      </p:sp>
-      <p:sp>
-        <p:nvSpPr>
-          <p:cNvPr id="353" name="Google Shape;353;p55"/>
-          <p:cNvSpPr txBox="1"/>
-          <p:nvPr>
-            <p:ph idx="12" type="sldNum"/>
-          </p:nvPr>
-        </p:nvSpPr>
-        <p:spPr>
-          <a:xfrm>
-            <a:off x="8404384" y="6333134"/>
-            <a:ext cx="548700" cy="525000"/>
-          </a:xfrm>
-          <a:prstGeom prst="rect">
-            <a:avLst/>
-          </a:prstGeom>
-        </p:spPr>
-        <p:txBody>
-          <a:bodyPr anchorCtr="0" anchor="t" bIns="91425" lIns="91425" spcFirstLastPara="1" rIns="91425" wrap="square" tIns="91425">
-            <a:noAutofit/>
-          </a:bodyPr>
-          <a:lstStyle/>
-          <a:p>
-            <a:pPr indent="0" lvl="0" marL="0" rtl="0" algn="r">
-              <a:spcBef>
-                <a:spcPts val="0"/>
-              </a:spcBef>
-              <a:spcAft>
-                <a:spcPts val="0"/>
-              </a:spcAft>
-              <a:buNone/>
-            </a:pPr>
-            <a:fld id="{00000000-1234-1234-1234-123412341234}" type="slidenum">
-              <a:rPr lang="en">
-                <a:solidFill>
-                  <a:srgbClr val="C90813"/>
-                </a:solidFill>
-              </a:rPr>
-              <a:t>‹#›</a:t>
-            </a:fld>
-            <a:endParaRPr>
-              <a:solidFill>
-                <a:srgbClr val="C90813"/>
-              </a:solidFill>
-            </a:endParaRPr>
-          </a:p>
-        </p:txBody>
-      </p:sp>
-      <p:pic>
-        <p:nvPicPr>
-          <p:cNvPr id="354" name="Google Shape;354;p55"/>
-          <p:cNvPicPr preferRelativeResize="0"/>
-          <p:nvPr/>
-        </p:nvPicPr>
-        <p:blipFill>
-          <a:blip r:embed="rId4">
-            <a:alphaModFix/>
-          </a:blip>
-          <a:stretch>
-            <a:fillRect/>
-          </a:stretch>
-        </p:blipFill>
-        <p:spPr>
-          <a:xfrm>
-            <a:off x="1379825" y="1616825"/>
-            <a:ext cx="6384350" cy="4876750"/>
-          </a:xfrm>
-          <a:prstGeom prst="rect">
-            <a:avLst/>
-          </a:prstGeom>
-          <a:noFill/>
-          <a:ln>
-            <a:noFill/>
-          </a:ln>
-        </p:spPr>
-      </p:pic>
-      <p:sp>
-        <p:nvSpPr>
-          <p:cNvPr id="355" name="Google Shape;355;p55"/>
-          <p:cNvSpPr/>
-          <p:nvPr/>
-        </p:nvSpPr>
-        <p:spPr>
-          <a:xfrm>
-            <a:off x="1237425" y="1921000"/>
-            <a:ext cx="6679200" cy="3073500"/>
-          </a:xfrm>
-          <a:prstGeom prst="rect">
-            <a:avLst/>
-          </a:prstGeom>
-          <a:noFill/>
-          <a:ln cap="flat" cmpd="sng" w="9525">
-            <a:solidFill>
-              <a:srgbClr val="FF0000"/>
-            </a:solidFill>
-            <a:prstDash val="solid"/>
-            <a:round/>
-            <a:headEnd len="sm" w="sm" type="none"/>
-            <a:tailEnd len="sm" w="sm" type="none"/>
-          </a:ln>
-        </p:spPr>
-        <p:txBody>
-          <a:bodyPr anchorCtr="0" anchor="ctr" bIns="91425" lIns="91425" spcFirstLastPara="1" rIns="91425" wrap="square" tIns="91425">
-            <a:noAutofit/>
-          </a:bodyPr>
-          <a:lstStyle/>
-          <a:p>
-            <a:pPr indent="0" lvl="0" marL="0" rtl="0" algn="l">
-              <a:spcBef>
-                <a:spcPts val="0"/>
-              </a:spcBef>
-              <a:spcAft>
-                <a:spcPts val="0"/>
-              </a:spcAft>
-              <a:buNone/>
-            </a:pPr>
-            <a:r>
-              <a:t/>
-            </a:r>
-            <a:endParaRPr/>
-          </a:p>
-        </p:txBody>
-      </p:sp>
-      <p:sp>
-        <p:nvSpPr>
-          <p:cNvPr id="356" name="Google Shape;356;p55"/>
-          <p:cNvSpPr/>
-          <p:nvPr/>
-        </p:nvSpPr>
-        <p:spPr>
-          <a:xfrm>
-            <a:off x="1237575" y="4994500"/>
-            <a:ext cx="6679200" cy="1710000"/>
-          </a:xfrm>
-          <a:prstGeom prst="rect">
-            <a:avLst/>
-          </a:prstGeom>
-          <a:noFill/>
-          <a:ln cap="flat" cmpd="sng" w="9525">
-            <a:solidFill>
-              <a:srgbClr val="00FFFF"/>
-            </a:solidFill>
-            <a:prstDash val="solid"/>
-            <a:round/>
-            <a:headEnd len="sm" w="sm" type="none"/>
-            <a:tailEnd len="sm" w="sm" type="none"/>
-          </a:ln>
-        </p:spPr>
-        <p:txBody>
-          <a:bodyPr anchorCtr="0" anchor="ctr" bIns="91425" lIns="91425" spcFirstLastPara="1" rIns="91425" wrap="square" tIns="91425">
-            <a:noAutofit/>
-          </a:bodyPr>
-          <a:lstStyle/>
-          <a:p>
-            <a:pPr indent="0" lvl="0" marL="0" rtl="0" algn="l">
-              <a:spcBef>
-                <a:spcPts val="0"/>
-              </a:spcBef>
-              <a:spcAft>
-                <a:spcPts val="0"/>
-              </a:spcAft>
-              <a:buNone/>
-            </a:pPr>
-            <a:r>
-              <a:t/>
-            </a:r>
-            <a:endParaRPr/>
-          </a:p>
-        </p:txBody>
-      </p:sp>
-      <p:sp>
-        <p:nvSpPr>
-          <p:cNvPr id="357" name="Google Shape;357;p55"/>
-          <p:cNvSpPr txBox="1"/>
-          <p:nvPr/>
-        </p:nvSpPr>
-        <p:spPr>
-          <a:xfrm rot="-5400000">
-            <a:off x="7618875" y="3237150"/>
-            <a:ext cx="979500" cy="383700"/>
-          </a:xfrm>
-          <a:prstGeom prst="rect">
-            <a:avLst/>
-          </a:prstGeom>
-          <a:noFill/>
-          <a:ln>
-            <a:noFill/>
-          </a:ln>
-        </p:spPr>
-        <p:txBody>
-          <a:bodyPr anchorCtr="0" anchor="t" bIns="91425" lIns="91425" spcFirstLastPara="1" rIns="91425" wrap="square" tIns="91425">
-            <a:noAutofit/>
-          </a:bodyPr>
-          <a:lstStyle/>
-          <a:p>
-            <a:pPr indent="0" lvl="0" marL="0" rtl="0" algn="l">
-              <a:spcBef>
-                <a:spcPts val="0"/>
-              </a:spcBef>
-              <a:spcAft>
-                <a:spcPts val="0"/>
-              </a:spcAft>
-              <a:buNone/>
-            </a:pPr>
-            <a:r>
-              <a:rPr lang="en" sz="1900">
-                <a:latin typeface="Source Sans Pro"/>
-                <a:ea typeface="Source Sans Pro"/>
-                <a:cs typeface="Source Sans Pro"/>
-                <a:sym typeface="Source Sans Pro"/>
-              </a:rPr>
-              <a:t>TRAIN</a:t>
-            </a:r>
-            <a:endParaRPr sz="1900">
-              <a:latin typeface="Source Sans Pro"/>
-              <a:ea typeface="Source Sans Pro"/>
-              <a:cs typeface="Source Sans Pro"/>
-              <a:sym typeface="Source Sans Pro"/>
-            </a:endParaRPr>
-          </a:p>
-        </p:txBody>
-      </p:sp>
-      <p:sp>
-        <p:nvSpPr>
-          <p:cNvPr id="358" name="Google Shape;358;p55"/>
-          <p:cNvSpPr txBox="1"/>
-          <p:nvPr/>
-        </p:nvSpPr>
-        <p:spPr>
-          <a:xfrm rot="-5400000">
-            <a:off x="7722775" y="5581125"/>
-            <a:ext cx="979500" cy="383700"/>
-          </a:xfrm>
-          <a:prstGeom prst="rect">
-            <a:avLst/>
-          </a:prstGeom>
-          <a:noFill/>
-          <a:ln>
-            <a:noFill/>
-          </a:ln>
-        </p:spPr>
-        <p:txBody>
-          <a:bodyPr anchorCtr="0" anchor="t" bIns="91425" lIns="91425" spcFirstLastPara="1" rIns="91425" wrap="square" tIns="91425">
-            <a:noAutofit/>
-          </a:bodyPr>
-          <a:lstStyle/>
-          <a:p>
-            <a:pPr indent="0" lvl="0" marL="0" rtl="0" algn="l">
-              <a:spcBef>
-                <a:spcPts val="0"/>
-              </a:spcBef>
-              <a:spcAft>
-                <a:spcPts val="0"/>
-              </a:spcAft>
-              <a:buNone/>
-            </a:pPr>
-            <a:r>
-              <a:rPr lang="en" sz="1900">
-                <a:latin typeface="Source Sans Pro"/>
-                <a:ea typeface="Source Sans Pro"/>
-                <a:cs typeface="Source Sans Pro"/>
-                <a:sym typeface="Source Sans Pro"/>
-              </a:rPr>
-              <a:t>TEST</a:t>
-            </a:r>
-            <a:endParaRPr sz="1900">
-              <a:latin typeface="Source Sans Pro"/>
-              <a:ea typeface="Source Sans Pro"/>
-              <a:cs typeface="Source Sans Pro"/>
-              <a:sym typeface="Source Sans Pro"/>
-            </a:endParaRPr>
-          </a:p>
-        </p:txBody>
-      </p:sp>
-    </p:spTree>
-  </p:cSld>
-  <p:clrMapOvr>
-    <a:masterClrMapping/>
-  </p:clrMapOvr>
-</p:sld>
-</file>
-
 <file path=ppt/slides/slide12.xml><?xml version="1.0" encoding="utf-8"?>
 <p:sld xmlns:a="http://schemas.openxmlformats.org/drawingml/2006/main" xmlns:r="http://schemas.openxmlformats.org/officeDocument/2006/relationships" xmlns:mc="http://schemas.openxmlformats.org/markup-compatibility/2006" xmlns:mv="urn:schemas-microsoft-com:mac:vml" xmlns:p="http://schemas.openxmlformats.org/presentationml/2006/main" xmlns:c="http://schemas.openxmlformats.org/drawingml/2006/chart" xmlns:dgm="http://schemas.openxmlformats.org/drawingml/2006/diagram" xmlns:o="urn:schemas-microsoft-com:office:office" xmlns:v="urn:schemas-microsoft-com:vml" xmlns:pvml="urn:schemas-microsoft-com:office:powerpoint" xmlns:com="http://schemas.openxmlformats.org/drawingml/2006/compatibility" xmlns:p14="http://schemas.microsoft.com/office/powerpoint/2010/main" xmlns:p15="http://schemas.microsoft.com/office/powerpoint/2012/main">
   <p:cSld>
@@ -27215,7 +27525,7 @@
     </p:bg>
     <p:spTree>
       <p:nvGrpSpPr>
-        <p:cNvPr id="362" name="Shape 362"/>
+        <p:cNvPr id="361" name="Shape 361"/>
         <p:cNvGrpSpPr/>
         <p:nvPr/>
       </p:nvGrpSpPr>
@@ -27229,7 +27539,7 @@
       </p:grpSpPr>
       <p:sp>
         <p:nvSpPr>
-          <p:cNvPr id="363" name="Google Shape;363;p56"/>
+          <p:cNvPr id="362" name="Google Shape;362;p56"/>
           <p:cNvSpPr txBox="1"/>
           <p:nvPr>
             <p:ph type="title"/>
@@ -27265,7 +27575,7 @@
                   <a:srgbClr val="CC0000"/>
                 </a:solidFill>
               </a:rPr>
-              <a:t>Overfitting vs Underfitting</a:t>
+              <a:t>Train-Test Split</a:t>
             </a:r>
             <a:endParaRPr>
               <a:solidFill>
@@ -27277,7 +27587,7 @@
       </p:sp>
       <p:sp>
         <p:nvSpPr>
-          <p:cNvPr id="364" name="Google Shape;364;p56"/>
+          <p:cNvPr id="363" name="Google Shape;363;p56"/>
           <p:cNvSpPr txBox="1"/>
           <p:nvPr>
             <p:ph idx="12" type="sldNum"/>
@@ -27325,7 +27635,7 @@
       </p:sp>
       <p:pic>
         <p:nvPicPr>
-          <p:cNvPr id="365" name="Google Shape;365;p56"/>
+          <p:cNvPr id="364" name="Google Shape;364;p56"/>
           <p:cNvPicPr preferRelativeResize="0"/>
           <p:nvPr/>
         </p:nvPicPr>
@@ -27339,8 +27649,8 @@
         </p:blipFill>
         <p:spPr>
           <a:xfrm>
-            <a:off x="1104900" y="1347726"/>
-            <a:ext cx="6934200" cy="5200650"/>
+            <a:off x="1379825" y="1616825"/>
+            <a:ext cx="6384350" cy="4876750"/>
           </a:xfrm>
           <a:prstGeom prst="rect">
             <a:avLst/>
@@ -27353,7 +27663,366 @@
       </p:pic>
       <p:sp>
         <p:nvSpPr>
+          <p:cNvPr id="365" name="Google Shape;365;p56"/>
+          <p:cNvSpPr/>
+          <p:nvPr/>
+        </p:nvSpPr>
+        <p:spPr>
+          <a:xfrm>
+            <a:off x="1237425" y="1921000"/>
+            <a:ext cx="6679200" cy="3073500"/>
+          </a:xfrm>
+          <a:prstGeom prst="rect">
+            <a:avLst/>
+          </a:prstGeom>
+          <a:noFill/>
+          <a:ln cap="flat" cmpd="sng" w="9525">
+            <a:solidFill>
+              <a:srgbClr val="FF0000"/>
+            </a:solidFill>
+            <a:prstDash val="solid"/>
+            <a:round/>
+            <a:headEnd len="sm" w="sm" type="none"/>
+            <a:tailEnd len="sm" w="sm" type="none"/>
+          </a:ln>
+        </p:spPr>
+        <p:txBody>
+          <a:bodyPr anchorCtr="0" anchor="ctr" bIns="91425" lIns="91425" spcFirstLastPara="1" rIns="91425" wrap="square" tIns="91425">
+            <a:noAutofit/>
+          </a:bodyPr>
+          <a:lstStyle/>
+          <a:p>
+            <a:pPr indent="0" lvl="0" marL="0" rtl="0" algn="l">
+              <a:spcBef>
+                <a:spcPts val="0"/>
+              </a:spcBef>
+              <a:spcAft>
+                <a:spcPts val="0"/>
+              </a:spcAft>
+              <a:buNone/>
+            </a:pPr>
+            <a:r>
+              <a:t/>
+            </a:r>
+            <a:endParaRPr/>
+          </a:p>
+        </p:txBody>
+      </p:sp>
+      <p:sp>
+        <p:nvSpPr>
           <p:cNvPr id="366" name="Google Shape;366;p56"/>
+          <p:cNvSpPr/>
+          <p:nvPr/>
+        </p:nvSpPr>
+        <p:spPr>
+          <a:xfrm>
+            <a:off x="1237575" y="4994500"/>
+            <a:ext cx="6679200" cy="1710000"/>
+          </a:xfrm>
+          <a:prstGeom prst="rect">
+            <a:avLst/>
+          </a:prstGeom>
+          <a:noFill/>
+          <a:ln cap="flat" cmpd="sng" w="9525">
+            <a:solidFill>
+              <a:srgbClr val="00FFFF"/>
+            </a:solidFill>
+            <a:prstDash val="solid"/>
+            <a:round/>
+            <a:headEnd len="sm" w="sm" type="none"/>
+            <a:tailEnd len="sm" w="sm" type="none"/>
+          </a:ln>
+        </p:spPr>
+        <p:txBody>
+          <a:bodyPr anchorCtr="0" anchor="ctr" bIns="91425" lIns="91425" spcFirstLastPara="1" rIns="91425" wrap="square" tIns="91425">
+            <a:noAutofit/>
+          </a:bodyPr>
+          <a:lstStyle/>
+          <a:p>
+            <a:pPr indent="0" lvl="0" marL="0" rtl="0" algn="l">
+              <a:spcBef>
+                <a:spcPts val="0"/>
+              </a:spcBef>
+              <a:spcAft>
+                <a:spcPts val="0"/>
+              </a:spcAft>
+              <a:buNone/>
+            </a:pPr>
+            <a:r>
+              <a:t/>
+            </a:r>
+            <a:endParaRPr/>
+          </a:p>
+        </p:txBody>
+      </p:sp>
+      <p:sp>
+        <p:nvSpPr>
+          <p:cNvPr id="367" name="Google Shape;367;p56"/>
+          <p:cNvSpPr txBox="1"/>
+          <p:nvPr/>
+        </p:nvSpPr>
+        <p:spPr>
+          <a:xfrm rot="-5400000">
+            <a:off x="7618875" y="3237150"/>
+            <a:ext cx="979500" cy="383700"/>
+          </a:xfrm>
+          <a:prstGeom prst="rect">
+            <a:avLst/>
+          </a:prstGeom>
+          <a:noFill/>
+          <a:ln>
+            <a:noFill/>
+          </a:ln>
+        </p:spPr>
+        <p:txBody>
+          <a:bodyPr anchorCtr="0" anchor="t" bIns="91425" lIns="91425" spcFirstLastPara="1" rIns="91425" wrap="square" tIns="91425">
+            <a:noAutofit/>
+          </a:bodyPr>
+          <a:lstStyle/>
+          <a:p>
+            <a:pPr indent="0" lvl="0" marL="0" rtl="0" algn="l">
+              <a:spcBef>
+                <a:spcPts val="0"/>
+              </a:spcBef>
+              <a:spcAft>
+                <a:spcPts val="0"/>
+              </a:spcAft>
+              <a:buNone/>
+            </a:pPr>
+            <a:r>
+              <a:rPr lang="en" sz="1900">
+                <a:latin typeface="Source Sans Pro"/>
+                <a:ea typeface="Source Sans Pro"/>
+                <a:cs typeface="Source Sans Pro"/>
+                <a:sym typeface="Source Sans Pro"/>
+              </a:rPr>
+              <a:t>TRAIN</a:t>
+            </a:r>
+            <a:endParaRPr sz="1900">
+              <a:latin typeface="Source Sans Pro"/>
+              <a:ea typeface="Source Sans Pro"/>
+              <a:cs typeface="Source Sans Pro"/>
+              <a:sym typeface="Source Sans Pro"/>
+            </a:endParaRPr>
+          </a:p>
+        </p:txBody>
+      </p:sp>
+      <p:sp>
+        <p:nvSpPr>
+          <p:cNvPr id="368" name="Google Shape;368;p56"/>
+          <p:cNvSpPr txBox="1"/>
+          <p:nvPr/>
+        </p:nvSpPr>
+        <p:spPr>
+          <a:xfrm rot="-5400000">
+            <a:off x="7722775" y="5581125"/>
+            <a:ext cx="979500" cy="383700"/>
+          </a:xfrm>
+          <a:prstGeom prst="rect">
+            <a:avLst/>
+          </a:prstGeom>
+          <a:noFill/>
+          <a:ln>
+            <a:noFill/>
+          </a:ln>
+        </p:spPr>
+        <p:txBody>
+          <a:bodyPr anchorCtr="0" anchor="t" bIns="91425" lIns="91425" spcFirstLastPara="1" rIns="91425" wrap="square" tIns="91425">
+            <a:noAutofit/>
+          </a:bodyPr>
+          <a:lstStyle/>
+          <a:p>
+            <a:pPr indent="0" lvl="0" marL="0" rtl="0" algn="l">
+              <a:spcBef>
+                <a:spcPts val="0"/>
+              </a:spcBef>
+              <a:spcAft>
+                <a:spcPts val="0"/>
+              </a:spcAft>
+              <a:buNone/>
+            </a:pPr>
+            <a:r>
+              <a:rPr lang="en" sz="1900">
+                <a:latin typeface="Source Sans Pro"/>
+                <a:ea typeface="Source Sans Pro"/>
+                <a:cs typeface="Source Sans Pro"/>
+                <a:sym typeface="Source Sans Pro"/>
+              </a:rPr>
+              <a:t>TEST</a:t>
+            </a:r>
+            <a:endParaRPr sz="1900">
+              <a:latin typeface="Source Sans Pro"/>
+              <a:ea typeface="Source Sans Pro"/>
+              <a:cs typeface="Source Sans Pro"/>
+              <a:sym typeface="Source Sans Pro"/>
+            </a:endParaRPr>
+          </a:p>
+        </p:txBody>
+      </p:sp>
+    </p:spTree>
+  </p:cSld>
+  <p:clrMapOvr>
+    <a:masterClrMapping/>
+  </p:clrMapOvr>
+</p:sld>
+</file>
+
+<file path=ppt/slides/slide13.xml><?xml version="1.0" encoding="utf-8"?>
+<p:sld xmlns:a="http://schemas.openxmlformats.org/drawingml/2006/main" xmlns:r="http://schemas.openxmlformats.org/officeDocument/2006/relationships" xmlns:mc="http://schemas.openxmlformats.org/markup-compatibility/2006" xmlns:mv="urn:schemas-microsoft-com:mac:vml" xmlns:p="http://schemas.openxmlformats.org/presentationml/2006/main" xmlns:c="http://schemas.openxmlformats.org/drawingml/2006/chart" xmlns:dgm="http://schemas.openxmlformats.org/drawingml/2006/diagram" xmlns:o="urn:schemas-microsoft-com:office:office" xmlns:v="urn:schemas-microsoft-com:vml" xmlns:pvml="urn:schemas-microsoft-com:office:powerpoint" xmlns:com="http://schemas.openxmlformats.org/drawingml/2006/compatibility" xmlns:p14="http://schemas.microsoft.com/office/powerpoint/2010/main" xmlns:p15="http://schemas.microsoft.com/office/powerpoint/2012/main">
+  <p:cSld>
+    <p:bg>
+      <p:bgPr>
+        <a:blipFill>
+          <a:blip r:embed="rId3">
+            <a:alphaModFix/>
+          </a:blip>
+          <a:stretch>
+            <a:fillRect/>
+          </a:stretch>
+        </a:blipFill>
+      </p:bgPr>
+    </p:bg>
+    <p:spTree>
+      <p:nvGrpSpPr>
+        <p:cNvPr id="372" name="Shape 372"/>
+        <p:cNvGrpSpPr/>
+        <p:nvPr/>
+      </p:nvGrpSpPr>
+      <p:grpSpPr>
+        <a:xfrm>
+          <a:off x="0" y="0"/>
+          <a:ext cx="0" cy="0"/>
+          <a:chOff x="0" y="0"/>
+          <a:chExt cx="0" cy="0"/>
+        </a:xfrm>
+      </p:grpSpPr>
+      <p:sp>
+        <p:nvSpPr>
+          <p:cNvPr id="373" name="Google Shape;373;p57"/>
+          <p:cNvSpPr txBox="1"/>
+          <p:nvPr>
+            <p:ph type="title"/>
+          </p:nvPr>
+        </p:nvSpPr>
+        <p:spPr>
+          <a:xfrm>
+            <a:off x="786150" y="410826"/>
+            <a:ext cx="7571700" cy="936900"/>
+          </a:xfrm>
+          <a:prstGeom prst="rect">
+            <a:avLst/>
+          </a:prstGeom>
+        </p:spPr>
+        <p:txBody>
+          <a:bodyPr anchorCtr="0" anchor="b" bIns="91425" lIns="91425" spcFirstLastPara="1" rIns="91425" wrap="square" tIns="91425">
+            <a:noAutofit/>
+          </a:bodyPr>
+          <a:lstStyle/>
+          <a:p>
+            <a:pPr indent="0" lvl="0" marL="0" rtl="0" algn="l">
+              <a:spcBef>
+                <a:spcPts val="0"/>
+              </a:spcBef>
+              <a:spcAft>
+                <a:spcPts val="0"/>
+              </a:spcAft>
+              <a:buNone/>
+            </a:pPr>
+            <a:r>
+              <a:rPr lang="en">
+                <a:solidFill>
+                  <a:srgbClr val="CC0000"/>
+                </a:solidFill>
+              </a:rPr>
+              <a:t>Overfitting vs Underfitting</a:t>
+            </a:r>
+            <a:endParaRPr>
+              <a:solidFill>
+                <a:srgbClr val="CC0000"/>
+              </a:solidFill>
+            </a:endParaRPr>
+          </a:p>
+        </p:txBody>
+      </p:sp>
+      <p:sp>
+        <p:nvSpPr>
+          <p:cNvPr id="374" name="Google Shape;374;p57"/>
+          <p:cNvSpPr txBox="1"/>
+          <p:nvPr>
+            <p:ph idx="12" type="sldNum"/>
+          </p:nvPr>
+        </p:nvSpPr>
+        <p:spPr>
+          <a:xfrm>
+            <a:off x="8404384" y="6333134"/>
+            <a:ext cx="548700" cy="525000"/>
+          </a:xfrm>
+          <a:prstGeom prst="rect">
+            <a:avLst/>
+          </a:prstGeom>
+        </p:spPr>
+        <p:txBody>
+          <a:bodyPr anchorCtr="0" anchor="t" bIns="91425" lIns="91425" spcFirstLastPara="1" rIns="91425" wrap="square" tIns="91425">
+            <a:noAutofit/>
+          </a:bodyPr>
+          <a:lstStyle/>
+          <a:p>
+            <a:pPr indent="0" lvl="0" marL="0" rtl="0" algn="r">
+              <a:spcBef>
+                <a:spcPts val="0"/>
+              </a:spcBef>
+              <a:spcAft>
+                <a:spcPts val="0"/>
+              </a:spcAft>
+              <a:buNone/>
+            </a:pPr>
+            <a:fld id="{00000000-1234-1234-1234-123412341234}" type="slidenum">
+              <a:rPr lang="en">
+                <a:solidFill>
+                  <a:srgbClr val="C90813"/>
+                </a:solidFill>
+              </a:rPr>
+              <a:t>‹#›</a:t>
+            </a:fld>
+            <a:endParaRPr>
+              <a:solidFill>
+                <a:srgbClr val="C90813"/>
+              </a:solidFill>
+            </a:endParaRPr>
+          </a:p>
+        </p:txBody>
+      </p:sp>
+      <p:pic>
+        <p:nvPicPr>
+          <p:cNvPr id="375" name="Google Shape;375;p57"/>
+          <p:cNvPicPr preferRelativeResize="0"/>
+          <p:nvPr/>
+        </p:nvPicPr>
+        <p:blipFill>
+          <a:blip r:embed="rId4">
+            <a:alphaModFix/>
+          </a:blip>
+          <a:stretch>
+            <a:fillRect/>
+          </a:stretch>
+        </p:blipFill>
+        <p:spPr>
+          <a:xfrm>
+            <a:off x="1104900" y="1347726"/>
+            <a:ext cx="6934200" cy="5200650"/>
+          </a:xfrm>
+          <a:prstGeom prst="rect">
+            <a:avLst/>
+          </a:prstGeom>
+          <a:noFill/>
+          <a:ln>
+            <a:noFill/>
+          </a:ln>
+        </p:spPr>
+      </p:pic>
+      <p:sp>
+        <p:nvSpPr>
+          <p:cNvPr id="376" name="Google Shape;376;p57"/>
           <p:cNvSpPr txBox="1"/>
           <p:nvPr/>
         </p:nvSpPr>
@@ -27411,12 +28080,12 @@
 </p:sld>
 </file>
 
-<file path=ppt/slides/slide13.xml><?xml version="1.0" encoding="utf-8"?>
+<file path=ppt/slides/slide14.xml><?xml version="1.0" encoding="utf-8"?>
 <p:sld xmlns:a="http://schemas.openxmlformats.org/drawingml/2006/main" xmlns:r="http://schemas.openxmlformats.org/officeDocument/2006/relationships" xmlns:mc="http://schemas.openxmlformats.org/markup-compatibility/2006" xmlns:mv="urn:schemas-microsoft-com:mac:vml" xmlns:p="http://schemas.openxmlformats.org/presentationml/2006/main" xmlns:c="http://schemas.openxmlformats.org/drawingml/2006/chart" xmlns:dgm="http://schemas.openxmlformats.org/drawingml/2006/diagram" xmlns:o="urn:schemas-microsoft-com:office:office" xmlns:v="urn:schemas-microsoft-com:vml" xmlns:pvml="urn:schemas-microsoft-com:office:powerpoint" xmlns:com="http://schemas.openxmlformats.org/drawingml/2006/compatibility" xmlns:p14="http://schemas.microsoft.com/office/powerpoint/2010/main" xmlns:p15="http://schemas.microsoft.com/office/powerpoint/2012/main">
   <p:cSld>
     <p:spTree>
       <p:nvGrpSpPr>
-        <p:cNvPr id="370" name="Shape 370"/>
+        <p:cNvPr id="380" name="Shape 380"/>
         <p:cNvGrpSpPr/>
         <p:nvPr/>
       </p:nvGrpSpPr>
@@ -27430,7 +28099,7 @@
       </p:grpSpPr>
       <p:sp>
         <p:nvSpPr>
-          <p:cNvPr id="371" name="Google Shape;371;p57"/>
+          <p:cNvPr id="381" name="Google Shape;381;p58"/>
           <p:cNvSpPr txBox="1"/>
           <p:nvPr>
             <p:ph idx="4294967295" type="title"/>
@@ -27470,7 +28139,7 @@
       </p:sp>
       <p:sp>
         <p:nvSpPr>
-          <p:cNvPr id="372" name="Google Shape;372;p57"/>
+          <p:cNvPr id="382" name="Google Shape;382;p58"/>
           <p:cNvSpPr txBox="1"/>
           <p:nvPr>
             <p:ph idx="12" type="sldNum"/>
@@ -27510,7 +28179,7 @@
       </p:sp>
       <p:sp>
         <p:nvSpPr>
-          <p:cNvPr id="373" name="Google Shape;373;p57"/>
+          <p:cNvPr id="383" name="Google Shape;383;p58"/>
           <p:cNvSpPr txBox="1"/>
           <p:nvPr/>
         </p:nvSpPr>
@@ -27557,7 +28226,7 @@
       </p:sp>
       <p:pic>
         <p:nvPicPr>
-          <p:cNvPr id="374" name="Google Shape;374;p57"/>
+          <p:cNvPr id="384" name="Google Shape;384;p58"/>
           <p:cNvPicPr preferRelativeResize="0"/>
           <p:nvPr/>
         </p:nvPicPr>
@@ -27591,12 +28260,12 @@
 </p:sld>
 </file>
 
-<file path=ppt/slides/slide14.xml><?xml version="1.0" encoding="utf-8"?>
+<file path=ppt/slides/slide15.xml><?xml version="1.0" encoding="utf-8"?>
 <p:sld xmlns:a="http://schemas.openxmlformats.org/drawingml/2006/main" xmlns:r="http://schemas.openxmlformats.org/officeDocument/2006/relationships" xmlns:mc="http://schemas.openxmlformats.org/markup-compatibility/2006" xmlns:mv="urn:schemas-microsoft-com:mac:vml" xmlns:p="http://schemas.openxmlformats.org/presentationml/2006/main" xmlns:c="http://schemas.openxmlformats.org/drawingml/2006/chart" xmlns:dgm="http://schemas.openxmlformats.org/drawingml/2006/diagram" xmlns:o="urn:schemas-microsoft-com:office:office" xmlns:v="urn:schemas-microsoft-com:vml" xmlns:pvml="urn:schemas-microsoft-com:office:powerpoint" xmlns:com="http://schemas.openxmlformats.org/drawingml/2006/compatibility" xmlns:p14="http://schemas.microsoft.com/office/powerpoint/2010/main" xmlns:p15="http://schemas.microsoft.com/office/powerpoint/2012/main">
   <p:cSld>
     <p:spTree>
       <p:nvGrpSpPr>
-        <p:cNvPr id="378" name="Shape 378"/>
+        <p:cNvPr id="388" name="Shape 388"/>
         <p:cNvGrpSpPr/>
         <p:nvPr/>
       </p:nvGrpSpPr>
@@ -27610,7 +28279,7 @@
       </p:grpSpPr>
       <p:sp>
         <p:nvSpPr>
-          <p:cNvPr id="379" name="Google Shape;379;p58"/>
+          <p:cNvPr id="389" name="Google Shape;389;p59"/>
           <p:cNvSpPr txBox="1"/>
           <p:nvPr>
             <p:ph idx="4294967295" type="title"/>
@@ -27650,7 +28319,7 @@
       </p:sp>
       <p:sp>
         <p:nvSpPr>
-          <p:cNvPr id="380" name="Google Shape;380;p58"/>
+          <p:cNvPr id="390" name="Google Shape;390;p59"/>
           <p:cNvSpPr txBox="1"/>
           <p:nvPr>
             <p:ph idx="12" type="sldNum"/>
@@ -27690,7 +28359,7 @@
       </p:sp>
       <p:pic>
         <p:nvPicPr>
-          <p:cNvPr id="381" name="Google Shape;381;p58"/>
+          <p:cNvPr id="391" name="Google Shape;391;p59"/>
           <p:cNvPicPr preferRelativeResize="0"/>
           <p:nvPr/>
         </p:nvPicPr>
@@ -27718,7 +28387,7 @@
       </p:pic>
       <p:sp>
         <p:nvSpPr>
-          <p:cNvPr id="382" name="Google Shape;382;p58"/>
+          <p:cNvPr id="392" name="Google Shape;392;p59"/>
           <p:cNvSpPr txBox="1"/>
           <p:nvPr/>
         </p:nvSpPr>
@@ -27776,12 +28445,12 @@
 </p:sld>
 </file>
 
-<file path=ppt/slides/slide15.xml><?xml version="1.0" encoding="utf-8"?>
+<file path=ppt/slides/slide16.xml><?xml version="1.0" encoding="utf-8"?>
 <p:sld xmlns:a="http://schemas.openxmlformats.org/drawingml/2006/main" xmlns:r="http://schemas.openxmlformats.org/officeDocument/2006/relationships" xmlns:mc="http://schemas.openxmlformats.org/markup-compatibility/2006" xmlns:mv="urn:schemas-microsoft-com:mac:vml" xmlns:p="http://schemas.openxmlformats.org/presentationml/2006/main" xmlns:c="http://schemas.openxmlformats.org/drawingml/2006/chart" xmlns:dgm="http://schemas.openxmlformats.org/drawingml/2006/diagram" xmlns:o="urn:schemas-microsoft-com:office:office" xmlns:v="urn:schemas-microsoft-com:vml" xmlns:pvml="urn:schemas-microsoft-com:office:powerpoint" xmlns:com="http://schemas.openxmlformats.org/drawingml/2006/compatibility" xmlns:p14="http://schemas.microsoft.com/office/powerpoint/2010/main" xmlns:p15="http://schemas.microsoft.com/office/powerpoint/2012/main">
   <p:cSld>
     <p:spTree>
       <p:nvGrpSpPr>
-        <p:cNvPr id="386" name="Shape 386"/>
+        <p:cNvPr id="396" name="Shape 396"/>
         <p:cNvGrpSpPr/>
         <p:nvPr/>
       </p:nvGrpSpPr>
@@ -27795,7 +28464,7 @@
       </p:grpSpPr>
       <p:sp>
         <p:nvSpPr>
-          <p:cNvPr id="387" name="Google Shape;387;p59"/>
+          <p:cNvPr id="397" name="Google Shape;397;p60"/>
           <p:cNvSpPr txBox="1"/>
           <p:nvPr>
             <p:ph type="title"/>
@@ -27843,7 +28512,7 @@
       </p:sp>
       <p:cxnSp>
         <p:nvCxnSpPr>
-          <p:cNvPr id="388" name="Google Shape;388;p59"/>
+          <p:cNvPr id="398" name="Google Shape;398;p60"/>
           <p:cNvCxnSpPr/>
           <p:nvPr/>
         </p:nvCxnSpPr>
@@ -27869,7 +28538,7 @@
       </p:cxnSp>
       <p:cxnSp>
         <p:nvCxnSpPr>
-          <p:cNvPr id="389" name="Google Shape;389;p59"/>
+          <p:cNvPr id="399" name="Google Shape;399;p60"/>
           <p:cNvCxnSpPr/>
           <p:nvPr/>
         </p:nvCxnSpPr>
@@ -27895,7 +28564,7 @@
       </p:cxnSp>
       <p:sp>
         <p:nvSpPr>
-          <p:cNvPr id="390" name="Google Shape;390;p59"/>
+          <p:cNvPr id="400" name="Google Shape;400;p60"/>
           <p:cNvSpPr txBox="1"/>
           <p:nvPr>
             <p:ph idx="12" type="sldNum"/>
@@ -27935,7 +28604,7 @@
       </p:sp>
       <p:sp>
         <p:nvSpPr>
-          <p:cNvPr id="391" name="Google Shape;391;p59"/>
+          <p:cNvPr id="401" name="Google Shape;401;p60"/>
           <p:cNvSpPr txBox="1"/>
           <p:nvPr/>
         </p:nvSpPr>
@@ -28048,7 +28717,7 @@
       </p:sp>
       <p:sp>
         <p:nvSpPr>
-          <p:cNvPr id="392" name="Google Shape;392;p59"/>
+          <p:cNvPr id="402" name="Google Shape;402;p60"/>
           <p:cNvSpPr txBox="1"/>
           <p:nvPr/>
         </p:nvSpPr>
@@ -28138,7 +28807,7 @@
       </p:sp>
       <p:sp>
         <p:nvSpPr>
-          <p:cNvPr id="393" name="Google Shape;393;p59"/>
+          <p:cNvPr id="403" name="Google Shape;403;p60"/>
           <p:cNvSpPr txBox="1"/>
           <p:nvPr/>
         </p:nvSpPr>
@@ -28228,7 +28897,7 @@
       </p:sp>
       <p:sp>
         <p:nvSpPr>
-          <p:cNvPr id="394" name="Google Shape;394;p59"/>
+          <p:cNvPr id="404" name="Google Shape;404;p60"/>
           <p:cNvSpPr txBox="1"/>
           <p:nvPr>
             <p:ph idx="1" type="body"/>
@@ -28326,7 +28995,7 @@
       </p:sp>
       <p:sp>
         <p:nvSpPr>
-          <p:cNvPr id="395" name="Google Shape;395;p59"/>
+          <p:cNvPr id="405" name="Google Shape;405;p60"/>
           <p:cNvSpPr txBox="1"/>
           <p:nvPr>
             <p:ph idx="4294967295" type="body"/>
@@ -28419,7 +29088,7 @@
       </p:sp>
       <p:sp>
         <p:nvSpPr>
-          <p:cNvPr id="396" name="Google Shape;396;p59"/>
+          <p:cNvPr id="406" name="Google Shape;406;p60"/>
           <p:cNvSpPr txBox="1"/>
           <p:nvPr>
             <p:ph idx="4294967295" type="body"/>
@@ -28537,12 +29206,12 @@
 </p:sld>
 </file>
 
-<file path=ppt/slides/slide16.xml><?xml version="1.0" encoding="utf-8"?>
+<file path=ppt/slides/slide17.xml><?xml version="1.0" encoding="utf-8"?>
 <p:sld xmlns:a="http://schemas.openxmlformats.org/drawingml/2006/main" xmlns:r="http://schemas.openxmlformats.org/officeDocument/2006/relationships" xmlns:mc="http://schemas.openxmlformats.org/markup-compatibility/2006" xmlns:mv="urn:schemas-microsoft-com:mac:vml" xmlns:p="http://schemas.openxmlformats.org/presentationml/2006/main" xmlns:c="http://schemas.openxmlformats.org/drawingml/2006/chart" xmlns:dgm="http://schemas.openxmlformats.org/drawingml/2006/diagram" xmlns:o="urn:schemas-microsoft-com:office:office" xmlns:v="urn:schemas-microsoft-com:vml" xmlns:pvml="urn:schemas-microsoft-com:office:powerpoint" xmlns:com="http://schemas.openxmlformats.org/drawingml/2006/compatibility" xmlns:p14="http://schemas.microsoft.com/office/powerpoint/2010/main" xmlns:p15="http://schemas.microsoft.com/office/powerpoint/2012/main">
   <p:cSld>
     <p:spTree>
       <p:nvGrpSpPr>
-        <p:cNvPr id="400" name="Shape 400"/>
+        <p:cNvPr id="410" name="Shape 410"/>
         <p:cNvGrpSpPr/>
         <p:nvPr/>
       </p:nvGrpSpPr>
@@ -28556,7 +29225,7 @@
       </p:grpSpPr>
       <p:sp>
         <p:nvSpPr>
-          <p:cNvPr id="401" name="Google Shape;401;p60"/>
+          <p:cNvPr id="411" name="Google Shape;411;p61"/>
           <p:cNvSpPr txBox="1"/>
           <p:nvPr>
             <p:ph type="title"/>
@@ -28604,7 +29273,7 @@
       </p:sp>
       <p:sp>
         <p:nvSpPr>
-          <p:cNvPr id="402" name="Google Shape;402;p60"/>
+          <p:cNvPr id="412" name="Google Shape;412;p61"/>
           <p:cNvSpPr txBox="1"/>
           <p:nvPr>
             <p:ph idx="12" type="sldNum"/>
@@ -28644,7 +29313,7 @@
       </p:sp>
       <p:sp>
         <p:nvSpPr>
-          <p:cNvPr id="403" name="Google Shape;403;p60"/>
+          <p:cNvPr id="413" name="Google Shape;413;p61"/>
           <p:cNvSpPr/>
           <p:nvPr/>
         </p:nvSpPr>
@@ -28726,9 +29395,9 @@
       </p:sp>
       <p:cxnSp>
         <p:nvCxnSpPr>
-          <p:cNvPr id="404" name="Google Shape;404;p60"/>
+          <p:cNvPr id="414" name="Google Shape;414;p61"/>
           <p:cNvCxnSpPr>
-            <a:endCxn id="403" idx="1"/>
+            <a:endCxn id="413" idx="1"/>
           </p:cNvCxnSpPr>
           <p:nvPr/>
         </p:nvCxnSpPr>
@@ -28754,9 +29423,9 @@
       </p:cxnSp>
       <p:cxnSp>
         <p:nvCxnSpPr>
-          <p:cNvPr id="405" name="Google Shape;405;p60"/>
+          <p:cNvPr id="415" name="Google Shape;415;p61"/>
           <p:cNvCxnSpPr>
-            <a:stCxn id="403" idx="3"/>
+            <a:stCxn id="413" idx="3"/>
           </p:cNvCxnSpPr>
           <p:nvPr/>
         </p:nvCxnSpPr>
@@ -28782,7 +29451,7 @@
       </p:cxnSp>
       <p:sp>
         <p:nvSpPr>
-          <p:cNvPr id="406" name="Google Shape;406;p60"/>
+          <p:cNvPr id="416" name="Google Shape;416;p61"/>
           <p:cNvSpPr/>
           <p:nvPr/>
         </p:nvSpPr>
@@ -28862,7 +29531,7 @@
       </p:sp>
       <p:sp>
         <p:nvSpPr>
-          <p:cNvPr id="407" name="Google Shape;407;p60"/>
+          <p:cNvPr id="417" name="Google Shape;417;p61"/>
           <p:cNvSpPr/>
           <p:nvPr/>
         </p:nvSpPr>
@@ -28942,7 +29611,7 @@
       </p:sp>
       <p:sp>
         <p:nvSpPr>
-          <p:cNvPr id="408" name="Google Shape;408;p60"/>
+          <p:cNvPr id="418" name="Google Shape;418;p61"/>
           <p:cNvSpPr txBox="1"/>
           <p:nvPr/>
         </p:nvSpPr>
@@ -29115,7 +29784,7 @@
 </p:sld>
 </file>
 
-<file path=ppt/slides/slide17.xml><?xml version="1.0" encoding="utf-8"?>
+<file path=ppt/slides/slide18.xml><?xml version="1.0" encoding="utf-8"?>
 <p:sld xmlns:a="http://schemas.openxmlformats.org/drawingml/2006/main" xmlns:r="http://schemas.openxmlformats.org/officeDocument/2006/relationships" xmlns:mc="http://schemas.openxmlformats.org/markup-compatibility/2006" xmlns:mv="urn:schemas-microsoft-com:mac:vml" xmlns:p="http://schemas.openxmlformats.org/presentationml/2006/main" xmlns:c="http://schemas.openxmlformats.org/drawingml/2006/chart" xmlns:dgm="http://schemas.openxmlformats.org/drawingml/2006/diagram" xmlns:o="urn:schemas-microsoft-com:office:office" xmlns:v="urn:schemas-microsoft-com:vml" xmlns:pvml="urn:schemas-microsoft-com:office:powerpoint" xmlns:com="http://schemas.openxmlformats.org/drawingml/2006/compatibility" xmlns:p14="http://schemas.microsoft.com/office/powerpoint/2010/main" xmlns:p15="http://schemas.microsoft.com/office/powerpoint/2012/main">
   <p:cSld>
     <p:bg>
@@ -29132,7 +29801,7 @@
     </p:bg>
     <p:spTree>
       <p:nvGrpSpPr>
-        <p:cNvPr id="412" name="Shape 412"/>
+        <p:cNvPr id="422" name="Shape 422"/>
         <p:cNvGrpSpPr/>
         <p:nvPr/>
       </p:nvGrpSpPr>
@@ -29146,7 +29815,7 @@
       </p:grpSpPr>
       <p:sp>
         <p:nvSpPr>
-          <p:cNvPr id="413" name="Google Shape;413;p61"/>
+          <p:cNvPr id="423" name="Google Shape;423;p62"/>
           <p:cNvSpPr txBox="1"/>
           <p:nvPr>
             <p:ph type="title"/>
@@ -29194,7 +29863,7 @@
       </p:sp>
       <p:sp>
         <p:nvSpPr>
-          <p:cNvPr id="414" name="Google Shape;414;p61"/>
+          <p:cNvPr id="424" name="Google Shape;424;p62"/>
           <p:cNvSpPr txBox="1"/>
           <p:nvPr>
             <p:ph idx="12" type="sldNum"/>
@@ -29242,7 +29911,7 @@
       </p:sp>
       <p:pic>
         <p:nvPicPr>
-          <p:cNvPr id="415" name="Google Shape;415;p61"/>
+          <p:cNvPr id="425" name="Google Shape;425;p62"/>
           <p:cNvPicPr preferRelativeResize="0"/>
           <p:nvPr/>
         </p:nvPicPr>
@@ -29276,12 +29945,12 @@
 </p:sld>
 </file>
 
-<file path=ppt/slides/slide18.xml><?xml version="1.0" encoding="utf-8"?>
+<file path=ppt/slides/slide19.xml><?xml version="1.0" encoding="utf-8"?>
 <p:sld xmlns:a="http://schemas.openxmlformats.org/drawingml/2006/main" xmlns:r="http://schemas.openxmlformats.org/officeDocument/2006/relationships" xmlns:mc="http://schemas.openxmlformats.org/markup-compatibility/2006" xmlns:mv="urn:schemas-microsoft-com:mac:vml" xmlns:p="http://schemas.openxmlformats.org/presentationml/2006/main" xmlns:c="http://schemas.openxmlformats.org/drawingml/2006/chart" xmlns:dgm="http://schemas.openxmlformats.org/drawingml/2006/diagram" xmlns:o="urn:schemas-microsoft-com:office:office" xmlns:v="urn:schemas-microsoft-com:vml" xmlns:pvml="urn:schemas-microsoft-com:office:powerpoint" xmlns:com="http://schemas.openxmlformats.org/drawingml/2006/compatibility" xmlns:p14="http://schemas.microsoft.com/office/powerpoint/2010/main" xmlns:p15="http://schemas.microsoft.com/office/powerpoint/2012/main">
   <p:cSld>
     <p:spTree>
       <p:nvGrpSpPr>
-        <p:cNvPr id="419" name="Shape 419"/>
+        <p:cNvPr id="429" name="Shape 429"/>
         <p:cNvGrpSpPr/>
         <p:nvPr/>
       </p:nvGrpSpPr>
@@ -29295,7 +29964,7 @@
       </p:grpSpPr>
       <p:sp>
         <p:nvSpPr>
-          <p:cNvPr id="420" name="Google Shape;420;p62"/>
+          <p:cNvPr id="430" name="Google Shape;430;p63"/>
           <p:cNvSpPr txBox="1"/>
           <p:nvPr>
             <p:ph type="title"/>
@@ -29355,7 +30024,7 @@
       </p:sp>
       <p:sp>
         <p:nvSpPr>
-          <p:cNvPr id="421" name="Google Shape;421;p62"/>
+          <p:cNvPr id="431" name="Google Shape;431;p63"/>
           <p:cNvSpPr txBox="1"/>
           <p:nvPr>
             <p:ph idx="1" type="body"/>
@@ -29648,7 +30317,7 @@
       </p:sp>
       <p:sp>
         <p:nvSpPr>
-          <p:cNvPr id="422" name="Google Shape;422;p62"/>
+          <p:cNvPr id="432" name="Google Shape;432;p63"/>
           <p:cNvSpPr txBox="1"/>
           <p:nvPr>
             <p:ph idx="12" type="sldNum"/>
@@ -29696,7 +30365,7 @@
       </p:sp>
       <p:sp>
         <p:nvSpPr>
-          <p:cNvPr id="423" name="Google Shape;423;p62"/>
+          <p:cNvPr id="433" name="Google Shape;433;p63"/>
           <p:cNvSpPr txBox="1"/>
           <p:nvPr/>
         </p:nvSpPr>
@@ -29781,167 +30450,6 @@
           </a:p>
         </p:txBody>
       </p:sp>
-    </p:spTree>
-  </p:cSld>
-  <p:clrMapOvr>
-    <a:masterClrMapping/>
-  </p:clrMapOvr>
-</p:sld>
-</file>
-
-<file path=ppt/slides/slide19.xml><?xml version="1.0" encoding="utf-8"?>
-<p:sld xmlns:a="http://schemas.openxmlformats.org/drawingml/2006/main" xmlns:r="http://schemas.openxmlformats.org/officeDocument/2006/relationships" xmlns:mc="http://schemas.openxmlformats.org/markup-compatibility/2006" xmlns:mv="urn:schemas-microsoft-com:mac:vml" xmlns:p="http://schemas.openxmlformats.org/presentationml/2006/main" xmlns:c="http://schemas.openxmlformats.org/drawingml/2006/chart" xmlns:dgm="http://schemas.openxmlformats.org/drawingml/2006/diagram" xmlns:o="urn:schemas-microsoft-com:office:office" xmlns:v="urn:schemas-microsoft-com:vml" xmlns:pvml="urn:schemas-microsoft-com:office:powerpoint" xmlns:com="http://schemas.openxmlformats.org/drawingml/2006/compatibility" xmlns:p14="http://schemas.microsoft.com/office/powerpoint/2010/main" xmlns:p15="http://schemas.microsoft.com/office/powerpoint/2012/main">
-  <p:cSld>
-    <p:bg>
-      <p:bgPr>
-        <a:blipFill>
-          <a:blip r:embed="rId3">
-            <a:alphaModFix/>
-          </a:blip>
-          <a:stretch>
-            <a:fillRect/>
-          </a:stretch>
-        </a:blipFill>
-      </p:bgPr>
-    </p:bg>
-    <p:spTree>
-      <p:nvGrpSpPr>
-        <p:cNvPr id="427" name="Shape 427"/>
-        <p:cNvGrpSpPr/>
-        <p:nvPr/>
-      </p:nvGrpSpPr>
-      <p:grpSpPr>
-        <a:xfrm>
-          <a:off x="0" y="0"/>
-          <a:ext cx="0" cy="0"/>
-          <a:chOff x="0" y="0"/>
-          <a:chExt cx="0" cy="0"/>
-        </a:xfrm>
-      </p:grpSpPr>
-      <p:sp>
-        <p:nvSpPr>
-          <p:cNvPr id="428" name="Google Shape;428;p63"/>
-          <p:cNvSpPr txBox="1"/>
-          <p:nvPr>
-            <p:ph type="title"/>
-          </p:nvPr>
-        </p:nvSpPr>
-        <p:spPr>
-          <a:xfrm>
-            <a:off x="786150" y="410826"/>
-            <a:ext cx="7571700" cy="936900"/>
-          </a:xfrm>
-          <a:prstGeom prst="rect">
-            <a:avLst/>
-          </a:prstGeom>
-        </p:spPr>
-        <p:txBody>
-          <a:bodyPr anchorCtr="0" anchor="b" bIns="91425" lIns="91425" spcFirstLastPara="1" rIns="91425" wrap="square" tIns="91425">
-            <a:noAutofit/>
-          </a:bodyPr>
-          <a:lstStyle/>
-          <a:p>
-            <a:pPr indent="0" lvl="0" marL="0" rtl="0" algn="l">
-              <a:spcBef>
-                <a:spcPts val="0"/>
-              </a:spcBef>
-              <a:spcAft>
-                <a:spcPts val="0"/>
-              </a:spcAft>
-              <a:buNone/>
-            </a:pPr>
-            <a:r>
-              <a:rPr lang="en" sz="3000">
-                <a:solidFill>
-                  <a:srgbClr val="CC0000"/>
-                </a:solidFill>
-              </a:rPr>
-              <a:t>K-Fold Cross Validation</a:t>
-            </a:r>
-            <a:endParaRPr sz="3000">
-              <a:solidFill>
-                <a:srgbClr val="CC0000"/>
-              </a:solidFill>
-            </a:endParaRPr>
-          </a:p>
-        </p:txBody>
-      </p:sp>
-      <p:sp>
-        <p:nvSpPr>
-          <p:cNvPr id="429" name="Google Shape;429;p63"/>
-          <p:cNvSpPr txBox="1"/>
-          <p:nvPr>
-            <p:ph idx="12" type="sldNum"/>
-          </p:nvPr>
-        </p:nvSpPr>
-        <p:spPr>
-          <a:xfrm>
-            <a:off x="8404384" y="6333134"/>
-            <a:ext cx="548700" cy="525000"/>
-          </a:xfrm>
-          <a:prstGeom prst="rect">
-            <a:avLst/>
-          </a:prstGeom>
-        </p:spPr>
-        <p:txBody>
-          <a:bodyPr anchorCtr="0" anchor="t" bIns="91425" lIns="91425" spcFirstLastPara="1" rIns="91425" wrap="square" tIns="91425">
-            <a:noAutofit/>
-          </a:bodyPr>
-          <a:lstStyle/>
-          <a:p>
-            <a:pPr indent="0" lvl="0" marL="0" rtl="0" algn="r">
-              <a:spcBef>
-                <a:spcPts val="0"/>
-              </a:spcBef>
-              <a:spcAft>
-                <a:spcPts val="0"/>
-              </a:spcAft>
-              <a:buNone/>
-            </a:pPr>
-            <a:fld id="{00000000-1234-1234-1234-123412341234}" type="slidenum">
-              <a:rPr lang="en">
-                <a:solidFill>
-                  <a:srgbClr val="C90813"/>
-                </a:solidFill>
-              </a:rPr>
-              <a:t>‹#›</a:t>
-            </a:fld>
-            <a:endParaRPr>
-              <a:solidFill>
-                <a:srgbClr val="C90813"/>
-              </a:solidFill>
-            </a:endParaRPr>
-          </a:p>
-        </p:txBody>
-      </p:sp>
-      <p:pic>
-        <p:nvPicPr>
-          <p:cNvPr id="430" name="Google Shape;430;p63"/>
-          <p:cNvPicPr preferRelativeResize="0"/>
-          <p:nvPr/>
-        </p:nvPicPr>
-        <p:blipFill>
-          <a:blip r:embed="rId4">
-            <a:alphaModFix/>
-          </a:blip>
-          <a:stretch>
-            <a:fillRect/>
-          </a:stretch>
-        </p:blipFill>
-        <p:spPr>
-          <a:xfrm>
-            <a:off x="316900" y="1440476"/>
-            <a:ext cx="8510196" cy="4680608"/>
-          </a:xfrm>
-          <a:prstGeom prst="rect">
-            <a:avLst/>
-          </a:prstGeom>
-          <a:noFill/>
-          <a:ln>
-            <a:noFill/>
-          </a:ln>
-        </p:spPr>
-      </p:pic>
     </p:spTree>
   </p:cSld>
   <p:clrMapOvr>
@@ -30556,9 +31064,21 @@
 <file path=ppt/slides/slide20.xml><?xml version="1.0" encoding="utf-8"?>
 <p:sld xmlns:a="http://schemas.openxmlformats.org/drawingml/2006/main" xmlns:r="http://schemas.openxmlformats.org/officeDocument/2006/relationships" xmlns:mc="http://schemas.openxmlformats.org/markup-compatibility/2006" xmlns:mv="urn:schemas-microsoft-com:mac:vml" xmlns:p="http://schemas.openxmlformats.org/presentationml/2006/main" xmlns:c="http://schemas.openxmlformats.org/drawingml/2006/chart" xmlns:dgm="http://schemas.openxmlformats.org/drawingml/2006/diagram" xmlns:o="urn:schemas-microsoft-com:office:office" xmlns:v="urn:schemas-microsoft-com:vml" xmlns:pvml="urn:schemas-microsoft-com:office:powerpoint" xmlns:com="http://schemas.openxmlformats.org/drawingml/2006/compatibility" xmlns:p14="http://schemas.microsoft.com/office/powerpoint/2010/main" xmlns:p15="http://schemas.microsoft.com/office/powerpoint/2012/main">
   <p:cSld>
+    <p:bg>
+      <p:bgPr>
+        <a:blipFill>
+          <a:blip r:embed="rId3">
+            <a:alphaModFix/>
+          </a:blip>
+          <a:stretch>
+            <a:fillRect/>
+          </a:stretch>
+        </a:blipFill>
+      </p:bgPr>
+    </p:bg>
     <p:spTree>
       <p:nvGrpSpPr>
-        <p:cNvPr id="434" name="Shape 434"/>
+        <p:cNvPr id="437" name="Shape 437"/>
         <p:cNvGrpSpPr/>
         <p:nvPr/>
       </p:nvGrpSpPr>
@@ -30572,16 +31092,16 @@
       </p:grpSpPr>
       <p:sp>
         <p:nvSpPr>
-          <p:cNvPr id="435" name="Google Shape;435;p64"/>
+          <p:cNvPr id="438" name="Google Shape;438;p64"/>
           <p:cNvSpPr txBox="1"/>
           <p:nvPr>
-            <p:ph idx="4294967295" type="ctrTitle"/>
+            <p:ph type="title"/>
           </p:nvPr>
         </p:nvSpPr>
         <p:spPr>
           <a:xfrm>
-            <a:off x="870775" y="1868275"/>
-            <a:ext cx="7255200" cy="3336600"/>
+            <a:off x="786150" y="410826"/>
+            <a:ext cx="7571700" cy="936900"/>
           </a:xfrm>
           <a:prstGeom prst="rect">
             <a:avLst/>
@@ -30593,7 +31113,7 @@
           </a:bodyPr>
           <a:lstStyle/>
           <a:p>
-            <a:pPr indent="0" lvl="0" marL="0" rtl="0" algn="ctr">
+            <a:pPr indent="0" lvl="0" marL="0" rtl="0" algn="l">
               <a:spcBef>
                 <a:spcPts val="0"/>
               </a:spcBef>
@@ -30603,59 +31123,16 @@
               <a:buNone/>
             </a:pPr>
             <a:r>
-              <a:rPr b="1" lang="en" sz="3000">
-                <a:solidFill>
-                  <a:srgbClr val="000000"/>
+              <a:rPr lang="en" sz="3000">
+                <a:solidFill>
+                  <a:srgbClr val="CC0000"/>
                 </a:solidFill>
               </a:rPr>
-              <a:t>Today we will explore how different preprocessing techniques change the result on the same model.</a:t>
+              <a:t>K-Fold Cross Validation</a:t>
             </a:r>
-            <a:endParaRPr b="1" sz="3000">
+            <a:endParaRPr sz="3000">
               <a:solidFill>
-                <a:srgbClr val="000000"/>
-              </a:solidFill>
-            </a:endParaRPr>
-          </a:p>
-          <a:p>
-            <a:pPr indent="0" lvl="0" marL="0" rtl="0" algn="ctr">
-              <a:spcBef>
-                <a:spcPts val="0"/>
-              </a:spcBef>
-              <a:spcAft>
-                <a:spcPts val="0"/>
-              </a:spcAft>
-              <a:buNone/>
-            </a:pPr>
-            <a:r>
-              <a:t/>
-            </a:r>
-            <a:endParaRPr b="1" sz="3000">
-              <a:solidFill>
-                <a:srgbClr val="000000"/>
-              </a:solidFill>
-            </a:endParaRPr>
-          </a:p>
-          <a:p>
-            <a:pPr indent="0" lvl="0" marL="0" rtl="0" algn="ctr">
-              <a:spcBef>
-                <a:spcPts val="0"/>
-              </a:spcBef>
-              <a:spcAft>
-                <a:spcPts val="0"/>
-              </a:spcAft>
-              <a:buNone/>
-            </a:pPr>
-            <a:r>
-              <a:rPr b="1" lang="en" sz="3000">
-                <a:solidFill>
-                  <a:srgbClr val="000000"/>
-                </a:solidFill>
-              </a:rPr>
-              <a:t>The rest of this course will be focused on learning the differences about each model and how to choose the right one.</a:t>
-            </a:r>
-            <a:endParaRPr b="1" sz="3000">
-              <a:solidFill>
-                <a:srgbClr val="000000"/>
+                <a:srgbClr val="CC0000"/>
               </a:solidFill>
             </a:endParaRPr>
           </a:p>
@@ -30663,7 +31140,7 @@
       </p:sp>
       <p:sp>
         <p:nvSpPr>
-          <p:cNvPr id="436" name="Google Shape;436;p64"/>
+          <p:cNvPr id="439" name="Google Shape;439;p64"/>
           <p:cNvSpPr txBox="1"/>
           <p:nvPr>
             <p:ph idx="12" type="sldNum"/>
@@ -30709,6 +31186,34 @@
           </a:p>
         </p:txBody>
       </p:sp>
+      <p:pic>
+        <p:nvPicPr>
+          <p:cNvPr id="440" name="Google Shape;440;p64"/>
+          <p:cNvPicPr preferRelativeResize="0"/>
+          <p:nvPr/>
+        </p:nvPicPr>
+        <p:blipFill>
+          <a:blip r:embed="rId4">
+            <a:alphaModFix/>
+          </a:blip>
+          <a:stretch>
+            <a:fillRect/>
+          </a:stretch>
+        </p:blipFill>
+        <p:spPr>
+          <a:xfrm>
+            <a:off x="316900" y="1440476"/>
+            <a:ext cx="8510196" cy="4680608"/>
+          </a:xfrm>
+          <a:prstGeom prst="rect">
+            <a:avLst/>
+          </a:prstGeom>
+          <a:noFill/>
+          <a:ln>
+            <a:noFill/>
+          </a:ln>
+        </p:spPr>
+      </p:pic>
     </p:spTree>
   </p:cSld>
   <p:clrMapOvr>
@@ -30722,7 +31227,7 @@
   <p:cSld>
     <p:spTree>
       <p:nvGrpSpPr>
-        <p:cNvPr id="440" name="Shape 440"/>
+        <p:cNvPr id="444" name="Shape 444"/>
         <p:cNvGrpSpPr/>
         <p:nvPr/>
       </p:nvGrpSpPr>
@@ -30736,7 +31241,171 @@
       </p:grpSpPr>
       <p:sp>
         <p:nvSpPr>
-          <p:cNvPr id="441" name="Google Shape;441;p65"/>
+          <p:cNvPr id="445" name="Google Shape;445;p65"/>
+          <p:cNvSpPr txBox="1"/>
+          <p:nvPr>
+            <p:ph idx="4294967295" type="ctrTitle"/>
+          </p:nvPr>
+        </p:nvSpPr>
+        <p:spPr>
+          <a:xfrm>
+            <a:off x="870775" y="1868275"/>
+            <a:ext cx="7255200" cy="3336600"/>
+          </a:xfrm>
+          <a:prstGeom prst="rect">
+            <a:avLst/>
+          </a:prstGeom>
+        </p:spPr>
+        <p:txBody>
+          <a:bodyPr anchorCtr="0" anchor="b" bIns="91425" lIns="91425" spcFirstLastPara="1" rIns="91425" wrap="square" tIns="91425">
+            <a:noAutofit/>
+          </a:bodyPr>
+          <a:lstStyle/>
+          <a:p>
+            <a:pPr indent="0" lvl="0" marL="0" rtl="0" algn="ctr">
+              <a:spcBef>
+                <a:spcPts val="0"/>
+              </a:spcBef>
+              <a:spcAft>
+                <a:spcPts val="0"/>
+              </a:spcAft>
+              <a:buNone/>
+            </a:pPr>
+            <a:r>
+              <a:rPr b="1" lang="en" sz="3000">
+                <a:solidFill>
+                  <a:srgbClr val="000000"/>
+                </a:solidFill>
+              </a:rPr>
+              <a:t>Today we will explore how different preprocessing techniques change the result on the same model.</a:t>
+            </a:r>
+            <a:endParaRPr b="1" sz="3000">
+              <a:solidFill>
+                <a:srgbClr val="000000"/>
+              </a:solidFill>
+            </a:endParaRPr>
+          </a:p>
+          <a:p>
+            <a:pPr indent="0" lvl="0" marL="0" rtl="0" algn="ctr">
+              <a:spcBef>
+                <a:spcPts val="0"/>
+              </a:spcBef>
+              <a:spcAft>
+                <a:spcPts val="0"/>
+              </a:spcAft>
+              <a:buNone/>
+            </a:pPr>
+            <a:r>
+              <a:t/>
+            </a:r>
+            <a:endParaRPr b="1" sz="3000">
+              <a:solidFill>
+                <a:srgbClr val="000000"/>
+              </a:solidFill>
+            </a:endParaRPr>
+          </a:p>
+          <a:p>
+            <a:pPr indent="0" lvl="0" marL="0" rtl="0" algn="ctr">
+              <a:spcBef>
+                <a:spcPts val="0"/>
+              </a:spcBef>
+              <a:spcAft>
+                <a:spcPts val="0"/>
+              </a:spcAft>
+              <a:buNone/>
+            </a:pPr>
+            <a:r>
+              <a:rPr b="1" lang="en" sz="3000">
+                <a:solidFill>
+                  <a:srgbClr val="000000"/>
+                </a:solidFill>
+              </a:rPr>
+              <a:t>The rest of this course will be focused on learning the differences about each model and how to choose the right one.</a:t>
+            </a:r>
+            <a:endParaRPr b="1" sz="3000">
+              <a:solidFill>
+                <a:srgbClr val="000000"/>
+              </a:solidFill>
+            </a:endParaRPr>
+          </a:p>
+        </p:txBody>
+      </p:sp>
+      <p:sp>
+        <p:nvSpPr>
+          <p:cNvPr id="446" name="Google Shape;446;p65"/>
+          <p:cNvSpPr txBox="1"/>
+          <p:nvPr>
+            <p:ph idx="12" type="sldNum"/>
+          </p:nvPr>
+        </p:nvSpPr>
+        <p:spPr>
+          <a:xfrm>
+            <a:off x="8404384" y="6333134"/>
+            <a:ext cx="548700" cy="525000"/>
+          </a:xfrm>
+          <a:prstGeom prst="rect">
+            <a:avLst/>
+          </a:prstGeom>
+        </p:spPr>
+        <p:txBody>
+          <a:bodyPr anchorCtr="0" anchor="t" bIns="91425" lIns="91425" spcFirstLastPara="1" rIns="91425" wrap="square" tIns="91425">
+            <a:noAutofit/>
+          </a:bodyPr>
+          <a:lstStyle/>
+          <a:p>
+            <a:pPr indent="0" lvl="0" marL="0" rtl="0" algn="r">
+              <a:spcBef>
+                <a:spcPts val="0"/>
+              </a:spcBef>
+              <a:spcAft>
+                <a:spcPts val="0"/>
+              </a:spcAft>
+              <a:buNone/>
+            </a:pPr>
+            <a:fld id="{00000000-1234-1234-1234-123412341234}" type="slidenum">
+              <a:rPr lang="en">
+                <a:solidFill>
+                  <a:srgbClr val="C90813"/>
+                </a:solidFill>
+              </a:rPr>
+              <a:t>‹#›</a:t>
+            </a:fld>
+            <a:endParaRPr>
+              <a:solidFill>
+                <a:srgbClr val="C90813"/>
+              </a:solidFill>
+            </a:endParaRPr>
+          </a:p>
+        </p:txBody>
+      </p:sp>
+    </p:spTree>
+  </p:cSld>
+  <p:clrMapOvr>
+    <a:masterClrMapping/>
+  </p:clrMapOvr>
+</p:sld>
+</file>
+
+<file path=ppt/slides/slide22.xml><?xml version="1.0" encoding="utf-8"?>
+<p:sld xmlns:a="http://schemas.openxmlformats.org/drawingml/2006/main" xmlns:r="http://schemas.openxmlformats.org/officeDocument/2006/relationships" xmlns:mc="http://schemas.openxmlformats.org/markup-compatibility/2006" xmlns:mv="urn:schemas-microsoft-com:mac:vml" xmlns:p="http://schemas.openxmlformats.org/presentationml/2006/main" xmlns:c="http://schemas.openxmlformats.org/drawingml/2006/chart" xmlns:dgm="http://schemas.openxmlformats.org/drawingml/2006/diagram" xmlns:o="urn:schemas-microsoft-com:office:office" xmlns:v="urn:schemas-microsoft-com:vml" xmlns:pvml="urn:schemas-microsoft-com:office:powerpoint" xmlns:com="http://schemas.openxmlformats.org/drawingml/2006/compatibility" xmlns:p14="http://schemas.microsoft.com/office/powerpoint/2010/main" xmlns:p15="http://schemas.microsoft.com/office/powerpoint/2012/main">
+  <p:cSld>
+    <p:spTree>
+      <p:nvGrpSpPr>
+        <p:cNvPr id="450" name="Shape 450"/>
+        <p:cNvGrpSpPr/>
+        <p:nvPr/>
+      </p:nvGrpSpPr>
+      <p:grpSpPr>
+        <a:xfrm>
+          <a:off x="0" y="0"/>
+          <a:ext cx="0" cy="0"/>
+          <a:chOff x="0" y="0"/>
+          <a:chExt cx="0" cy="0"/>
+        </a:xfrm>
+      </p:grpSpPr>
+      <p:sp>
+        <p:nvSpPr>
+          <p:cNvPr id="451" name="Google Shape;451;p66"/>
           <p:cNvSpPr txBox="1"/>
           <p:nvPr>
             <p:ph type="title"/>
@@ -30784,7 +31453,7 @@
       </p:sp>
       <p:cxnSp>
         <p:nvCxnSpPr>
-          <p:cNvPr id="442" name="Google Shape;442;p65"/>
+          <p:cNvPr id="452" name="Google Shape;452;p66"/>
           <p:cNvCxnSpPr/>
           <p:nvPr/>
         </p:nvCxnSpPr>
@@ -30810,7 +31479,7 @@
       </p:cxnSp>
       <p:cxnSp>
         <p:nvCxnSpPr>
-          <p:cNvPr id="443" name="Google Shape;443;p65"/>
+          <p:cNvPr id="453" name="Google Shape;453;p66"/>
           <p:cNvCxnSpPr/>
           <p:nvPr/>
         </p:nvCxnSpPr>
@@ -30836,7 +31505,7 @@
       </p:cxnSp>
       <p:sp>
         <p:nvSpPr>
-          <p:cNvPr id="444" name="Google Shape;444;p65"/>
+          <p:cNvPr id="454" name="Google Shape;454;p66"/>
           <p:cNvSpPr txBox="1"/>
           <p:nvPr>
             <p:ph idx="12" type="sldNum"/>
@@ -30876,7 +31545,7 @@
       </p:sp>
       <p:sp>
         <p:nvSpPr>
-          <p:cNvPr id="445" name="Google Shape;445;p65"/>
+          <p:cNvPr id="455" name="Google Shape;455;p66"/>
           <p:cNvSpPr txBox="1"/>
           <p:nvPr/>
         </p:nvSpPr>
@@ -30989,7 +31658,7 @@
       </p:sp>
       <p:sp>
         <p:nvSpPr>
-          <p:cNvPr id="446" name="Google Shape;446;p65"/>
+          <p:cNvPr id="456" name="Google Shape;456;p66"/>
           <p:cNvSpPr txBox="1"/>
           <p:nvPr/>
         </p:nvSpPr>
@@ -31079,7 +31748,7 @@
       </p:sp>
       <p:sp>
         <p:nvSpPr>
-          <p:cNvPr id="447" name="Google Shape;447;p65"/>
+          <p:cNvPr id="457" name="Google Shape;457;p66"/>
           <p:cNvSpPr txBox="1"/>
           <p:nvPr/>
         </p:nvSpPr>
@@ -31169,7 +31838,7 @@
       </p:sp>
       <p:sp>
         <p:nvSpPr>
-          <p:cNvPr id="448" name="Google Shape;448;p65"/>
+          <p:cNvPr id="458" name="Google Shape;458;p66"/>
           <p:cNvSpPr txBox="1"/>
           <p:nvPr>
             <p:ph idx="1" type="body"/>
@@ -31267,7 +31936,7 @@
       </p:sp>
       <p:sp>
         <p:nvSpPr>
-          <p:cNvPr id="449" name="Google Shape;449;p65"/>
+          <p:cNvPr id="459" name="Google Shape;459;p66"/>
           <p:cNvSpPr txBox="1"/>
           <p:nvPr>
             <p:ph idx="4294967295" type="body"/>
@@ -31360,7 +32029,7 @@
       </p:sp>
       <p:sp>
         <p:nvSpPr>
-          <p:cNvPr id="450" name="Google Shape;450;p65"/>
+          <p:cNvPr id="460" name="Google Shape;460;p66"/>
           <p:cNvSpPr txBox="1"/>
           <p:nvPr>
             <p:ph idx="4294967295" type="body"/>
@@ -31478,7 +32147,7 @@
 </p:sld>
 </file>
 
-<file path=ppt/slides/slide22.xml><?xml version="1.0" encoding="utf-8"?>
+<file path=ppt/slides/slide23.xml><?xml version="1.0" encoding="utf-8"?>
 <p:sld xmlns:a="http://schemas.openxmlformats.org/drawingml/2006/main" xmlns:r="http://schemas.openxmlformats.org/officeDocument/2006/relationships" xmlns:mc="http://schemas.openxmlformats.org/markup-compatibility/2006" xmlns:mv="urn:schemas-microsoft-com:mac:vml" xmlns:p="http://schemas.openxmlformats.org/presentationml/2006/main" xmlns:c="http://schemas.openxmlformats.org/drawingml/2006/chart" xmlns:dgm="http://schemas.openxmlformats.org/drawingml/2006/diagram" xmlns:o="urn:schemas-microsoft-com:office:office" xmlns:v="urn:schemas-microsoft-com:vml" xmlns:pvml="urn:schemas-microsoft-com:office:powerpoint" xmlns:com="http://schemas.openxmlformats.org/drawingml/2006/compatibility" xmlns:p14="http://schemas.microsoft.com/office/powerpoint/2010/main" xmlns:p15="http://schemas.microsoft.com/office/powerpoint/2012/main">
   <p:cSld>
     <p:bg>
@@ -31495,7 +32164,7 @@
     </p:bg>
     <p:spTree>
       <p:nvGrpSpPr>
-        <p:cNvPr id="454" name="Shape 454"/>
+        <p:cNvPr id="464" name="Shape 464"/>
         <p:cNvGrpSpPr/>
         <p:nvPr/>
       </p:nvGrpSpPr>
@@ -31509,7 +32178,7 @@
       </p:grpSpPr>
       <p:sp>
         <p:nvSpPr>
-          <p:cNvPr id="455" name="Google Shape;455;p66"/>
+          <p:cNvPr id="465" name="Google Shape;465;p67"/>
           <p:cNvSpPr txBox="1"/>
           <p:nvPr>
             <p:ph type="title"/>
@@ -31557,7 +32226,7 @@
       </p:sp>
       <p:sp>
         <p:nvSpPr>
-          <p:cNvPr id="456" name="Google Shape;456;p66"/>
+          <p:cNvPr id="466" name="Google Shape;466;p67"/>
           <p:cNvSpPr txBox="1"/>
           <p:nvPr>
             <p:ph idx="12" type="sldNum"/>
@@ -31605,7 +32274,7 @@
       </p:sp>
       <p:pic>
         <p:nvPicPr>
-          <p:cNvPr id="457" name="Google Shape;457;p66"/>
+          <p:cNvPr id="467" name="Google Shape;467;p67"/>
           <p:cNvPicPr preferRelativeResize="0"/>
           <p:nvPr/>
         </p:nvPicPr>
@@ -31633,7 +32302,7 @@
       </p:pic>
       <p:sp>
         <p:nvSpPr>
-          <p:cNvPr id="458" name="Google Shape;458;p66"/>
+          <p:cNvPr id="468" name="Google Shape;468;p67"/>
           <p:cNvSpPr txBox="1"/>
           <p:nvPr/>
         </p:nvSpPr>
@@ -31681,12 +32350,12 @@
 </p:sld>
 </file>
 
-<file path=ppt/slides/slide23.xml><?xml version="1.0" encoding="utf-8"?>
+<file path=ppt/slides/slide24.xml><?xml version="1.0" encoding="utf-8"?>
 <p:sld xmlns:a="http://schemas.openxmlformats.org/drawingml/2006/main" xmlns:r="http://schemas.openxmlformats.org/officeDocument/2006/relationships" xmlns:mc="http://schemas.openxmlformats.org/markup-compatibility/2006" xmlns:mv="urn:schemas-microsoft-com:mac:vml" xmlns:p="http://schemas.openxmlformats.org/presentationml/2006/main" xmlns:c="http://schemas.openxmlformats.org/drawingml/2006/chart" xmlns:dgm="http://schemas.openxmlformats.org/drawingml/2006/diagram" xmlns:o="urn:schemas-microsoft-com:office:office" xmlns:v="urn:schemas-microsoft-com:vml" xmlns:pvml="urn:schemas-microsoft-com:office:powerpoint" xmlns:com="http://schemas.openxmlformats.org/drawingml/2006/compatibility" xmlns:p14="http://schemas.microsoft.com/office/powerpoint/2010/main" xmlns:p15="http://schemas.microsoft.com/office/powerpoint/2012/main">
   <p:cSld>
     <p:spTree>
       <p:nvGrpSpPr>
-        <p:cNvPr id="462" name="Shape 462"/>
+        <p:cNvPr id="472" name="Shape 472"/>
         <p:cNvGrpSpPr/>
         <p:nvPr/>
       </p:nvGrpSpPr>
@@ -31700,7 +32369,7 @@
       </p:grpSpPr>
       <p:sp>
         <p:nvSpPr>
-          <p:cNvPr id="463" name="Google Shape;463;p67"/>
+          <p:cNvPr id="473" name="Google Shape;473;p68"/>
           <p:cNvSpPr txBox="1"/>
           <p:nvPr>
             <p:ph type="title"/>
@@ -31740,7 +32409,7 @@
       </p:sp>
       <p:sp>
         <p:nvSpPr>
-          <p:cNvPr id="464" name="Google Shape;464;p67"/>
+          <p:cNvPr id="474" name="Google Shape;474;p68"/>
           <p:cNvSpPr txBox="1"/>
           <p:nvPr>
             <p:ph idx="1" type="body"/>
@@ -31956,7 +32625,7 @@
       </p:sp>
       <p:sp>
         <p:nvSpPr>
-          <p:cNvPr id="465" name="Google Shape;465;p67"/>
+          <p:cNvPr id="475" name="Google Shape;475;p68"/>
           <p:cNvSpPr txBox="1"/>
           <p:nvPr>
             <p:ph idx="12" type="sldNum"/>
@@ -31996,7 +32665,7 @@
       </p:sp>
       <p:pic>
         <p:nvPicPr>
-          <p:cNvPr id="466" name="Google Shape;466;p67"/>
+          <p:cNvPr id="476" name="Google Shape;476;p68"/>
           <p:cNvPicPr preferRelativeResize="0"/>
           <p:nvPr/>
         </p:nvPicPr>
@@ -32024,7 +32693,7 @@
       </p:pic>
       <p:pic>
         <p:nvPicPr>
-          <p:cNvPr id="467" name="Google Shape;467;p67"/>
+          <p:cNvPr id="477" name="Google Shape;477;p68"/>
           <p:cNvPicPr preferRelativeResize="0"/>
           <p:nvPr/>
         </p:nvPicPr>
@@ -32052,7 +32721,7 @@
       </p:pic>
       <p:graphicFrame>
         <p:nvGraphicFramePr>
-          <p:cNvPr id="468" name="Google Shape;468;p67"/>
+          <p:cNvPr id="478" name="Google Shape;478;p68"/>
           <p:cNvGraphicFramePr/>
           <p:nvPr/>
         </p:nvGraphicFramePr>
@@ -32065,7 +32734,7 @@
             <a:tbl>
               <a:tblPr>
                 <a:noFill/>
-                <a:tableStyleId>{144F010D-9A8D-4ADB-8B46-2118E60D59DF}</a:tableStyleId>
+                <a:tableStyleId>{5AB693F3-E863-4B8A-AB62-4876E6BCFA9E}</a:tableStyleId>
               </a:tblPr>
               <a:tblGrid>
                 <a:gridCol w="1838625"/>
@@ -32296,303 +32965,6 @@
 </p:sld>
 </file>
 
-<file path=ppt/slides/slide24.xml><?xml version="1.0" encoding="utf-8"?>
-<p:sld xmlns:a="http://schemas.openxmlformats.org/drawingml/2006/main" xmlns:r="http://schemas.openxmlformats.org/officeDocument/2006/relationships" xmlns:mc="http://schemas.openxmlformats.org/markup-compatibility/2006" xmlns:mv="urn:schemas-microsoft-com:mac:vml" xmlns:p="http://schemas.openxmlformats.org/presentationml/2006/main" xmlns:c="http://schemas.openxmlformats.org/drawingml/2006/chart" xmlns:dgm="http://schemas.openxmlformats.org/drawingml/2006/diagram" xmlns:o="urn:schemas-microsoft-com:office:office" xmlns:v="urn:schemas-microsoft-com:vml" xmlns:pvml="urn:schemas-microsoft-com:office:powerpoint" xmlns:com="http://schemas.openxmlformats.org/drawingml/2006/compatibility" xmlns:p14="http://schemas.microsoft.com/office/powerpoint/2010/main" xmlns:p15="http://schemas.microsoft.com/office/powerpoint/2012/main">
-  <p:cSld>
-    <p:spTree>
-      <p:nvGrpSpPr>
-        <p:cNvPr id="472" name="Shape 472"/>
-        <p:cNvGrpSpPr/>
-        <p:nvPr/>
-      </p:nvGrpSpPr>
-      <p:grpSpPr>
-        <a:xfrm>
-          <a:off x="0" y="0"/>
-          <a:ext cx="0" cy="0"/>
-          <a:chOff x="0" y="0"/>
-          <a:chExt cx="0" cy="0"/>
-        </a:xfrm>
-      </p:grpSpPr>
-      <p:sp>
-        <p:nvSpPr>
-          <p:cNvPr id="473" name="Google Shape;473;p68"/>
-          <p:cNvSpPr txBox="1"/>
-          <p:nvPr>
-            <p:ph type="title"/>
-          </p:nvPr>
-        </p:nvSpPr>
-        <p:spPr>
-          <a:xfrm>
-            <a:off x="786150" y="410826"/>
-            <a:ext cx="7571700" cy="936900"/>
-          </a:xfrm>
-          <a:prstGeom prst="rect">
-            <a:avLst/>
-          </a:prstGeom>
-        </p:spPr>
-        <p:txBody>
-          <a:bodyPr anchorCtr="0" anchor="b" bIns="91425" lIns="91425" spcFirstLastPara="1" rIns="91425" wrap="square" tIns="91425">
-            <a:noAutofit/>
-          </a:bodyPr>
-          <a:lstStyle/>
-          <a:p>
-            <a:pPr indent="0" lvl="0" marL="0" rtl="0" algn="l">
-              <a:spcBef>
-                <a:spcPts val="0"/>
-              </a:spcBef>
-              <a:spcAft>
-                <a:spcPts val="0"/>
-              </a:spcAft>
-              <a:buNone/>
-            </a:pPr>
-            <a:r>
-              <a:rPr lang="en"/>
-              <a:t>Metrics to Evaluate Your Model </a:t>
-            </a:r>
-            <a:endParaRPr/>
-          </a:p>
-        </p:txBody>
-      </p:sp>
-      <p:sp>
-        <p:nvSpPr>
-          <p:cNvPr id="474" name="Google Shape;474;p68"/>
-          <p:cNvSpPr txBox="1"/>
-          <p:nvPr>
-            <p:ph idx="1" type="body"/>
-          </p:nvPr>
-        </p:nvSpPr>
-        <p:spPr>
-          <a:xfrm>
-            <a:off x="786150" y="1682267"/>
-            <a:ext cx="7571700" cy="4764900"/>
-          </a:xfrm>
-          <a:prstGeom prst="rect">
-            <a:avLst/>
-          </a:prstGeom>
-        </p:spPr>
-        <p:txBody>
-          <a:bodyPr anchorCtr="0" anchor="t" bIns="91425" lIns="91425" spcFirstLastPara="1" rIns="91425" wrap="square" tIns="91425">
-            <a:noAutofit/>
-          </a:bodyPr>
-          <a:lstStyle/>
-          <a:p>
-            <a:pPr indent="0" lvl="0" marL="0" rtl="0" algn="l">
-              <a:spcBef>
-                <a:spcPts val="600"/>
-              </a:spcBef>
-              <a:spcAft>
-                <a:spcPts val="0"/>
-              </a:spcAft>
-              <a:buNone/>
-            </a:pPr>
-            <a:r>
-              <a:rPr lang="en" sz="1800">
-                <a:latin typeface="Roboto Slab"/>
-                <a:ea typeface="Roboto Slab"/>
-                <a:cs typeface="Roboto Slab"/>
-                <a:sym typeface="Roboto Slab"/>
-              </a:rPr>
-              <a:t>Regression models </a:t>
-            </a:r>
-            <a:endParaRPr sz="1800">
-              <a:latin typeface="Roboto Slab"/>
-              <a:ea typeface="Roboto Slab"/>
-              <a:cs typeface="Roboto Slab"/>
-              <a:sym typeface="Roboto Slab"/>
-            </a:endParaRPr>
-          </a:p>
-          <a:p>
-            <a:pPr indent="0" lvl="0" marL="0" rtl="0" algn="l">
-              <a:spcBef>
-                <a:spcPts val="600"/>
-              </a:spcBef>
-              <a:spcAft>
-                <a:spcPts val="0"/>
-              </a:spcAft>
-              <a:buNone/>
-            </a:pPr>
-            <a:r>
-              <a:t/>
-            </a:r>
-            <a:endParaRPr sz="1800">
-              <a:latin typeface="Roboto Slab"/>
-              <a:ea typeface="Roboto Slab"/>
-              <a:cs typeface="Roboto Slab"/>
-              <a:sym typeface="Roboto Slab"/>
-            </a:endParaRPr>
-          </a:p>
-          <a:p>
-            <a:pPr indent="0" lvl="0" marL="0" rtl="0" algn="l">
-              <a:spcBef>
-                <a:spcPts val="600"/>
-              </a:spcBef>
-              <a:spcAft>
-                <a:spcPts val="0"/>
-              </a:spcAft>
-              <a:buNone/>
-            </a:pPr>
-            <a:r>
-              <a:t/>
-            </a:r>
-            <a:endParaRPr sz="1800">
-              <a:latin typeface="Roboto Slab"/>
-              <a:ea typeface="Roboto Slab"/>
-              <a:cs typeface="Roboto Slab"/>
-              <a:sym typeface="Roboto Slab"/>
-            </a:endParaRPr>
-          </a:p>
-        </p:txBody>
-      </p:sp>
-      <p:sp>
-        <p:nvSpPr>
-          <p:cNvPr id="475" name="Google Shape;475;p68"/>
-          <p:cNvSpPr txBox="1"/>
-          <p:nvPr>
-            <p:ph idx="12" type="sldNum"/>
-          </p:nvPr>
-        </p:nvSpPr>
-        <p:spPr>
-          <a:xfrm>
-            <a:off x="8404384" y="6333134"/>
-            <a:ext cx="548700" cy="525000"/>
-          </a:xfrm>
-          <a:prstGeom prst="rect">
-            <a:avLst/>
-          </a:prstGeom>
-        </p:spPr>
-        <p:txBody>
-          <a:bodyPr anchorCtr="0" anchor="t" bIns="91425" lIns="91425" spcFirstLastPara="1" rIns="91425" wrap="square" tIns="91425">
-            <a:noAutofit/>
-          </a:bodyPr>
-          <a:lstStyle/>
-          <a:p>
-            <a:pPr indent="0" lvl="0" marL="0" rtl="0" algn="r">
-              <a:spcBef>
-                <a:spcPts val="0"/>
-              </a:spcBef>
-              <a:spcAft>
-                <a:spcPts val="0"/>
-              </a:spcAft>
-              <a:buNone/>
-            </a:pPr>
-            <a:fld id="{00000000-1234-1234-1234-123412341234}" type="slidenum">
-              <a:rPr lang="en"/>
-              <a:t>‹#›</a:t>
-            </a:fld>
-            <a:endParaRPr/>
-          </a:p>
-        </p:txBody>
-      </p:sp>
-      <p:pic>
-        <p:nvPicPr>
-          <p:cNvPr id="476" name="Google Shape;476;p68"/>
-          <p:cNvPicPr preferRelativeResize="0"/>
-          <p:nvPr/>
-        </p:nvPicPr>
-        <p:blipFill>
-          <a:blip r:embed="rId3">
-            <a:alphaModFix/>
-          </a:blip>
-          <a:stretch>
-            <a:fillRect/>
-          </a:stretch>
-        </p:blipFill>
-        <p:spPr>
-          <a:xfrm>
-            <a:off x="1445600" y="2517538"/>
-            <a:ext cx="4004100" cy="740025"/>
-          </a:xfrm>
-          <a:prstGeom prst="rect">
-            <a:avLst/>
-          </a:prstGeom>
-          <a:noFill/>
-          <a:ln>
-            <a:noFill/>
-          </a:ln>
-        </p:spPr>
-      </p:pic>
-      <p:pic>
-        <p:nvPicPr>
-          <p:cNvPr id="477" name="Google Shape;477;p68"/>
-          <p:cNvPicPr preferRelativeResize="0"/>
-          <p:nvPr/>
-        </p:nvPicPr>
-        <p:blipFill>
-          <a:blip r:embed="rId4">
-            <a:alphaModFix/>
-          </a:blip>
-          <a:stretch>
-            <a:fillRect/>
-          </a:stretch>
-        </p:blipFill>
-        <p:spPr>
-          <a:xfrm>
-            <a:off x="1445600" y="3600438"/>
-            <a:ext cx="4123004" cy="740025"/>
-          </a:xfrm>
-          <a:prstGeom prst="rect">
-            <a:avLst/>
-          </a:prstGeom>
-          <a:noFill/>
-          <a:ln>
-            <a:noFill/>
-          </a:ln>
-        </p:spPr>
-      </p:pic>
-      <p:sp>
-        <p:nvSpPr>
-          <p:cNvPr id="478" name="Google Shape;478;p68"/>
-          <p:cNvSpPr txBox="1"/>
-          <p:nvPr/>
-        </p:nvSpPr>
-        <p:spPr>
-          <a:xfrm>
-            <a:off x="2550200" y="4824725"/>
-            <a:ext cx="4997100" cy="1447500"/>
-          </a:xfrm>
-          <a:prstGeom prst="rect">
-            <a:avLst/>
-          </a:prstGeom>
-          <a:noFill/>
-          <a:ln>
-            <a:noFill/>
-          </a:ln>
-        </p:spPr>
-        <p:txBody>
-          <a:bodyPr anchorCtr="0" anchor="t" bIns="91425" lIns="91425" spcFirstLastPara="1" rIns="91425" wrap="square" tIns="91425">
-            <a:noAutofit/>
-          </a:bodyPr>
-          <a:lstStyle/>
-          <a:p>
-            <a:pPr indent="0" lvl="0" marL="0" rtl="0" algn="l">
-              <a:spcBef>
-                <a:spcPts val="0"/>
-              </a:spcBef>
-              <a:spcAft>
-                <a:spcPts val="0"/>
-              </a:spcAft>
-              <a:buNone/>
-            </a:pPr>
-            <a:r>
-              <a:t/>
-            </a:r>
-            <a:endParaRPr>
-              <a:latin typeface="Source Sans Pro"/>
-              <a:ea typeface="Source Sans Pro"/>
-              <a:cs typeface="Source Sans Pro"/>
-              <a:sym typeface="Source Sans Pro"/>
-            </a:endParaRPr>
-          </a:p>
-        </p:txBody>
-      </p:sp>
-    </p:spTree>
-  </p:cSld>
-  <p:clrMapOvr>
-    <a:masterClrMapping/>
-  </p:clrMapOvr>
-</p:sld>
-</file>
-
 <file path=ppt/slides/slide25.xml><?xml version="1.0" encoding="utf-8"?>
 <p:sld xmlns:a="http://schemas.openxmlformats.org/drawingml/2006/main" xmlns:r="http://schemas.openxmlformats.org/officeDocument/2006/relationships" xmlns:mc="http://schemas.openxmlformats.org/markup-compatibility/2006" xmlns:mv="urn:schemas-microsoft-com:mac:vml" xmlns:p="http://schemas.openxmlformats.org/presentationml/2006/main" xmlns:c="http://schemas.openxmlformats.org/drawingml/2006/chart" xmlns:dgm="http://schemas.openxmlformats.org/drawingml/2006/diagram" xmlns:o="urn:schemas-microsoft-com:office:office" xmlns:v="urn:schemas-microsoft-com:vml" xmlns:pvml="urn:schemas-microsoft-com:office:powerpoint" xmlns:com="http://schemas.openxmlformats.org/drawingml/2006/compatibility" xmlns:p14="http://schemas.microsoft.com/office/powerpoint/2010/main" xmlns:p15="http://schemas.microsoft.com/office/powerpoint/2012/main">
   <p:cSld>
@@ -32620,6 +32992,303 @@
         </p:nvSpPr>
         <p:spPr>
           <a:xfrm>
+            <a:off x="786150" y="410826"/>
+            <a:ext cx="7571700" cy="936900"/>
+          </a:xfrm>
+          <a:prstGeom prst="rect">
+            <a:avLst/>
+          </a:prstGeom>
+        </p:spPr>
+        <p:txBody>
+          <a:bodyPr anchorCtr="0" anchor="b" bIns="91425" lIns="91425" spcFirstLastPara="1" rIns="91425" wrap="square" tIns="91425">
+            <a:noAutofit/>
+          </a:bodyPr>
+          <a:lstStyle/>
+          <a:p>
+            <a:pPr indent="0" lvl="0" marL="0" rtl="0" algn="l">
+              <a:spcBef>
+                <a:spcPts val="0"/>
+              </a:spcBef>
+              <a:spcAft>
+                <a:spcPts val="0"/>
+              </a:spcAft>
+              <a:buNone/>
+            </a:pPr>
+            <a:r>
+              <a:rPr lang="en"/>
+              <a:t>Metrics to Evaluate Your Model </a:t>
+            </a:r>
+            <a:endParaRPr/>
+          </a:p>
+        </p:txBody>
+      </p:sp>
+      <p:sp>
+        <p:nvSpPr>
+          <p:cNvPr id="484" name="Google Shape;484;p69"/>
+          <p:cNvSpPr txBox="1"/>
+          <p:nvPr>
+            <p:ph idx="1" type="body"/>
+          </p:nvPr>
+        </p:nvSpPr>
+        <p:spPr>
+          <a:xfrm>
+            <a:off x="786150" y="1682267"/>
+            <a:ext cx="7571700" cy="4764900"/>
+          </a:xfrm>
+          <a:prstGeom prst="rect">
+            <a:avLst/>
+          </a:prstGeom>
+        </p:spPr>
+        <p:txBody>
+          <a:bodyPr anchorCtr="0" anchor="t" bIns="91425" lIns="91425" spcFirstLastPara="1" rIns="91425" wrap="square" tIns="91425">
+            <a:noAutofit/>
+          </a:bodyPr>
+          <a:lstStyle/>
+          <a:p>
+            <a:pPr indent="0" lvl="0" marL="0" rtl="0" algn="l">
+              <a:spcBef>
+                <a:spcPts val="600"/>
+              </a:spcBef>
+              <a:spcAft>
+                <a:spcPts val="0"/>
+              </a:spcAft>
+              <a:buNone/>
+            </a:pPr>
+            <a:r>
+              <a:rPr lang="en" sz="1800">
+                <a:latin typeface="Roboto Slab"/>
+                <a:ea typeface="Roboto Slab"/>
+                <a:cs typeface="Roboto Slab"/>
+                <a:sym typeface="Roboto Slab"/>
+              </a:rPr>
+              <a:t>Regression models </a:t>
+            </a:r>
+            <a:endParaRPr sz="1800">
+              <a:latin typeface="Roboto Slab"/>
+              <a:ea typeface="Roboto Slab"/>
+              <a:cs typeface="Roboto Slab"/>
+              <a:sym typeface="Roboto Slab"/>
+            </a:endParaRPr>
+          </a:p>
+          <a:p>
+            <a:pPr indent="0" lvl="0" marL="0" rtl="0" algn="l">
+              <a:spcBef>
+                <a:spcPts val="600"/>
+              </a:spcBef>
+              <a:spcAft>
+                <a:spcPts val="0"/>
+              </a:spcAft>
+              <a:buNone/>
+            </a:pPr>
+            <a:r>
+              <a:t/>
+            </a:r>
+            <a:endParaRPr sz="1800">
+              <a:latin typeface="Roboto Slab"/>
+              <a:ea typeface="Roboto Slab"/>
+              <a:cs typeface="Roboto Slab"/>
+              <a:sym typeface="Roboto Slab"/>
+            </a:endParaRPr>
+          </a:p>
+          <a:p>
+            <a:pPr indent="0" lvl="0" marL="0" rtl="0" algn="l">
+              <a:spcBef>
+                <a:spcPts val="600"/>
+              </a:spcBef>
+              <a:spcAft>
+                <a:spcPts val="0"/>
+              </a:spcAft>
+              <a:buNone/>
+            </a:pPr>
+            <a:r>
+              <a:t/>
+            </a:r>
+            <a:endParaRPr sz="1800">
+              <a:latin typeface="Roboto Slab"/>
+              <a:ea typeface="Roboto Slab"/>
+              <a:cs typeface="Roboto Slab"/>
+              <a:sym typeface="Roboto Slab"/>
+            </a:endParaRPr>
+          </a:p>
+        </p:txBody>
+      </p:sp>
+      <p:sp>
+        <p:nvSpPr>
+          <p:cNvPr id="485" name="Google Shape;485;p69"/>
+          <p:cNvSpPr txBox="1"/>
+          <p:nvPr>
+            <p:ph idx="12" type="sldNum"/>
+          </p:nvPr>
+        </p:nvSpPr>
+        <p:spPr>
+          <a:xfrm>
+            <a:off x="8404384" y="6333134"/>
+            <a:ext cx="548700" cy="525000"/>
+          </a:xfrm>
+          <a:prstGeom prst="rect">
+            <a:avLst/>
+          </a:prstGeom>
+        </p:spPr>
+        <p:txBody>
+          <a:bodyPr anchorCtr="0" anchor="t" bIns="91425" lIns="91425" spcFirstLastPara="1" rIns="91425" wrap="square" tIns="91425">
+            <a:noAutofit/>
+          </a:bodyPr>
+          <a:lstStyle/>
+          <a:p>
+            <a:pPr indent="0" lvl="0" marL="0" rtl="0" algn="r">
+              <a:spcBef>
+                <a:spcPts val="0"/>
+              </a:spcBef>
+              <a:spcAft>
+                <a:spcPts val="0"/>
+              </a:spcAft>
+              <a:buNone/>
+            </a:pPr>
+            <a:fld id="{00000000-1234-1234-1234-123412341234}" type="slidenum">
+              <a:rPr lang="en"/>
+              <a:t>‹#›</a:t>
+            </a:fld>
+            <a:endParaRPr/>
+          </a:p>
+        </p:txBody>
+      </p:sp>
+      <p:pic>
+        <p:nvPicPr>
+          <p:cNvPr id="486" name="Google Shape;486;p69"/>
+          <p:cNvPicPr preferRelativeResize="0"/>
+          <p:nvPr/>
+        </p:nvPicPr>
+        <p:blipFill>
+          <a:blip r:embed="rId3">
+            <a:alphaModFix/>
+          </a:blip>
+          <a:stretch>
+            <a:fillRect/>
+          </a:stretch>
+        </p:blipFill>
+        <p:spPr>
+          <a:xfrm>
+            <a:off x="1445600" y="2517538"/>
+            <a:ext cx="4004100" cy="740025"/>
+          </a:xfrm>
+          <a:prstGeom prst="rect">
+            <a:avLst/>
+          </a:prstGeom>
+          <a:noFill/>
+          <a:ln>
+            <a:noFill/>
+          </a:ln>
+        </p:spPr>
+      </p:pic>
+      <p:pic>
+        <p:nvPicPr>
+          <p:cNvPr id="487" name="Google Shape;487;p69"/>
+          <p:cNvPicPr preferRelativeResize="0"/>
+          <p:nvPr/>
+        </p:nvPicPr>
+        <p:blipFill>
+          <a:blip r:embed="rId4">
+            <a:alphaModFix/>
+          </a:blip>
+          <a:stretch>
+            <a:fillRect/>
+          </a:stretch>
+        </p:blipFill>
+        <p:spPr>
+          <a:xfrm>
+            <a:off x="1445600" y="3600438"/>
+            <a:ext cx="4123004" cy="740025"/>
+          </a:xfrm>
+          <a:prstGeom prst="rect">
+            <a:avLst/>
+          </a:prstGeom>
+          <a:noFill/>
+          <a:ln>
+            <a:noFill/>
+          </a:ln>
+        </p:spPr>
+      </p:pic>
+      <p:sp>
+        <p:nvSpPr>
+          <p:cNvPr id="488" name="Google Shape;488;p69"/>
+          <p:cNvSpPr txBox="1"/>
+          <p:nvPr/>
+        </p:nvSpPr>
+        <p:spPr>
+          <a:xfrm>
+            <a:off x="2550200" y="4824725"/>
+            <a:ext cx="4997100" cy="1447500"/>
+          </a:xfrm>
+          <a:prstGeom prst="rect">
+            <a:avLst/>
+          </a:prstGeom>
+          <a:noFill/>
+          <a:ln>
+            <a:noFill/>
+          </a:ln>
+        </p:spPr>
+        <p:txBody>
+          <a:bodyPr anchorCtr="0" anchor="t" bIns="91425" lIns="91425" spcFirstLastPara="1" rIns="91425" wrap="square" tIns="91425">
+            <a:noAutofit/>
+          </a:bodyPr>
+          <a:lstStyle/>
+          <a:p>
+            <a:pPr indent="0" lvl="0" marL="0" rtl="0" algn="l">
+              <a:spcBef>
+                <a:spcPts val="0"/>
+              </a:spcBef>
+              <a:spcAft>
+                <a:spcPts val="0"/>
+              </a:spcAft>
+              <a:buNone/>
+            </a:pPr>
+            <a:r>
+              <a:t/>
+            </a:r>
+            <a:endParaRPr>
+              <a:latin typeface="Source Sans Pro"/>
+              <a:ea typeface="Source Sans Pro"/>
+              <a:cs typeface="Source Sans Pro"/>
+              <a:sym typeface="Source Sans Pro"/>
+            </a:endParaRPr>
+          </a:p>
+        </p:txBody>
+      </p:sp>
+    </p:spTree>
+  </p:cSld>
+  <p:clrMapOvr>
+    <a:masterClrMapping/>
+  </p:clrMapOvr>
+</p:sld>
+</file>
+
+<file path=ppt/slides/slide26.xml><?xml version="1.0" encoding="utf-8"?>
+<p:sld xmlns:a="http://schemas.openxmlformats.org/drawingml/2006/main" xmlns:r="http://schemas.openxmlformats.org/officeDocument/2006/relationships" xmlns:mc="http://schemas.openxmlformats.org/markup-compatibility/2006" xmlns:mv="urn:schemas-microsoft-com:mac:vml" xmlns:p="http://schemas.openxmlformats.org/presentationml/2006/main" xmlns:c="http://schemas.openxmlformats.org/drawingml/2006/chart" xmlns:dgm="http://schemas.openxmlformats.org/drawingml/2006/diagram" xmlns:o="urn:schemas-microsoft-com:office:office" xmlns:v="urn:schemas-microsoft-com:vml" xmlns:pvml="urn:schemas-microsoft-com:office:powerpoint" xmlns:com="http://schemas.openxmlformats.org/drawingml/2006/compatibility" xmlns:p14="http://schemas.microsoft.com/office/powerpoint/2010/main" xmlns:p15="http://schemas.microsoft.com/office/powerpoint/2012/main">
+  <p:cSld>
+    <p:spTree>
+      <p:nvGrpSpPr>
+        <p:cNvPr id="492" name="Shape 492"/>
+        <p:cNvGrpSpPr/>
+        <p:nvPr/>
+      </p:nvGrpSpPr>
+      <p:grpSpPr>
+        <a:xfrm>
+          <a:off x="0" y="0"/>
+          <a:ext cx="0" cy="0"/>
+          <a:chOff x="0" y="0"/>
+          <a:chExt cx="0" cy="0"/>
+        </a:xfrm>
+      </p:grpSpPr>
+      <p:sp>
+        <p:nvSpPr>
+          <p:cNvPr id="493" name="Google Shape;493;p70"/>
+          <p:cNvSpPr txBox="1"/>
+          <p:nvPr>
+            <p:ph type="title"/>
+          </p:nvPr>
+        </p:nvSpPr>
+        <p:spPr>
+          <a:xfrm>
             <a:off x="786150" y="410825"/>
             <a:ext cx="7571700" cy="581400"/>
           </a:xfrm>
@@ -32660,7 +33329,7 @@
       </p:sp>
       <p:cxnSp>
         <p:nvCxnSpPr>
-          <p:cNvPr id="484" name="Google Shape;484;p69"/>
+          <p:cNvPr id="494" name="Google Shape;494;p70"/>
           <p:cNvCxnSpPr/>
           <p:nvPr/>
         </p:nvCxnSpPr>
@@ -32686,7 +33355,7 @@
       </p:cxnSp>
       <p:cxnSp>
         <p:nvCxnSpPr>
-          <p:cNvPr id="485" name="Google Shape;485;p69"/>
+          <p:cNvPr id="495" name="Google Shape;495;p70"/>
           <p:cNvCxnSpPr/>
           <p:nvPr/>
         </p:nvCxnSpPr>
@@ -32712,7 +33381,7 @@
       </p:cxnSp>
       <p:sp>
         <p:nvSpPr>
-          <p:cNvPr id="486" name="Google Shape;486;p69"/>
+          <p:cNvPr id="496" name="Google Shape;496;p70"/>
           <p:cNvSpPr txBox="1"/>
           <p:nvPr>
             <p:ph idx="12" type="sldNum"/>
@@ -32752,7 +33421,7 @@
       </p:sp>
       <p:sp>
         <p:nvSpPr>
-          <p:cNvPr id="487" name="Google Shape;487;p69"/>
+          <p:cNvPr id="497" name="Google Shape;497;p70"/>
           <p:cNvSpPr txBox="1"/>
           <p:nvPr/>
         </p:nvSpPr>
@@ -32865,7 +33534,7 @@
       </p:sp>
       <p:sp>
         <p:nvSpPr>
-          <p:cNvPr id="488" name="Google Shape;488;p69"/>
+          <p:cNvPr id="498" name="Google Shape;498;p70"/>
           <p:cNvSpPr txBox="1"/>
           <p:nvPr/>
         </p:nvSpPr>
@@ -32955,7 +33624,7 @@
       </p:sp>
       <p:sp>
         <p:nvSpPr>
-          <p:cNvPr id="489" name="Google Shape;489;p69"/>
+          <p:cNvPr id="499" name="Google Shape;499;p70"/>
           <p:cNvSpPr txBox="1"/>
           <p:nvPr/>
         </p:nvSpPr>
@@ -33045,7 +33714,7 @@
       </p:sp>
       <p:sp>
         <p:nvSpPr>
-          <p:cNvPr id="490" name="Google Shape;490;p69"/>
+          <p:cNvPr id="500" name="Google Shape;500;p70"/>
           <p:cNvSpPr txBox="1"/>
           <p:nvPr>
             <p:ph idx="1" type="body"/>
@@ -33143,7 +33812,7 @@
       </p:sp>
       <p:sp>
         <p:nvSpPr>
-          <p:cNvPr id="491" name="Google Shape;491;p69"/>
+          <p:cNvPr id="501" name="Google Shape;501;p70"/>
           <p:cNvSpPr txBox="1"/>
           <p:nvPr>
             <p:ph idx="4294967295" type="body"/>
@@ -33236,7 +33905,7 @@
       </p:sp>
       <p:sp>
         <p:nvSpPr>
-          <p:cNvPr id="492" name="Google Shape;492;p69"/>
+          <p:cNvPr id="502" name="Google Shape;502;p70"/>
           <p:cNvSpPr txBox="1"/>
           <p:nvPr>
             <p:ph idx="4294967295" type="body"/>
@@ -33350,12 +34019,12 @@
 </p:sld>
 </file>
 
-<file path=ppt/slides/slide26.xml><?xml version="1.0" encoding="utf-8"?>
+<file path=ppt/slides/slide27.xml><?xml version="1.0" encoding="utf-8"?>
 <p:sld xmlns:a="http://schemas.openxmlformats.org/drawingml/2006/main" xmlns:r="http://schemas.openxmlformats.org/officeDocument/2006/relationships" xmlns:mc="http://schemas.openxmlformats.org/markup-compatibility/2006" xmlns:mv="urn:schemas-microsoft-com:mac:vml" xmlns:p="http://schemas.openxmlformats.org/presentationml/2006/main" xmlns:c="http://schemas.openxmlformats.org/drawingml/2006/chart" xmlns:dgm="http://schemas.openxmlformats.org/drawingml/2006/diagram" xmlns:o="urn:schemas-microsoft-com:office:office" xmlns:v="urn:schemas-microsoft-com:vml" xmlns:pvml="urn:schemas-microsoft-com:office:powerpoint" xmlns:com="http://schemas.openxmlformats.org/drawingml/2006/compatibility" xmlns:p14="http://schemas.microsoft.com/office/powerpoint/2010/main" xmlns:p15="http://schemas.microsoft.com/office/powerpoint/2012/main">
   <p:cSld>
     <p:spTree>
       <p:nvGrpSpPr>
-        <p:cNvPr id="496" name="Shape 496"/>
+        <p:cNvPr id="506" name="Shape 506"/>
         <p:cNvGrpSpPr/>
         <p:nvPr/>
       </p:nvGrpSpPr>
@@ -33369,7 +34038,7 @@
       </p:grpSpPr>
       <p:sp>
         <p:nvSpPr>
-          <p:cNvPr id="497" name="Google Shape;497;p70"/>
+          <p:cNvPr id="507" name="Google Shape;507;p71"/>
           <p:cNvSpPr txBox="1"/>
           <p:nvPr>
             <p:ph idx="4294967295" type="ctrTitle"/>
@@ -33417,7 +34086,7 @@
       </p:sp>
       <p:sp>
         <p:nvSpPr>
-          <p:cNvPr id="498" name="Google Shape;498;p70"/>
+          <p:cNvPr id="508" name="Google Shape;508;p71"/>
           <p:cNvSpPr txBox="1"/>
           <p:nvPr>
             <p:ph idx="12" type="sldNum"/>
@@ -33459,329 +34128,6 @@
               <a:solidFill>
                 <a:srgbClr val="C90813"/>
               </a:solidFill>
-            </a:endParaRPr>
-          </a:p>
-        </p:txBody>
-      </p:sp>
-    </p:spTree>
-  </p:cSld>
-  <p:clrMapOvr>
-    <a:masterClrMapping/>
-  </p:clrMapOvr>
-</p:sld>
-</file>
-
-<file path=ppt/slides/slide27.xml><?xml version="1.0" encoding="utf-8"?>
-<p:sld xmlns:a="http://schemas.openxmlformats.org/drawingml/2006/main" xmlns:r="http://schemas.openxmlformats.org/officeDocument/2006/relationships" xmlns:mc="http://schemas.openxmlformats.org/markup-compatibility/2006" xmlns:mv="urn:schemas-microsoft-com:mac:vml" xmlns:p="http://schemas.openxmlformats.org/presentationml/2006/main" xmlns:c="http://schemas.openxmlformats.org/drawingml/2006/chart" xmlns:dgm="http://schemas.openxmlformats.org/drawingml/2006/diagram" xmlns:o="urn:schemas-microsoft-com:office:office" xmlns:v="urn:schemas-microsoft-com:vml" xmlns:pvml="urn:schemas-microsoft-com:office:powerpoint" xmlns:com="http://schemas.openxmlformats.org/drawingml/2006/compatibility" xmlns:p14="http://schemas.microsoft.com/office/powerpoint/2010/main" xmlns:p15="http://schemas.microsoft.com/office/powerpoint/2012/main">
-  <p:cSld>
-    <p:spTree>
-      <p:nvGrpSpPr>
-        <p:cNvPr id="502" name="Shape 502"/>
-        <p:cNvGrpSpPr/>
-        <p:nvPr/>
-      </p:nvGrpSpPr>
-      <p:grpSpPr>
-        <a:xfrm>
-          <a:off x="0" y="0"/>
-          <a:ext cx="0" cy="0"/>
-          <a:chOff x="0" y="0"/>
-          <a:chExt cx="0" cy="0"/>
-        </a:xfrm>
-      </p:grpSpPr>
-      <p:sp>
-        <p:nvSpPr>
-          <p:cNvPr id="503" name="Google Shape;503;p71"/>
-          <p:cNvSpPr txBox="1"/>
-          <p:nvPr>
-            <p:ph idx="1" type="body"/>
-          </p:nvPr>
-        </p:nvSpPr>
-        <p:spPr>
-          <a:xfrm>
-            <a:off x="786150" y="1682275"/>
-            <a:ext cx="7571700" cy="4515900"/>
-          </a:xfrm>
-          <a:prstGeom prst="rect">
-            <a:avLst/>
-          </a:prstGeom>
-        </p:spPr>
-        <p:txBody>
-          <a:bodyPr anchorCtr="0" anchor="t" bIns="91425" lIns="91425" spcFirstLastPara="1" rIns="91425" wrap="square" tIns="91425">
-            <a:noAutofit/>
-          </a:bodyPr>
-          <a:lstStyle/>
-          <a:p>
-            <a:pPr indent="-355600" lvl="0" marL="457200" rtl="0" algn="l">
-              <a:lnSpc>
-                <a:spcPct val="150000"/>
-              </a:lnSpc>
-              <a:spcBef>
-                <a:spcPts val="600"/>
-              </a:spcBef>
-              <a:spcAft>
-                <a:spcPts val="0"/>
-              </a:spcAft>
-              <a:buSzPts val="2000"/>
-              <a:buChar char="●"/>
-            </a:pPr>
-            <a:r>
-              <a:rPr b="1" lang="en"/>
-              <a:t>Open Source </a:t>
-            </a:r>
-            <a:r>
-              <a:rPr lang="en"/>
-              <a:t>tool for simple and efficient data analysis </a:t>
-            </a:r>
-            <a:endParaRPr/>
-          </a:p>
-          <a:p>
-            <a:pPr indent="-355600" lvl="0" marL="457200" rtl="0" algn="l">
-              <a:lnSpc>
-                <a:spcPct val="150000"/>
-              </a:lnSpc>
-              <a:spcBef>
-                <a:spcPts val="0"/>
-              </a:spcBef>
-              <a:spcAft>
-                <a:spcPts val="0"/>
-              </a:spcAft>
-              <a:buSzPts val="2000"/>
-              <a:buChar char="●"/>
-            </a:pPr>
-            <a:r>
-              <a:rPr lang="en"/>
-              <a:t>Built on NumPy, SciPy and Matplotlib </a:t>
-            </a:r>
-            <a:endParaRPr/>
-          </a:p>
-          <a:p>
-            <a:pPr indent="-355600" lvl="0" marL="457200" rtl="0" algn="l">
-              <a:lnSpc>
-                <a:spcPct val="150000"/>
-              </a:lnSpc>
-              <a:spcBef>
-                <a:spcPts val="0"/>
-              </a:spcBef>
-              <a:spcAft>
-                <a:spcPts val="0"/>
-              </a:spcAft>
-              <a:buSzPts val="2000"/>
-              <a:buChar char="●"/>
-            </a:pPr>
-            <a:r>
-              <a:rPr lang="en"/>
-              <a:t>Easy use of simple machine learning algorithms </a:t>
-            </a:r>
-            <a:endParaRPr/>
-          </a:p>
-          <a:p>
-            <a:pPr indent="-355600" lvl="0" marL="457200" rtl="0" algn="l">
-              <a:lnSpc>
-                <a:spcPct val="150000"/>
-              </a:lnSpc>
-              <a:spcBef>
-                <a:spcPts val="0"/>
-              </a:spcBef>
-              <a:spcAft>
-                <a:spcPts val="0"/>
-              </a:spcAft>
-              <a:buSzPts val="2000"/>
-              <a:buChar char="●"/>
-            </a:pPr>
-            <a:r>
-              <a:rPr lang="en"/>
-              <a:t>Well documented and explained ML algorithm API </a:t>
-            </a:r>
-            <a:endParaRPr/>
-          </a:p>
-          <a:p>
-            <a:pPr indent="0" lvl="0" marL="0" rtl="0" algn="l">
-              <a:lnSpc>
-                <a:spcPct val="150000"/>
-              </a:lnSpc>
-              <a:spcBef>
-                <a:spcPts val="600"/>
-              </a:spcBef>
-              <a:spcAft>
-                <a:spcPts val="0"/>
-              </a:spcAft>
-              <a:buNone/>
-            </a:pPr>
-            <a:r>
-              <a:t/>
-            </a:r>
-            <a:endParaRPr/>
-          </a:p>
-          <a:p>
-            <a:pPr indent="0" lvl="0" marL="0" rtl="0" algn="l">
-              <a:lnSpc>
-                <a:spcPct val="150000"/>
-              </a:lnSpc>
-              <a:spcBef>
-                <a:spcPts val="600"/>
-              </a:spcBef>
-              <a:spcAft>
-                <a:spcPts val="0"/>
-              </a:spcAft>
-              <a:buNone/>
-            </a:pPr>
-            <a:r>
-              <a:t/>
-            </a:r>
-            <a:endParaRPr/>
-          </a:p>
-        </p:txBody>
-      </p:sp>
-      <p:sp>
-        <p:nvSpPr>
-          <p:cNvPr id="504" name="Google Shape;504;p71"/>
-          <p:cNvSpPr txBox="1"/>
-          <p:nvPr>
-            <p:ph type="title"/>
-          </p:nvPr>
-        </p:nvSpPr>
-        <p:spPr>
-          <a:xfrm>
-            <a:off x="786150" y="410826"/>
-            <a:ext cx="7571700" cy="936900"/>
-          </a:xfrm>
-          <a:prstGeom prst="rect">
-            <a:avLst/>
-          </a:prstGeom>
-        </p:spPr>
-        <p:txBody>
-          <a:bodyPr anchorCtr="0" anchor="b" bIns="91425" lIns="91425" spcFirstLastPara="1" rIns="91425" wrap="square" tIns="91425">
-            <a:noAutofit/>
-          </a:bodyPr>
-          <a:lstStyle/>
-          <a:p>
-            <a:pPr indent="0" lvl="0" marL="0" rtl="0" algn="l">
-              <a:spcBef>
-                <a:spcPts val="0"/>
-              </a:spcBef>
-              <a:spcAft>
-                <a:spcPts val="0"/>
-              </a:spcAft>
-              <a:buNone/>
-            </a:pPr>
-            <a:r>
-              <a:rPr lang="en"/>
-              <a:t>What is Scikit-Learn</a:t>
-            </a:r>
-            <a:endParaRPr/>
-          </a:p>
-        </p:txBody>
-      </p:sp>
-      <p:sp>
-        <p:nvSpPr>
-          <p:cNvPr id="505" name="Google Shape;505;p71"/>
-          <p:cNvSpPr txBox="1"/>
-          <p:nvPr>
-            <p:ph idx="12" type="sldNum"/>
-          </p:nvPr>
-        </p:nvSpPr>
-        <p:spPr>
-          <a:xfrm>
-            <a:off x="8404384" y="6333134"/>
-            <a:ext cx="548700" cy="525000"/>
-          </a:xfrm>
-          <a:prstGeom prst="rect">
-            <a:avLst/>
-          </a:prstGeom>
-        </p:spPr>
-        <p:txBody>
-          <a:bodyPr anchorCtr="0" anchor="t" bIns="91425" lIns="91425" spcFirstLastPara="1" rIns="91425" wrap="square" tIns="91425">
-            <a:noAutofit/>
-          </a:bodyPr>
-          <a:lstStyle/>
-          <a:p>
-            <a:pPr indent="0" lvl="0" marL="0" rtl="0" algn="r">
-              <a:spcBef>
-                <a:spcPts val="0"/>
-              </a:spcBef>
-              <a:spcAft>
-                <a:spcPts val="0"/>
-              </a:spcAft>
-              <a:buNone/>
-            </a:pPr>
-            <a:fld id="{00000000-1234-1234-1234-123412341234}" type="slidenum">
-              <a:rPr lang="en"/>
-              <a:t>‹#›</a:t>
-            </a:fld>
-            <a:endParaRPr/>
-          </a:p>
-        </p:txBody>
-      </p:sp>
-      <p:pic>
-        <p:nvPicPr>
-          <p:cNvPr id="506" name="Google Shape;506;p71"/>
-          <p:cNvPicPr preferRelativeResize="0"/>
-          <p:nvPr/>
-        </p:nvPicPr>
-        <p:blipFill>
-          <a:blip r:embed="rId3">
-            <a:alphaModFix/>
-          </a:blip>
-          <a:stretch>
-            <a:fillRect/>
-          </a:stretch>
-        </p:blipFill>
-        <p:spPr>
-          <a:xfrm>
-            <a:off x="3009048" y="4129002"/>
-            <a:ext cx="3053868" cy="1617950"/>
-          </a:xfrm>
-          <a:prstGeom prst="rect">
-            <a:avLst/>
-          </a:prstGeom>
-          <a:noFill/>
-          <a:ln>
-            <a:noFill/>
-          </a:ln>
-        </p:spPr>
-      </p:pic>
-      <p:sp>
-        <p:nvSpPr>
-          <p:cNvPr id="507" name="Google Shape;507;p71"/>
-          <p:cNvSpPr txBox="1"/>
-          <p:nvPr/>
-        </p:nvSpPr>
-        <p:spPr>
-          <a:xfrm>
-            <a:off x="4786800" y="3921150"/>
-            <a:ext cx="3850800" cy="1825800"/>
-          </a:xfrm>
-          <a:prstGeom prst="rect">
-            <a:avLst/>
-          </a:prstGeom>
-          <a:noFill/>
-          <a:ln>
-            <a:noFill/>
-          </a:ln>
-        </p:spPr>
-        <p:txBody>
-          <a:bodyPr anchorCtr="0" anchor="t" bIns="91425" lIns="91425" spcFirstLastPara="1" rIns="91425" wrap="square" tIns="91425">
-            <a:noAutofit/>
-          </a:bodyPr>
-          <a:lstStyle/>
-          <a:p>
-            <a:pPr indent="0" lvl="0" marL="0" rtl="0" algn="l">
-              <a:spcBef>
-                <a:spcPts val="0"/>
-              </a:spcBef>
-              <a:spcAft>
-                <a:spcPts val="0"/>
-              </a:spcAft>
-              <a:buNone/>
-            </a:pPr>
-            <a:r>
-              <a:t/>
-            </a:r>
-            <a:endParaRPr>
-              <a:latin typeface="Source Sans Pro"/>
-              <a:ea typeface="Source Sans Pro"/>
-              <a:cs typeface="Source Sans Pro"/>
-              <a:sym typeface="Source Sans Pro"/>
             </a:endParaRPr>
           </a:p>
         </p:txBody>
@@ -33799,7 +34145,7 @@
   <p:cSld>
     <p:spTree>
       <p:nvGrpSpPr>
-        <p:cNvPr id="511" name="Shape 511"/>
+        <p:cNvPr id="512" name="Shape 512"/>
         <p:cNvGrpSpPr/>
         <p:nvPr/>
       </p:nvGrpSpPr>
@@ -33813,7 +34159,330 @@
       </p:grpSpPr>
       <p:sp>
         <p:nvSpPr>
-          <p:cNvPr id="512" name="Google Shape;512;p72"/>
+          <p:cNvPr id="513" name="Google Shape;513;p72"/>
+          <p:cNvSpPr txBox="1"/>
+          <p:nvPr>
+            <p:ph idx="1" type="body"/>
+          </p:nvPr>
+        </p:nvSpPr>
+        <p:spPr>
+          <a:xfrm>
+            <a:off x="786150" y="1682275"/>
+            <a:ext cx="7571700" cy="4515900"/>
+          </a:xfrm>
+          <a:prstGeom prst="rect">
+            <a:avLst/>
+          </a:prstGeom>
+        </p:spPr>
+        <p:txBody>
+          <a:bodyPr anchorCtr="0" anchor="t" bIns="91425" lIns="91425" spcFirstLastPara="1" rIns="91425" wrap="square" tIns="91425">
+            <a:noAutofit/>
+          </a:bodyPr>
+          <a:lstStyle/>
+          <a:p>
+            <a:pPr indent="-355600" lvl="0" marL="457200" rtl="0" algn="l">
+              <a:lnSpc>
+                <a:spcPct val="150000"/>
+              </a:lnSpc>
+              <a:spcBef>
+                <a:spcPts val="600"/>
+              </a:spcBef>
+              <a:spcAft>
+                <a:spcPts val="0"/>
+              </a:spcAft>
+              <a:buSzPts val="2000"/>
+              <a:buChar char="●"/>
+            </a:pPr>
+            <a:r>
+              <a:rPr b="1" lang="en"/>
+              <a:t>Open Source </a:t>
+            </a:r>
+            <a:r>
+              <a:rPr lang="en"/>
+              <a:t>tool for simple and efficient data analysis </a:t>
+            </a:r>
+            <a:endParaRPr/>
+          </a:p>
+          <a:p>
+            <a:pPr indent="-355600" lvl="0" marL="457200" rtl="0" algn="l">
+              <a:lnSpc>
+                <a:spcPct val="150000"/>
+              </a:lnSpc>
+              <a:spcBef>
+                <a:spcPts val="0"/>
+              </a:spcBef>
+              <a:spcAft>
+                <a:spcPts val="0"/>
+              </a:spcAft>
+              <a:buSzPts val="2000"/>
+              <a:buChar char="●"/>
+            </a:pPr>
+            <a:r>
+              <a:rPr lang="en"/>
+              <a:t>Built on NumPy, SciPy and Matplotlib </a:t>
+            </a:r>
+            <a:endParaRPr/>
+          </a:p>
+          <a:p>
+            <a:pPr indent="-355600" lvl="0" marL="457200" rtl="0" algn="l">
+              <a:lnSpc>
+                <a:spcPct val="150000"/>
+              </a:lnSpc>
+              <a:spcBef>
+                <a:spcPts val="0"/>
+              </a:spcBef>
+              <a:spcAft>
+                <a:spcPts val="0"/>
+              </a:spcAft>
+              <a:buSzPts val="2000"/>
+              <a:buChar char="●"/>
+            </a:pPr>
+            <a:r>
+              <a:rPr lang="en"/>
+              <a:t>Easy use of simple machine learning algorithms </a:t>
+            </a:r>
+            <a:endParaRPr/>
+          </a:p>
+          <a:p>
+            <a:pPr indent="-355600" lvl="0" marL="457200" rtl="0" algn="l">
+              <a:lnSpc>
+                <a:spcPct val="150000"/>
+              </a:lnSpc>
+              <a:spcBef>
+                <a:spcPts val="0"/>
+              </a:spcBef>
+              <a:spcAft>
+                <a:spcPts val="0"/>
+              </a:spcAft>
+              <a:buSzPts val="2000"/>
+              <a:buChar char="●"/>
+            </a:pPr>
+            <a:r>
+              <a:rPr lang="en"/>
+              <a:t>Well documented and explained ML algorithm API </a:t>
+            </a:r>
+            <a:endParaRPr/>
+          </a:p>
+          <a:p>
+            <a:pPr indent="0" lvl="0" marL="0" rtl="0" algn="l">
+              <a:lnSpc>
+                <a:spcPct val="150000"/>
+              </a:lnSpc>
+              <a:spcBef>
+                <a:spcPts val="600"/>
+              </a:spcBef>
+              <a:spcAft>
+                <a:spcPts val="0"/>
+              </a:spcAft>
+              <a:buNone/>
+            </a:pPr>
+            <a:r>
+              <a:t/>
+            </a:r>
+            <a:endParaRPr/>
+          </a:p>
+          <a:p>
+            <a:pPr indent="0" lvl="0" marL="0" rtl="0" algn="l">
+              <a:lnSpc>
+                <a:spcPct val="150000"/>
+              </a:lnSpc>
+              <a:spcBef>
+                <a:spcPts val="600"/>
+              </a:spcBef>
+              <a:spcAft>
+                <a:spcPts val="0"/>
+              </a:spcAft>
+              <a:buNone/>
+            </a:pPr>
+            <a:r>
+              <a:t/>
+            </a:r>
+            <a:endParaRPr/>
+          </a:p>
+        </p:txBody>
+      </p:sp>
+      <p:sp>
+        <p:nvSpPr>
+          <p:cNvPr id="514" name="Google Shape;514;p72"/>
+          <p:cNvSpPr txBox="1"/>
+          <p:nvPr>
+            <p:ph type="title"/>
+          </p:nvPr>
+        </p:nvSpPr>
+        <p:spPr>
+          <a:xfrm>
+            <a:off x="786150" y="410826"/>
+            <a:ext cx="7571700" cy="936900"/>
+          </a:xfrm>
+          <a:prstGeom prst="rect">
+            <a:avLst/>
+          </a:prstGeom>
+        </p:spPr>
+        <p:txBody>
+          <a:bodyPr anchorCtr="0" anchor="b" bIns="91425" lIns="91425" spcFirstLastPara="1" rIns="91425" wrap="square" tIns="91425">
+            <a:noAutofit/>
+          </a:bodyPr>
+          <a:lstStyle/>
+          <a:p>
+            <a:pPr indent="0" lvl="0" marL="0" rtl="0" algn="l">
+              <a:spcBef>
+                <a:spcPts val="0"/>
+              </a:spcBef>
+              <a:spcAft>
+                <a:spcPts val="0"/>
+              </a:spcAft>
+              <a:buNone/>
+            </a:pPr>
+            <a:r>
+              <a:rPr lang="en"/>
+              <a:t>What is Scikit-Learn</a:t>
+            </a:r>
+            <a:endParaRPr/>
+          </a:p>
+        </p:txBody>
+      </p:sp>
+      <p:sp>
+        <p:nvSpPr>
+          <p:cNvPr id="515" name="Google Shape;515;p72"/>
+          <p:cNvSpPr txBox="1"/>
+          <p:nvPr>
+            <p:ph idx="12" type="sldNum"/>
+          </p:nvPr>
+        </p:nvSpPr>
+        <p:spPr>
+          <a:xfrm>
+            <a:off x="8404384" y="6333134"/>
+            <a:ext cx="548700" cy="525000"/>
+          </a:xfrm>
+          <a:prstGeom prst="rect">
+            <a:avLst/>
+          </a:prstGeom>
+        </p:spPr>
+        <p:txBody>
+          <a:bodyPr anchorCtr="0" anchor="t" bIns="91425" lIns="91425" spcFirstLastPara="1" rIns="91425" wrap="square" tIns="91425">
+            <a:noAutofit/>
+          </a:bodyPr>
+          <a:lstStyle/>
+          <a:p>
+            <a:pPr indent="0" lvl="0" marL="0" rtl="0" algn="r">
+              <a:spcBef>
+                <a:spcPts val="0"/>
+              </a:spcBef>
+              <a:spcAft>
+                <a:spcPts val="0"/>
+              </a:spcAft>
+              <a:buNone/>
+            </a:pPr>
+            <a:fld id="{00000000-1234-1234-1234-123412341234}" type="slidenum">
+              <a:rPr lang="en"/>
+              <a:t>‹#›</a:t>
+            </a:fld>
+            <a:endParaRPr/>
+          </a:p>
+        </p:txBody>
+      </p:sp>
+      <p:pic>
+        <p:nvPicPr>
+          <p:cNvPr id="516" name="Google Shape;516;p72"/>
+          <p:cNvPicPr preferRelativeResize="0"/>
+          <p:nvPr/>
+        </p:nvPicPr>
+        <p:blipFill>
+          <a:blip r:embed="rId3">
+            <a:alphaModFix/>
+          </a:blip>
+          <a:stretch>
+            <a:fillRect/>
+          </a:stretch>
+        </p:blipFill>
+        <p:spPr>
+          <a:xfrm>
+            <a:off x="3009048" y="4129002"/>
+            <a:ext cx="3053868" cy="1617950"/>
+          </a:xfrm>
+          <a:prstGeom prst="rect">
+            <a:avLst/>
+          </a:prstGeom>
+          <a:noFill/>
+          <a:ln>
+            <a:noFill/>
+          </a:ln>
+        </p:spPr>
+      </p:pic>
+      <p:sp>
+        <p:nvSpPr>
+          <p:cNvPr id="517" name="Google Shape;517;p72"/>
+          <p:cNvSpPr txBox="1"/>
+          <p:nvPr/>
+        </p:nvSpPr>
+        <p:spPr>
+          <a:xfrm>
+            <a:off x="4786800" y="3921150"/>
+            <a:ext cx="3850800" cy="1825800"/>
+          </a:xfrm>
+          <a:prstGeom prst="rect">
+            <a:avLst/>
+          </a:prstGeom>
+          <a:noFill/>
+          <a:ln>
+            <a:noFill/>
+          </a:ln>
+        </p:spPr>
+        <p:txBody>
+          <a:bodyPr anchorCtr="0" anchor="t" bIns="91425" lIns="91425" spcFirstLastPara="1" rIns="91425" wrap="square" tIns="91425">
+            <a:noAutofit/>
+          </a:bodyPr>
+          <a:lstStyle/>
+          <a:p>
+            <a:pPr indent="0" lvl="0" marL="0" rtl="0" algn="l">
+              <a:spcBef>
+                <a:spcPts val="0"/>
+              </a:spcBef>
+              <a:spcAft>
+                <a:spcPts val="0"/>
+              </a:spcAft>
+              <a:buNone/>
+            </a:pPr>
+            <a:r>
+              <a:t/>
+            </a:r>
+            <a:endParaRPr>
+              <a:latin typeface="Source Sans Pro"/>
+              <a:ea typeface="Source Sans Pro"/>
+              <a:cs typeface="Source Sans Pro"/>
+              <a:sym typeface="Source Sans Pro"/>
+            </a:endParaRPr>
+          </a:p>
+        </p:txBody>
+      </p:sp>
+    </p:spTree>
+  </p:cSld>
+  <p:clrMapOvr>
+    <a:masterClrMapping/>
+  </p:clrMapOvr>
+</p:sld>
+</file>
+
+<file path=ppt/slides/slide29.xml><?xml version="1.0" encoding="utf-8"?>
+<p:sld xmlns:a="http://schemas.openxmlformats.org/drawingml/2006/main" xmlns:r="http://schemas.openxmlformats.org/officeDocument/2006/relationships" xmlns:mc="http://schemas.openxmlformats.org/markup-compatibility/2006" xmlns:mv="urn:schemas-microsoft-com:mac:vml" xmlns:p="http://schemas.openxmlformats.org/presentationml/2006/main" xmlns:c="http://schemas.openxmlformats.org/drawingml/2006/chart" xmlns:dgm="http://schemas.openxmlformats.org/drawingml/2006/diagram" xmlns:o="urn:schemas-microsoft-com:office:office" xmlns:v="urn:schemas-microsoft-com:vml" xmlns:pvml="urn:schemas-microsoft-com:office:powerpoint" xmlns:com="http://schemas.openxmlformats.org/drawingml/2006/compatibility" xmlns:p14="http://schemas.microsoft.com/office/powerpoint/2010/main" xmlns:p15="http://schemas.microsoft.com/office/powerpoint/2012/main">
+  <p:cSld>
+    <p:spTree>
+      <p:nvGrpSpPr>
+        <p:cNvPr id="521" name="Shape 521"/>
+        <p:cNvGrpSpPr/>
+        <p:nvPr/>
+      </p:nvGrpSpPr>
+      <p:grpSpPr>
+        <a:xfrm>
+          <a:off x="0" y="0"/>
+          <a:ext cx="0" cy="0"/>
+          <a:chOff x="0" y="0"/>
+          <a:chExt cx="0" cy="0"/>
+        </a:xfrm>
+      </p:grpSpPr>
+      <p:sp>
+        <p:nvSpPr>
+          <p:cNvPr id="522" name="Google Shape;522;p73"/>
           <p:cNvSpPr txBox="1"/>
           <p:nvPr>
             <p:ph idx="4294967295" type="ctrTitle"/>
@@ -33876,7 +34545,7 @@
       </p:sp>
       <p:sp>
         <p:nvSpPr>
-          <p:cNvPr id="513" name="Google Shape;513;p72"/>
+          <p:cNvPr id="523" name="Google Shape;523;p73"/>
           <p:cNvSpPr txBox="1"/>
           <p:nvPr>
             <p:ph idx="12" type="sldNum"/>
@@ -33916,7 +34585,7 @@
       </p:sp>
       <p:sp>
         <p:nvSpPr>
-          <p:cNvPr id="514" name="Google Shape;514;p72"/>
+          <p:cNvPr id="524" name="Google Shape;524;p73"/>
           <p:cNvSpPr txBox="1"/>
           <p:nvPr>
             <p:ph idx="4294967295" type="body"/>
@@ -34073,12 +34742,12 @@
 </p:sld>
 </file>
 
-<file path=ppt/slides/slide29.xml><?xml version="1.0" encoding="utf-8"?>
+<file path=ppt/slides/slide3.xml><?xml version="1.0" encoding="utf-8"?>
 <p:sld xmlns:a="http://schemas.openxmlformats.org/drawingml/2006/main" xmlns:r="http://schemas.openxmlformats.org/officeDocument/2006/relationships" xmlns:mc="http://schemas.openxmlformats.org/markup-compatibility/2006" xmlns:mv="urn:schemas-microsoft-com:mac:vml" xmlns:p="http://schemas.openxmlformats.org/presentationml/2006/main" xmlns:c="http://schemas.openxmlformats.org/drawingml/2006/chart" xmlns:dgm="http://schemas.openxmlformats.org/drawingml/2006/diagram" xmlns:o="urn:schemas-microsoft-com:office:office" xmlns:v="urn:schemas-microsoft-com:vml" xmlns:pvml="urn:schemas-microsoft-com:office:powerpoint" xmlns:com="http://schemas.openxmlformats.org/drawingml/2006/compatibility" xmlns:p14="http://schemas.microsoft.com/office/powerpoint/2010/main" xmlns:p15="http://schemas.microsoft.com/office/powerpoint/2012/main">
   <p:cSld>
     <p:spTree>
       <p:nvGrpSpPr>
-        <p:cNvPr id="518" name="Shape 518"/>
+        <p:cNvPr id="272" name="Shape 272"/>
         <p:cNvGrpSpPr/>
         <p:nvPr/>
       </p:nvGrpSpPr>
@@ -34092,7 +34761,780 @@
       </p:grpSpPr>
       <p:sp>
         <p:nvSpPr>
-          <p:cNvPr id="519" name="Google Shape;519;p73"/>
+          <p:cNvPr id="273" name="Google Shape;273;p47"/>
+          <p:cNvSpPr txBox="1"/>
+          <p:nvPr>
+            <p:ph type="title"/>
+          </p:nvPr>
+        </p:nvSpPr>
+        <p:spPr>
+          <a:xfrm>
+            <a:off x="786150" y="410825"/>
+            <a:ext cx="7571700" cy="581400"/>
+          </a:xfrm>
+          <a:prstGeom prst="rect">
+            <a:avLst/>
+          </a:prstGeom>
+        </p:spPr>
+        <p:txBody>
+          <a:bodyPr anchorCtr="0" anchor="b" bIns="91425" lIns="91425" spcFirstLastPara="1" rIns="91425" wrap="square" tIns="91425">
+            <a:noAutofit/>
+          </a:bodyPr>
+          <a:lstStyle/>
+          <a:p>
+            <a:pPr indent="0" lvl="0" marL="0" rtl="0" algn="l">
+              <a:spcBef>
+                <a:spcPts val="0"/>
+              </a:spcBef>
+              <a:spcAft>
+                <a:spcPts val="0"/>
+              </a:spcAft>
+              <a:buNone/>
+            </a:pPr>
+            <a:r>
+              <a:rPr lang="en">
+                <a:solidFill>
+                  <a:srgbClr val="CC0000"/>
+                </a:solidFill>
+              </a:rPr>
+              <a:t>Machine Learning Pipeline</a:t>
+            </a:r>
+            <a:endParaRPr>
+              <a:solidFill>
+                <a:srgbClr val="CC0000"/>
+              </a:solidFill>
+            </a:endParaRPr>
+          </a:p>
+        </p:txBody>
+      </p:sp>
+      <p:cxnSp>
+        <p:nvCxnSpPr>
+          <p:cNvPr id="274" name="Google Shape;274;p47"/>
+          <p:cNvCxnSpPr/>
+          <p:nvPr/>
+        </p:nvCxnSpPr>
+        <p:spPr>
+          <a:xfrm flipH="1" rot="10800000">
+            <a:off x="9461445" y="1789142"/>
+            <a:ext cx="522300" cy="309900"/>
+          </a:xfrm>
+          <a:prstGeom prst="straightConnector1">
+            <a:avLst/>
+          </a:prstGeom>
+          <a:noFill/>
+          <a:ln cap="flat" cmpd="sng" w="9525">
+            <a:solidFill>
+              <a:srgbClr val="CFD8DC"/>
+            </a:solidFill>
+            <a:prstDash val="solid"/>
+            <a:round/>
+            <a:headEnd len="med" w="med" type="none"/>
+            <a:tailEnd len="med" w="med" type="none"/>
+          </a:ln>
+        </p:spPr>
+      </p:cxnSp>
+      <p:cxnSp>
+        <p:nvCxnSpPr>
+          <p:cNvPr id="275" name="Google Shape;275;p47"/>
+          <p:cNvCxnSpPr/>
+          <p:nvPr/>
+        </p:nvCxnSpPr>
+        <p:spPr>
+          <a:xfrm flipH="1" rot="10800000">
+            <a:off x="9294675" y="1213650"/>
+            <a:ext cx="648600" cy="737700"/>
+          </a:xfrm>
+          <a:prstGeom prst="straightConnector1">
+            <a:avLst/>
+          </a:prstGeom>
+          <a:noFill/>
+          <a:ln cap="flat" cmpd="sng" w="9525">
+            <a:solidFill>
+              <a:srgbClr val="CFD8DC"/>
+            </a:solidFill>
+            <a:prstDash val="solid"/>
+            <a:round/>
+            <a:headEnd len="med" w="med" type="none"/>
+            <a:tailEnd len="med" w="med" type="none"/>
+          </a:ln>
+        </p:spPr>
+      </p:cxnSp>
+      <p:sp>
+        <p:nvSpPr>
+          <p:cNvPr id="276" name="Google Shape;276;p47"/>
+          <p:cNvSpPr txBox="1"/>
+          <p:nvPr>
+            <p:ph idx="12" type="sldNum"/>
+          </p:nvPr>
+        </p:nvSpPr>
+        <p:spPr>
+          <a:xfrm>
+            <a:off x="8404384" y="6333134"/>
+            <a:ext cx="548700" cy="525000"/>
+          </a:xfrm>
+          <a:prstGeom prst="rect">
+            <a:avLst/>
+          </a:prstGeom>
+        </p:spPr>
+        <p:txBody>
+          <a:bodyPr anchorCtr="0" anchor="t" bIns="91425" lIns="91425" spcFirstLastPara="1" rIns="91425" wrap="square" tIns="91425">
+            <a:noAutofit/>
+          </a:bodyPr>
+          <a:lstStyle/>
+          <a:p>
+            <a:pPr indent="0" lvl="0" marL="0" rtl="0" algn="r">
+              <a:spcBef>
+                <a:spcPts val="0"/>
+              </a:spcBef>
+              <a:spcAft>
+                <a:spcPts val="0"/>
+              </a:spcAft>
+              <a:buNone/>
+            </a:pPr>
+            <a:fld id="{00000000-1234-1234-1234-123412341234}" type="slidenum">
+              <a:rPr lang="en"/>
+              <a:t>‹#›</a:t>
+            </a:fld>
+            <a:endParaRPr/>
+          </a:p>
+        </p:txBody>
+      </p:sp>
+      <p:sp>
+        <p:nvSpPr>
+          <p:cNvPr id="277" name="Google Shape;277;p47"/>
+          <p:cNvSpPr txBox="1"/>
+          <p:nvPr/>
+        </p:nvSpPr>
+        <p:spPr>
+          <a:xfrm>
+            <a:off x="786150" y="960450"/>
+            <a:ext cx="2316900" cy="4248900"/>
+          </a:xfrm>
+          <a:prstGeom prst="rect">
+            <a:avLst/>
+          </a:prstGeom>
+          <a:noFill/>
+          <a:ln>
+            <a:noFill/>
+          </a:ln>
+        </p:spPr>
+        <p:txBody>
+          <a:bodyPr anchorCtr="0" anchor="t" bIns="91425" lIns="91425" spcFirstLastPara="1" rIns="91425" wrap="square" tIns="91425">
+            <a:noAutofit/>
+          </a:bodyPr>
+          <a:lstStyle/>
+          <a:p>
+            <a:pPr indent="0" lvl="0" marL="0" rtl="0" algn="l">
+              <a:spcBef>
+                <a:spcPts val="600"/>
+              </a:spcBef>
+              <a:spcAft>
+                <a:spcPts val="0"/>
+              </a:spcAft>
+              <a:buNone/>
+            </a:pPr>
+            <a:r>
+              <a:rPr b="1" lang="en" sz="1800">
+                <a:solidFill>
+                  <a:srgbClr val="999999"/>
+                </a:solidFill>
+                <a:latin typeface="Roboto Slab"/>
+                <a:ea typeface="Roboto Slab"/>
+                <a:cs typeface="Roboto Slab"/>
+                <a:sym typeface="Roboto Slab"/>
+              </a:rPr>
+              <a:t>1 Identify Problem</a:t>
+            </a:r>
+            <a:endParaRPr b="1" sz="1800">
+              <a:solidFill>
+                <a:srgbClr val="999999"/>
+              </a:solidFill>
+              <a:latin typeface="Roboto Slab"/>
+              <a:ea typeface="Roboto Slab"/>
+              <a:cs typeface="Roboto Slab"/>
+              <a:sym typeface="Roboto Slab"/>
+            </a:endParaRPr>
+          </a:p>
+          <a:p>
+            <a:pPr indent="0" lvl="0" marL="0" rtl="0" algn="l">
+              <a:spcBef>
+                <a:spcPts val="600"/>
+              </a:spcBef>
+              <a:spcAft>
+                <a:spcPts val="0"/>
+              </a:spcAft>
+              <a:buNone/>
+            </a:pPr>
+            <a:r>
+              <a:rPr lang="en" sz="1600">
+                <a:solidFill>
+                  <a:srgbClr val="999999"/>
+                </a:solidFill>
+                <a:latin typeface="Roboto Slab"/>
+                <a:ea typeface="Roboto Slab"/>
+                <a:cs typeface="Roboto Slab"/>
+                <a:sym typeface="Roboto Slab"/>
+              </a:rPr>
+              <a:t>Carefully define the problem you want to solve. What specific question are you trying to answer?</a:t>
+            </a:r>
+            <a:endParaRPr sz="1600">
+              <a:solidFill>
+                <a:srgbClr val="999999"/>
+              </a:solidFill>
+              <a:latin typeface="Roboto Slab"/>
+              <a:ea typeface="Roboto Slab"/>
+              <a:cs typeface="Roboto Slab"/>
+              <a:sym typeface="Roboto Slab"/>
+            </a:endParaRPr>
+          </a:p>
+          <a:p>
+            <a:pPr indent="0" lvl="0" marL="0" rtl="0" algn="l">
+              <a:spcBef>
+                <a:spcPts val="600"/>
+              </a:spcBef>
+              <a:spcAft>
+                <a:spcPts val="0"/>
+              </a:spcAft>
+              <a:buNone/>
+            </a:pPr>
+            <a:r>
+              <a:t/>
+            </a:r>
+            <a:endParaRPr sz="1800">
+              <a:solidFill>
+                <a:srgbClr val="999999"/>
+              </a:solidFill>
+              <a:latin typeface="Roboto Slab"/>
+              <a:ea typeface="Roboto Slab"/>
+              <a:cs typeface="Roboto Slab"/>
+              <a:sym typeface="Roboto Slab"/>
+            </a:endParaRPr>
+          </a:p>
+        </p:txBody>
+      </p:sp>
+      <p:sp>
+        <p:nvSpPr>
+          <p:cNvPr id="278" name="Google Shape;278;p47"/>
+          <p:cNvSpPr txBox="1"/>
+          <p:nvPr/>
+        </p:nvSpPr>
+        <p:spPr>
+          <a:xfrm>
+            <a:off x="3330000" y="960450"/>
+            <a:ext cx="2419800" cy="4056900"/>
+          </a:xfrm>
+          <a:prstGeom prst="rect">
+            <a:avLst/>
+          </a:prstGeom>
+          <a:noFill/>
+          <a:ln>
+            <a:noFill/>
+          </a:ln>
+        </p:spPr>
+        <p:txBody>
+          <a:bodyPr anchorCtr="0" anchor="t" bIns="91425" lIns="91425" spcFirstLastPara="1" rIns="91425" wrap="square" tIns="91425">
+            <a:noAutofit/>
+          </a:bodyPr>
+          <a:lstStyle/>
+          <a:p>
+            <a:pPr indent="0" lvl="0" marL="0" rtl="0" algn="l">
+              <a:spcBef>
+                <a:spcPts val="600"/>
+              </a:spcBef>
+              <a:spcAft>
+                <a:spcPts val="0"/>
+              </a:spcAft>
+              <a:buNone/>
+            </a:pPr>
+            <a:r>
+              <a:rPr b="1" lang="en" sz="1800">
+                <a:solidFill>
+                  <a:srgbClr val="999999"/>
+                </a:solidFill>
+                <a:latin typeface="Roboto Slab"/>
+                <a:ea typeface="Roboto Slab"/>
+                <a:cs typeface="Roboto Slab"/>
+                <a:sym typeface="Roboto Slab"/>
+              </a:rPr>
+              <a:t>2 Gather Data</a:t>
+            </a:r>
+            <a:endParaRPr b="1" sz="1800">
+              <a:solidFill>
+                <a:srgbClr val="999999"/>
+              </a:solidFill>
+              <a:latin typeface="Roboto Slab"/>
+              <a:ea typeface="Roboto Slab"/>
+              <a:cs typeface="Roboto Slab"/>
+              <a:sym typeface="Roboto Slab"/>
+            </a:endParaRPr>
+          </a:p>
+          <a:p>
+            <a:pPr indent="0" lvl="0" marL="0" rtl="0" algn="l">
+              <a:spcBef>
+                <a:spcPts val="600"/>
+              </a:spcBef>
+              <a:spcAft>
+                <a:spcPts val="0"/>
+              </a:spcAft>
+              <a:buNone/>
+            </a:pPr>
+            <a:r>
+              <a:rPr lang="en" sz="1600">
+                <a:solidFill>
+                  <a:srgbClr val="999999"/>
+                </a:solidFill>
+                <a:latin typeface="Roboto Slab"/>
+                <a:ea typeface="Roboto Slab"/>
+                <a:cs typeface="Roboto Slab"/>
+                <a:sym typeface="Roboto Slab"/>
+              </a:rPr>
+              <a:t>Figure out what data is needed and where to retrieve it. Does similar data exist or do we need to generate it?</a:t>
+            </a:r>
+            <a:endParaRPr b="1" sz="1600">
+              <a:solidFill>
+                <a:srgbClr val="999999"/>
+              </a:solidFill>
+              <a:latin typeface="Roboto Slab"/>
+              <a:ea typeface="Roboto Slab"/>
+              <a:cs typeface="Roboto Slab"/>
+              <a:sym typeface="Roboto Slab"/>
+            </a:endParaRPr>
+          </a:p>
+        </p:txBody>
+      </p:sp>
+      <p:sp>
+        <p:nvSpPr>
+          <p:cNvPr id="279" name="Google Shape;279;p47"/>
+          <p:cNvSpPr txBox="1"/>
+          <p:nvPr/>
+        </p:nvSpPr>
+        <p:spPr>
+          <a:xfrm>
+            <a:off x="5873825" y="960450"/>
+            <a:ext cx="2419800" cy="4248900"/>
+          </a:xfrm>
+          <a:prstGeom prst="rect">
+            <a:avLst/>
+          </a:prstGeom>
+          <a:noFill/>
+          <a:ln>
+            <a:noFill/>
+          </a:ln>
+        </p:spPr>
+        <p:txBody>
+          <a:bodyPr anchorCtr="0" anchor="t" bIns="91425" lIns="91425" spcFirstLastPara="1" rIns="91425" wrap="square" tIns="91425">
+            <a:noAutofit/>
+          </a:bodyPr>
+          <a:lstStyle/>
+          <a:p>
+            <a:pPr indent="0" lvl="0" marL="0" rtl="0" algn="l">
+              <a:spcBef>
+                <a:spcPts val="600"/>
+              </a:spcBef>
+              <a:spcAft>
+                <a:spcPts val="0"/>
+              </a:spcAft>
+              <a:buNone/>
+            </a:pPr>
+            <a:r>
+              <a:rPr b="1" lang="en" sz="1800">
+                <a:solidFill>
+                  <a:srgbClr val="CC0000"/>
+                </a:solidFill>
+                <a:latin typeface="Roboto Slab"/>
+                <a:ea typeface="Roboto Slab"/>
+                <a:cs typeface="Roboto Slab"/>
+                <a:sym typeface="Roboto Slab"/>
+              </a:rPr>
+              <a:t>3 </a:t>
+            </a:r>
+            <a:r>
+              <a:rPr b="1" lang="en" sz="1800">
+                <a:solidFill>
+                  <a:srgbClr val="263238"/>
+                </a:solidFill>
+                <a:latin typeface="Roboto Slab"/>
+                <a:ea typeface="Roboto Slab"/>
+                <a:cs typeface="Roboto Slab"/>
+                <a:sym typeface="Roboto Slab"/>
+              </a:rPr>
+              <a:t>Process Data</a:t>
+            </a:r>
+            <a:endParaRPr b="1" sz="1800">
+              <a:solidFill>
+                <a:srgbClr val="263238"/>
+              </a:solidFill>
+              <a:latin typeface="Roboto Slab"/>
+              <a:ea typeface="Roboto Slab"/>
+              <a:cs typeface="Roboto Slab"/>
+              <a:sym typeface="Roboto Slab"/>
+            </a:endParaRPr>
+          </a:p>
+          <a:p>
+            <a:pPr indent="0" lvl="0" marL="0" rtl="0" algn="l">
+              <a:spcBef>
+                <a:spcPts val="600"/>
+              </a:spcBef>
+              <a:spcAft>
+                <a:spcPts val="0"/>
+              </a:spcAft>
+              <a:buNone/>
+            </a:pPr>
+            <a:r>
+              <a:rPr lang="en" sz="1600">
+                <a:solidFill>
+                  <a:srgbClr val="263238"/>
+                </a:solidFill>
+                <a:latin typeface="Roboto Slab"/>
+                <a:ea typeface="Roboto Slab"/>
+                <a:cs typeface="Roboto Slab"/>
+                <a:sym typeface="Roboto Slab"/>
+              </a:rPr>
+              <a:t>Format data that can be interpreted by a computer.  That includes cleaning, manipulating and extracting important features to feed into the training model.</a:t>
+            </a:r>
+            <a:endParaRPr sz="1600">
+              <a:solidFill>
+                <a:srgbClr val="263238"/>
+              </a:solidFill>
+              <a:latin typeface="Roboto Slab"/>
+              <a:ea typeface="Roboto Slab"/>
+              <a:cs typeface="Roboto Slab"/>
+              <a:sym typeface="Roboto Slab"/>
+            </a:endParaRPr>
+          </a:p>
+        </p:txBody>
+      </p:sp>
+      <p:sp>
+        <p:nvSpPr>
+          <p:cNvPr id="280" name="Google Shape;280;p47"/>
+          <p:cNvSpPr txBox="1"/>
+          <p:nvPr>
+            <p:ph idx="1" type="body"/>
+          </p:nvPr>
+        </p:nvSpPr>
+        <p:spPr>
+          <a:xfrm>
+            <a:off x="717225" y="3780525"/>
+            <a:ext cx="2419800" cy="3940800"/>
+          </a:xfrm>
+          <a:prstGeom prst="rect">
+            <a:avLst/>
+          </a:prstGeom>
+        </p:spPr>
+        <p:txBody>
+          <a:bodyPr anchorCtr="0" anchor="t" bIns="91425" lIns="91425" spcFirstLastPara="1" rIns="91425" wrap="square" tIns="91425">
+            <a:noAutofit/>
+          </a:bodyPr>
+          <a:lstStyle/>
+          <a:p>
+            <a:pPr indent="0" lvl="0" marL="0" rtl="0" algn="l">
+              <a:spcBef>
+                <a:spcPts val="600"/>
+              </a:spcBef>
+              <a:spcAft>
+                <a:spcPts val="0"/>
+              </a:spcAft>
+              <a:buClr>
+                <a:schemeClr val="dk1"/>
+              </a:buClr>
+              <a:buSzPts val="1100"/>
+              <a:buFont typeface="Arial"/>
+              <a:buNone/>
+            </a:pPr>
+            <a:r>
+              <a:rPr b="1" lang="en" sz="1800">
+                <a:solidFill>
+                  <a:srgbClr val="999999"/>
+                </a:solidFill>
+                <a:latin typeface="Roboto Slab"/>
+                <a:ea typeface="Roboto Slab"/>
+                <a:cs typeface="Roboto Slab"/>
+                <a:sym typeface="Roboto Slab"/>
+              </a:rPr>
+              <a:t>4 Train Model</a:t>
+            </a:r>
+            <a:endParaRPr b="1" sz="1800">
+              <a:solidFill>
+                <a:srgbClr val="999999"/>
+              </a:solidFill>
+              <a:latin typeface="Roboto Slab"/>
+              <a:ea typeface="Roboto Slab"/>
+              <a:cs typeface="Roboto Slab"/>
+              <a:sym typeface="Roboto Slab"/>
+            </a:endParaRPr>
+          </a:p>
+          <a:p>
+            <a:pPr indent="0" lvl="0" marL="0" rtl="0" algn="l">
+              <a:spcBef>
+                <a:spcPts val="600"/>
+              </a:spcBef>
+              <a:spcAft>
+                <a:spcPts val="0"/>
+              </a:spcAft>
+              <a:buClr>
+                <a:schemeClr val="dk1"/>
+              </a:buClr>
+              <a:buSzPts val="1100"/>
+              <a:buFont typeface="Arial"/>
+              <a:buNone/>
+            </a:pPr>
+            <a:r>
+              <a:rPr lang="en" sz="1600">
+                <a:solidFill>
+                  <a:srgbClr val="999999"/>
+                </a:solidFill>
+                <a:latin typeface="Roboto Slab"/>
+                <a:ea typeface="Roboto Slab"/>
+                <a:cs typeface="Roboto Slab"/>
+                <a:sym typeface="Roboto Slab"/>
+              </a:rPr>
+              <a:t>Training the dataset on your selected model. In practice, datasets are split into train, validation and test sets in order to measure model performance.</a:t>
+            </a:r>
+            <a:endParaRPr b="1" sz="1600">
+              <a:solidFill>
+                <a:srgbClr val="999999"/>
+              </a:solidFill>
+              <a:latin typeface="Roboto Slab"/>
+              <a:ea typeface="Roboto Slab"/>
+              <a:cs typeface="Roboto Slab"/>
+              <a:sym typeface="Roboto Slab"/>
+            </a:endParaRPr>
+          </a:p>
+        </p:txBody>
+      </p:sp>
+      <p:sp>
+        <p:nvSpPr>
+          <p:cNvPr id="281" name="Google Shape;281;p47"/>
+          <p:cNvSpPr txBox="1"/>
+          <p:nvPr>
+            <p:ph idx="4294967295" type="body"/>
+          </p:nvPr>
+        </p:nvSpPr>
+        <p:spPr>
+          <a:xfrm>
+            <a:off x="3261075" y="3780525"/>
+            <a:ext cx="2419800" cy="3940800"/>
+          </a:xfrm>
+          <a:prstGeom prst="rect">
+            <a:avLst/>
+          </a:prstGeom>
+        </p:spPr>
+        <p:txBody>
+          <a:bodyPr anchorCtr="0" anchor="t" bIns="91425" lIns="91425" spcFirstLastPara="1" rIns="91425" wrap="square" tIns="91425">
+            <a:noAutofit/>
+          </a:bodyPr>
+          <a:lstStyle/>
+          <a:p>
+            <a:pPr indent="0" lvl="0" marL="0" rtl="0" algn="l">
+              <a:spcBef>
+                <a:spcPts val="600"/>
+              </a:spcBef>
+              <a:spcAft>
+                <a:spcPts val="0"/>
+              </a:spcAft>
+              <a:buNone/>
+            </a:pPr>
+            <a:r>
+              <a:rPr b="1" lang="en" sz="1800">
+                <a:solidFill>
+                  <a:srgbClr val="999999"/>
+                </a:solidFill>
+                <a:latin typeface="Roboto Slab"/>
+                <a:ea typeface="Roboto Slab"/>
+                <a:cs typeface="Roboto Slab"/>
+                <a:sym typeface="Roboto Slab"/>
+              </a:rPr>
+              <a:t>5 Evaluate Results</a:t>
+            </a:r>
+            <a:endParaRPr b="1" sz="1800">
+              <a:solidFill>
+                <a:srgbClr val="999999"/>
+              </a:solidFill>
+              <a:latin typeface="Roboto Slab"/>
+              <a:ea typeface="Roboto Slab"/>
+              <a:cs typeface="Roboto Slab"/>
+              <a:sym typeface="Roboto Slab"/>
+            </a:endParaRPr>
+          </a:p>
+          <a:p>
+            <a:pPr indent="0" lvl="0" marL="0" rtl="0" algn="l">
+              <a:spcBef>
+                <a:spcPts val="600"/>
+              </a:spcBef>
+              <a:spcAft>
+                <a:spcPts val="0"/>
+              </a:spcAft>
+              <a:buClr>
+                <a:schemeClr val="dk1"/>
+              </a:buClr>
+              <a:buSzPts val="1100"/>
+              <a:buFont typeface="Arial"/>
+              <a:buNone/>
+            </a:pPr>
+            <a:r>
+              <a:rPr lang="en" sz="1600">
+                <a:solidFill>
+                  <a:srgbClr val="999999"/>
+                </a:solidFill>
+                <a:latin typeface="Roboto Slab"/>
+                <a:ea typeface="Roboto Slab"/>
+                <a:cs typeface="Roboto Slab"/>
+                <a:sym typeface="Roboto Slab"/>
+              </a:rPr>
+              <a:t>Does the trained model solve your initial problem? Does it satisfy your performance requirements?</a:t>
+            </a:r>
+            <a:endParaRPr b="1" sz="1600">
+              <a:solidFill>
+                <a:srgbClr val="999999"/>
+              </a:solidFill>
+              <a:latin typeface="Roboto Slab"/>
+              <a:ea typeface="Roboto Slab"/>
+              <a:cs typeface="Roboto Slab"/>
+              <a:sym typeface="Roboto Slab"/>
+            </a:endParaRPr>
+          </a:p>
+        </p:txBody>
+      </p:sp>
+      <p:sp>
+        <p:nvSpPr>
+          <p:cNvPr id="282" name="Google Shape;282;p47"/>
+          <p:cNvSpPr txBox="1"/>
+          <p:nvPr>
+            <p:ph idx="4294967295" type="body"/>
+          </p:nvPr>
+        </p:nvSpPr>
+        <p:spPr>
+          <a:xfrm>
+            <a:off x="5804900" y="3780525"/>
+            <a:ext cx="2419800" cy="4229100"/>
+          </a:xfrm>
+          <a:prstGeom prst="rect">
+            <a:avLst/>
+          </a:prstGeom>
+        </p:spPr>
+        <p:txBody>
+          <a:bodyPr anchorCtr="0" anchor="t" bIns="91425" lIns="91425" spcFirstLastPara="1" rIns="91425" wrap="square" tIns="91425">
+            <a:noAutofit/>
+          </a:bodyPr>
+          <a:lstStyle/>
+          <a:p>
+            <a:pPr indent="0" lvl="0" marL="0" rtl="0" algn="l">
+              <a:spcBef>
+                <a:spcPts val="600"/>
+              </a:spcBef>
+              <a:spcAft>
+                <a:spcPts val="0"/>
+              </a:spcAft>
+              <a:buNone/>
+            </a:pPr>
+            <a:r>
+              <a:rPr b="1" lang="en" sz="1800">
+                <a:solidFill>
+                  <a:srgbClr val="999999"/>
+                </a:solidFill>
+                <a:latin typeface="Roboto Slab"/>
+                <a:ea typeface="Roboto Slab"/>
+                <a:cs typeface="Roboto Slab"/>
+                <a:sym typeface="Roboto Slab"/>
+              </a:rPr>
+              <a:t>6 Repeat!</a:t>
+            </a:r>
+            <a:endParaRPr b="1" sz="1800">
+              <a:solidFill>
+                <a:srgbClr val="999999"/>
+              </a:solidFill>
+              <a:latin typeface="Roboto Slab"/>
+              <a:ea typeface="Roboto Slab"/>
+              <a:cs typeface="Roboto Slab"/>
+              <a:sym typeface="Roboto Slab"/>
+            </a:endParaRPr>
+          </a:p>
+          <a:p>
+            <a:pPr indent="0" lvl="0" marL="0" rtl="0" algn="l">
+              <a:spcBef>
+                <a:spcPts val="600"/>
+              </a:spcBef>
+              <a:spcAft>
+                <a:spcPts val="0"/>
+              </a:spcAft>
+              <a:buClr>
+                <a:schemeClr val="dk1"/>
+              </a:buClr>
+              <a:buSzPts val="1100"/>
+              <a:buFont typeface="Arial"/>
+              <a:buNone/>
+            </a:pPr>
+            <a:r>
+              <a:rPr lang="en" sz="1600">
+                <a:solidFill>
+                  <a:srgbClr val="999999"/>
+                </a:solidFill>
+                <a:latin typeface="Roboto Slab"/>
+                <a:ea typeface="Roboto Slab"/>
+                <a:cs typeface="Roboto Slab"/>
+                <a:sym typeface="Roboto Slab"/>
+              </a:rPr>
+              <a:t>Improve your model by reiterating the process! </a:t>
+            </a:r>
+            <a:endParaRPr b="1" sz="1600">
+              <a:solidFill>
+                <a:srgbClr val="999999"/>
+              </a:solidFill>
+              <a:latin typeface="Roboto Slab"/>
+              <a:ea typeface="Roboto Slab"/>
+              <a:cs typeface="Roboto Slab"/>
+              <a:sym typeface="Roboto Slab"/>
+            </a:endParaRPr>
+          </a:p>
+          <a:p>
+            <a:pPr indent="0" lvl="0" marL="0" rtl="0" algn="l">
+              <a:spcBef>
+                <a:spcPts val="600"/>
+              </a:spcBef>
+              <a:spcAft>
+                <a:spcPts val="0"/>
+              </a:spcAft>
+              <a:buNone/>
+            </a:pPr>
+            <a:r>
+              <a:t/>
+            </a:r>
+            <a:endParaRPr sz="1200">
+              <a:solidFill>
+                <a:srgbClr val="999999"/>
+              </a:solidFill>
+            </a:endParaRPr>
+          </a:p>
+        </p:txBody>
+      </p:sp>
+    </p:spTree>
+  </p:cSld>
+  <p:clrMapOvr>
+    <a:masterClrMapping/>
+  </p:clrMapOvr>
+</p:sld>
+</file>
+
+<file path=ppt/slides/slide30.xml><?xml version="1.0" encoding="utf-8"?>
+<p:sld xmlns:a="http://schemas.openxmlformats.org/drawingml/2006/main" xmlns:r="http://schemas.openxmlformats.org/officeDocument/2006/relationships" xmlns:mc="http://schemas.openxmlformats.org/markup-compatibility/2006" xmlns:mv="urn:schemas-microsoft-com:mac:vml" xmlns:p="http://schemas.openxmlformats.org/presentationml/2006/main" xmlns:c="http://schemas.openxmlformats.org/drawingml/2006/chart" xmlns:dgm="http://schemas.openxmlformats.org/drawingml/2006/diagram" xmlns:o="urn:schemas-microsoft-com:office:office" xmlns:v="urn:schemas-microsoft-com:vml" xmlns:pvml="urn:schemas-microsoft-com:office:powerpoint" xmlns:com="http://schemas.openxmlformats.org/drawingml/2006/compatibility" xmlns:p14="http://schemas.microsoft.com/office/powerpoint/2010/main" xmlns:p15="http://schemas.microsoft.com/office/powerpoint/2012/main">
+  <p:cSld>
+    <p:spTree>
+      <p:nvGrpSpPr>
+        <p:cNvPr id="528" name="Shape 528"/>
+        <p:cNvGrpSpPr/>
+        <p:nvPr/>
+      </p:nvGrpSpPr>
+      <p:grpSpPr>
+        <a:xfrm>
+          <a:off x="0" y="0"/>
+          <a:ext cx="0" cy="0"/>
+          <a:chOff x="0" y="0"/>
+          <a:chExt cx="0" cy="0"/>
+        </a:xfrm>
+      </p:grpSpPr>
+      <p:sp>
+        <p:nvSpPr>
+          <p:cNvPr id="529" name="Google Shape;529;p74"/>
           <p:cNvSpPr txBox="1"/>
           <p:nvPr>
             <p:ph idx="4294967295" type="ctrTitle"/>
@@ -34140,7 +35582,7 @@
       </p:sp>
       <p:sp>
         <p:nvSpPr>
-          <p:cNvPr id="520" name="Google Shape;520;p73"/>
+          <p:cNvPr id="530" name="Google Shape;530;p74"/>
           <p:cNvSpPr txBox="1"/>
           <p:nvPr>
             <p:ph idx="4294967295" type="subTitle"/>
@@ -34180,7 +35622,7 @@
       </p:sp>
       <p:sp>
         <p:nvSpPr>
-          <p:cNvPr id="521" name="Google Shape;521;p73"/>
+          <p:cNvPr id="531" name="Google Shape;531;p74"/>
           <p:cNvSpPr txBox="1"/>
           <p:nvPr>
             <p:ph idx="12" type="sldNum"/>
@@ -34220,7 +35662,7 @@
       </p:sp>
       <p:grpSp>
         <p:nvGrpSpPr>
-          <p:cNvPr id="522" name="Google Shape;522;p73"/>
+          <p:cNvPr id="532" name="Google Shape;532;p74"/>
           <p:cNvGrpSpPr/>
           <p:nvPr/>
         </p:nvGrpSpPr>
@@ -34234,7 +35676,7 @@
         </p:grpSpPr>
         <p:pic>
           <p:nvPicPr>
-            <p:cNvPr id="523" name="Google Shape;523;p73"/>
+            <p:cNvPr id="533" name="Google Shape;533;p74"/>
             <p:cNvPicPr preferRelativeResize="0"/>
             <p:nvPr/>
           </p:nvPicPr>
@@ -34262,7 +35704,7 @@
         </p:pic>
         <p:sp>
           <p:nvSpPr>
-            <p:cNvPr id="524" name="Google Shape;524;p73"/>
+            <p:cNvPr id="534" name="Google Shape;534;p74"/>
             <p:cNvSpPr txBox="1"/>
             <p:nvPr/>
           </p:nvSpPr>
@@ -34381,7 +35823,7 @@
       </p:grpSp>
       <p:pic>
         <p:nvPicPr>
-          <p:cNvPr id="525" name="Google Shape;525;p73"/>
+          <p:cNvPr id="535" name="Google Shape;535;p74"/>
           <p:cNvPicPr preferRelativeResize="0"/>
           <p:nvPr/>
         </p:nvPicPr>
@@ -34406,779 +35848,6 @@
           </a:ln>
         </p:spPr>
       </p:pic>
-    </p:spTree>
-  </p:cSld>
-  <p:clrMapOvr>
-    <a:masterClrMapping/>
-  </p:clrMapOvr>
-</p:sld>
-</file>
-
-<file path=ppt/slides/slide3.xml><?xml version="1.0" encoding="utf-8"?>
-<p:sld xmlns:a="http://schemas.openxmlformats.org/drawingml/2006/main" xmlns:r="http://schemas.openxmlformats.org/officeDocument/2006/relationships" xmlns:mc="http://schemas.openxmlformats.org/markup-compatibility/2006" xmlns:mv="urn:schemas-microsoft-com:mac:vml" xmlns:p="http://schemas.openxmlformats.org/presentationml/2006/main" xmlns:c="http://schemas.openxmlformats.org/drawingml/2006/chart" xmlns:dgm="http://schemas.openxmlformats.org/drawingml/2006/diagram" xmlns:o="urn:schemas-microsoft-com:office:office" xmlns:v="urn:schemas-microsoft-com:vml" xmlns:pvml="urn:schemas-microsoft-com:office:powerpoint" xmlns:com="http://schemas.openxmlformats.org/drawingml/2006/compatibility" xmlns:p14="http://schemas.microsoft.com/office/powerpoint/2010/main" xmlns:p15="http://schemas.microsoft.com/office/powerpoint/2012/main">
-  <p:cSld>
-    <p:spTree>
-      <p:nvGrpSpPr>
-        <p:cNvPr id="272" name="Shape 272"/>
-        <p:cNvGrpSpPr/>
-        <p:nvPr/>
-      </p:nvGrpSpPr>
-      <p:grpSpPr>
-        <a:xfrm>
-          <a:off x="0" y="0"/>
-          <a:ext cx="0" cy="0"/>
-          <a:chOff x="0" y="0"/>
-          <a:chExt cx="0" cy="0"/>
-        </a:xfrm>
-      </p:grpSpPr>
-      <p:sp>
-        <p:nvSpPr>
-          <p:cNvPr id="273" name="Google Shape;273;p47"/>
-          <p:cNvSpPr txBox="1"/>
-          <p:nvPr>
-            <p:ph type="title"/>
-          </p:nvPr>
-        </p:nvSpPr>
-        <p:spPr>
-          <a:xfrm>
-            <a:off x="786150" y="410825"/>
-            <a:ext cx="7571700" cy="581400"/>
-          </a:xfrm>
-          <a:prstGeom prst="rect">
-            <a:avLst/>
-          </a:prstGeom>
-        </p:spPr>
-        <p:txBody>
-          <a:bodyPr anchorCtr="0" anchor="b" bIns="91425" lIns="91425" spcFirstLastPara="1" rIns="91425" wrap="square" tIns="91425">
-            <a:noAutofit/>
-          </a:bodyPr>
-          <a:lstStyle/>
-          <a:p>
-            <a:pPr indent="0" lvl="0" marL="0" rtl="0" algn="l">
-              <a:spcBef>
-                <a:spcPts val="0"/>
-              </a:spcBef>
-              <a:spcAft>
-                <a:spcPts val="0"/>
-              </a:spcAft>
-              <a:buNone/>
-            </a:pPr>
-            <a:r>
-              <a:rPr lang="en">
-                <a:solidFill>
-                  <a:srgbClr val="CC0000"/>
-                </a:solidFill>
-              </a:rPr>
-              <a:t>Machine Learning Pipeline</a:t>
-            </a:r>
-            <a:endParaRPr>
-              <a:solidFill>
-                <a:srgbClr val="CC0000"/>
-              </a:solidFill>
-            </a:endParaRPr>
-          </a:p>
-        </p:txBody>
-      </p:sp>
-      <p:cxnSp>
-        <p:nvCxnSpPr>
-          <p:cNvPr id="274" name="Google Shape;274;p47"/>
-          <p:cNvCxnSpPr/>
-          <p:nvPr/>
-        </p:nvCxnSpPr>
-        <p:spPr>
-          <a:xfrm flipH="1" rot="10800000">
-            <a:off x="9461445" y="1789142"/>
-            <a:ext cx="522300" cy="309900"/>
-          </a:xfrm>
-          <a:prstGeom prst="straightConnector1">
-            <a:avLst/>
-          </a:prstGeom>
-          <a:noFill/>
-          <a:ln cap="flat" cmpd="sng" w="9525">
-            <a:solidFill>
-              <a:srgbClr val="CFD8DC"/>
-            </a:solidFill>
-            <a:prstDash val="solid"/>
-            <a:round/>
-            <a:headEnd len="med" w="med" type="none"/>
-            <a:tailEnd len="med" w="med" type="none"/>
-          </a:ln>
-        </p:spPr>
-      </p:cxnSp>
-      <p:cxnSp>
-        <p:nvCxnSpPr>
-          <p:cNvPr id="275" name="Google Shape;275;p47"/>
-          <p:cNvCxnSpPr/>
-          <p:nvPr/>
-        </p:nvCxnSpPr>
-        <p:spPr>
-          <a:xfrm flipH="1" rot="10800000">
-            <a:off x="9294675" y="1213650"/>
-            <a:ext cx="648600" cy="737700"/>
-          </a:xfrm>
-          <a:prstGeom prst="straightConnector1">
-            <a:avLst/>
-          </a:prstGeom>
-          <a:noFill/>
-          <a:ln cap="flat" cmpd="sng" w="9525">
-            <a:solidFill>
-              <a:srgbClr val="CFD8DC"/>
-            </a:solidFill>
-            <a:prstDash val="solid"/>
-            <a:round/>
-            <a:headEnd len="med" w="med" type="none"/>
-            <a:tailEnd len="med" w="med" type="none"/>
-          </a:ln>
-        </p:spPr>
-      </p:cxnSp>
-      <p:sp>
-        <p:nvSpPr>
-          <p:cNvPr id="276" name="Google Shape;276;p47"/>
-          <p:cNvSpPr txBox="1"/>
-          <p:nvPr>
-            <p:ph idx="12" type="sldNum"/>
-          </p:nvPr>
-        </p:nvSpPr>
-        <p:spPr>
-          <a:xfrm>
-            <a:off x="8404384" y="6333134"/>
-            <a:ext cx="548700" cy="525000"/>
-          </a:xfrm>
-          <a:prstGeom prst="rect">
-            <a:avLst/>
-          </a:prstGeom>
-        </p:spPr>
-        <p:txBody>
-          <a:bodyPr anchorCtr="0" anchor="t" bIns="91425" lIns="91425" spcFirstLastPara="1" rIns="91425" wrap="square" tIns="91425">
-            <a:noAutofit/>
-          </a:bodyPr>
-          <a:lstStyle/>
-          <a:p>
-            <a:pPr indent="0" lvl="0" marL="0" rtl="0" algn="r">
-              <a:spcBef>
-                <a:spcPts val="0"/>
-              </a:spcBef>
-              <a:spcAft>
-                <a:spcPts val="0"/>
-              </a:spcAft>
-              <a:buNone/>
-            </a:pPr>
-            <a:fld id="{00000000-1234-1234-1234-123412341234}" type="slidenum">
-              <a:rPr lang="en"/>
-              <a:t>‹#›</a:t>
-            </a:fld>
-            <a:endParaRPr/>
-          </a:p>
-        </p:txBody>
-      </p:sp>
-      <p:sp>
-        <p:nvSpPr>
-          <p:cNvPr id="277" name="Google Shape;277;p47"/>
-          <p:cNvSpPr txBox="1"/>
-          <p:nvPr/>
-        </p:nvSpPr>
-        <p:spPr>
-          <a:xfrm>
-            <a:off x="786150" y="960450"/>
-            <a:ext cx="2316900" cy="4248900"/>
-          </a:xfrm>
-          <a:prstGeom prst="rect">
-            <a:avLst/>
-          </a:prstGeom>
-          <a:noFill/>
-          <a:ln>
-            <a:noFill/>
-          </a:ln>
-        </p:spPr>
-        <p:txBody>
-          <a:bodyPr anchorCtr="0" anchor="t" bIns="91425" lIns="91425" spcFirstLastPara="1" rIns="91425" wrap="square" tIns="91425">
-            <a:noAutofit/>
-          </a:bodyPr>
-          <a:lstStyle/>
-          <a:p>
-            <a:pPr indent="0" lvl="0" marL="0" rtl="0" algn="l">
-              <a:spcBef>
-                <a:spcPts val="600"/>
-              </a:spcBef>
-              <a:spcAft>
-                <a:spcPts val="0"/>
-              </a:spcAft>
-              <a:buNone/>
-            </a:pPr>
-            <a:r>
-              <a:rPr b="1" lang="en" sz="1800">
-                <a:solidFill>
-                  <a:srgbClr val="999999"/>
-                </a:solidFill>
-                <a:latin typeface="Roboto Slab"/>
-                <a:ea typeface="Roboto Slab"/>
-                <a:cs typeface="Roboto Slab"/>
-                <a:sym typeface="Roboto Slab"/>
-              </a:rPr>
-              <a:t>1 Identify Problem</a:t>
-            </a:r>
-            <a:endParaRPr b="1" sz="1800">
-              <a:solidFill>
-                <a:srgbClr val="999999"/>
-              </a:solidFill>
-              <a:latin typeface="Roboto Slab"/>
-              <a:ea typeface="Roboto Slab"/>
-              <a:cs typeface="Roboto Slab"/>
-              <a:sym typeface="Roboto Slab"/>
-            </a:endParaRPr>
-          </a:p>
-          <a:p>
-            <a:pPr indent="0" lvl="0" marL="0" rtl="0" algn="l">
-              <a:spcBef>
-                <a:spcPts val="600"/>
-              </a:spcBef>
-              <a:spcAft>
-                <a:spcPts val="0"/>
-              </a:spcAft>
-              <a:buNone/>
-            </a:pPr>
-            <a:r>
-              <a:rPr lang="en" sz="1600">
-                <a:solidFill>
-                  <a:srgbClr val="999999"/>
-                </a:solidFill>
-                <a:latin typeface="Roboto Slab"/>
-                <a:ea typeface="Roboto Slab"/>
-                <a:cs typeface="Roboto Slab"/>
-                <a:sym typeface="Roboto Slab"/>
-              </a:rPr>
-              <a:t>Carefully define the problem you want to solve. What specific question are you trying to answer?</a:t>
-            </a:r>
-            <a:endParaRPr sz="1600">
-              <a:solidFill>
-                <a:srgbClr val="999999"/>
-              </a:solidFill>
-              <a:latin typeface="Roboto Slab"/>
-              <a:ea typeface="Roboto Slab"/>
-              <a:cs typeface="Roboto Slab"/>
-              <a:sym typeface="Roboto Slab"/>
-            </a:endParaRPr>
-          </a:p>
-          <a:p>
-            <a:pPr indent="0" lvl="0" marL="0" rtl="0" algn="l">
-              <a:spcBef>
-                <a:spcPts val="600"/>
-              </a:spcBef>
-              <a:spcAft>
-                <a:spcPts val="0"/>
-              </a:spcAft>
-              <a:buNone/>
-            </a:pPr>
-            <a:r>
-              <a:t/>
-            </a:r>
-            <a:endParaRPr sz="1800">
-              <a:solidFill>
-                <a:srgbClr val="999999"/>
-              </a:solidFill>
-              <a:latin typeface="Roboto Slab"/>
-              <a:ea typeface="Roboto Slab"/>
-              <a:cs typeface="Roboto Slab"/>
-              <a:sym typeface="Roboto Slab"/>
-            </a:endParaRPr>
-          </a:p>
-        </p:txBody>
-      </p:sp>
-      <p:sp>
-        <p:nvSpPr>
-          <p:cNvPr id="278" name="Google Shape;278;p47"/>
-          <p:cNvSpPr txBox="1"/>
-          <p:nvPr/>
-        </p:nvSpPr>
-        <p:spPr>
-          <a:xfrm>
-            <a:off x="3330000" y="960450"/>
-            <a:ext cx="2419800" cy="4056900"/>
-          </a:xfrm>
-          <a:prstGeom prst="rect">
-            <a:avLst/>
-          </a:prstGeom>
-          <a:noFill/>
-          <a:ln>
-            <a:noFill/>
-          </a:ln>
-        </p:spPr>
-        <p:txBody>
-          <a:bodyPr anchorCtr="0" anchor="t" bIns="91425" lIns="91425" spcFirstLastPara="1" rIns="91425" wrap="square" tIns="91425">
-            <a:noAutofit/>
-          </a:bodyPr>
-          <a:lstStyle/>
-          <a:p>
-            <a:pPr indent="0" lvl="0" marL="0" rtl="0" algn="l">
-              <a:spcBef>
-                <a:spcPts val="600"/>
-              </a:spcBef>
-              <a:spcAft>
-                <a:spcPts val="0"/>
-              </a:spcAft>
-              <a:buNone/>
-            </a:pPr>
-            <a:r>
-              <a:rPr b="1" lang="en" sz="1800">
-                <a:solidFill>
-                  <a:srgbClr val="999999"/>
-                </a:solidFill>
-                <a:latin typeface="Roboto Slab"/>
-                <a:ea typeface="Roboto Slab"/>
-                <a:cs typeface="Roboto Slab"/>
-                <a:sym typeface="Roboto Slab"/>
-              </a:rPr>
-              <a:t>2 Gather Data</a:t>
-            </a:r>
-            <a:endParaRPr b="1" sz="1800">
-              <a:solidFill>
-                <a:srgbClr val="999999"/>
-              </a:solidFill>
-              <a:latin typeface="Roboto Slab"/>
-              <a:ea typeface="Roboto Slab"/>
-              <a:cs typeface="Roboto Slab"/>
-              <a:sym typeface="Roboto Slab"/>
-            </a:endParaRPr>
-          </a:p>
-          <a:p>
-            <a:pPr indent="0" lvl="0" marL="0" rtl="0" algn="l">
-              <a:spcBef>
-                <a:spcPts val="600"/>
-              </a:spcBef>
-              <a:spcAft>
-                <a:spcPts val="0"/>
-              </a:spcAft>
-              <a:buNone/>
-            </a:pPr>
-            <a:r>
-              <a:rPr lang="en" sz="1600">
-                <a:solidFill>
-                  <a:srgbClr val="999999"/>
-                </a:solidFill>
-                <a:latin typeface="Roboto Slab"/>
-                <a:ea typeface="Roboto Slab"/>
-                <a:cs typeface="Roboto Slab"/>
-                <a:sym typeface="Roboto Slab"/>
-              </a:rPr>
-              <a:t>Figure out what data is needed and where to retrieve it. Does similar data exist or do we need to generate it?</a:t>
-            </a:r>
-            <a:endParaRPr b="1" sz="1600">
-              <a:solidFill>
-                <a:srgbClr val="999999"/>
-              </a:solidFill>
-              <a:latin typeface="Roboto Slab"/>
-              <a:ea typeface="Roboto Slab"/>
-              <a:cs typeface="Roboto Slab"/>
-              <a:sym typeface="Roboto Slab"/>
-            </a:endParaRPr>
-          </a:p>
-        </p:txBody>
-      </p:sp>
-      <p:sp>
-        <p:nvSpPr>
-          <p:cNvPr id="279" name="Google Shape;279;p47"/>
-          <p:cNvSpPr txBox="1"/>
-          <p:nvPr/>
-        </p:nvSpPr>
-        <p:spPr>
-          <a:xfrm>
-            <a:off x="5873825" y="960450"/>
-            <a:ext cx="2419800" cy="4248900"/>
-          </a:xfrm>
-          <a:prstGeom prst="rect">
-            <a:avLst/>
-          </a:prstGeom>
-          <a:noFill/>
-          <a:ln>
-            <a:noFill/>
-          </a:ln>
-        </p:spPr>
-        <p:txBody>
-          <a:bodyPr anchorCtr="0" anchor="t" bIns="91425" lIns="91425" spcFirstLastPara="1" rIns="91425" wrap="square" tIns="91425">
-            <a:noAutofit/>
-          </a:bodyPr>
-          <a:lstStyle/>
-          <a:p>
-            <a:pPr indent="0" lvl="0" marL="0" rtl="0" algn="l">
-              <a:spcBef>
-                <a:spcPts val="600"/>
-              </a:spcBef>
-              <a:spcAft>
-                <a:spcPts val="0"/>
-              </a:spcAft>
-              <a:buNone/>
-            </a:pPr>
-            <a:r>
-              <a:rPr b="1" lang="en" sz="1800">
-                <a:solidFill>
-                  <a:srgbClr val="CC0000"/>
-                </a:solidFill>
-                <a:latin typeface="Roboto Slab"/>
-                <a:ea typeface="Roboto Slab"/>
-                <a:cs typeface="Roboto Slab"/>
-                <a:sym typeface="Roboto Slab"/>
-              </a:rPr>
-              <a:t>3 </a:t>
-            </a:r>
-            <a:r>
-              <a:rPr b="1" lang="en" sz="1800">
-                <a:solidFill>
-                  <a:srgbClr val="263238"/>
-                </a:solidFill>
-                <a:latin typeface="Roboto Slab"/>
-                <a:ea typeface="Roboto Slab"/>
-                <a:cs typeface="Roboto Slab"/>
-                <a:sym typeface="Roboto Slab"/>
-              </a:rPr>
-              <a:t>Process Data</a:t>
-            </a:r>
-            <a:endParaRPr b="1" sz="1800">
-              <a:solidFill>
-                <a:srgbClr val="263238"/>
-              </a:solidFill>
-              <a:latin typeface="Roboto Slab"/>
-              <a:ea typeface="Roboto Slab"/>
-              <a:cs typeface="Roboto Slab"/>
-              <a:sym typeface="Roboto Slab"/>
-            </a:endParaRPr>
-          </a:p>
-          <a:p>
-            <a:pPr indent="0" lvl="0" marL="0" rtl="0" algn="l">
-              <a:spcBef>
-                <a:spcPts val="600"/>
-              </a:spcBef>
-              <a:spcAft>
-                <a:spcPts val="0"/>
-              </a:spcAft>
-              <a:buNone/>
-            </a:pPr>
-            <a:r>
-              <a:rPr lang="en" sz="1600">
-                <a:solidFill>
-                  <a:srgbClr val="263238"/>
-                </a:solidFill>
-                <a:latin typeface="Roboto Slab"/>
-                <a:ea typeface="Roboto Slab"/>
-                <a:cs typeface="Roboto Slab"/>
-                <a:sym typeface="Roboto Slab"/>
-              </a:rPr>
-              <a:t>Format data that can be interpreted by a computer.  That includes cleaning, manipulating and extracting important features to feed into the training model.</a:t>
-            </a:r>
-            <a:endParaRPr sz="1600">
-              <a:solidFill>
-                <a:srgbClr val="263238"/>
-              </a:solidFill>
-              <a:latin typeface="Roboto Slab"/>
-              <a:ea typeface="Roboto Slab"/>
-              <a:cs typeface="Roboto Slab"/>
-              <a:sym typeface="Roboto Slab"/>
-            </a:endParaRPr>
-          </a:p>
-        </p:txBody>
-      </p:sp>
-      <p:sp>
-        <p:nvSpPr>
-          <p:cNvPr id="280" name="Google Shape;280;p47"/>
-          <p:cNvSpPr txBox="1"/>
-          <p:nvPr>
-            <p:ph idx="1" type="body"/>
-          </p:nvPr>
-        </p:nvSpPr>
-        <p:spPr>
-          <a:xfrm>
-            <a:off x="717225" y="3780525"/>
-            <a:ext cx="2419800" cy="3940800"/>
-          </a:xfrm>
-          <a:prstGeom prst="rect">
-            <a:avLst/>
-          </a:prstGeom>
-        </p:spPr>
-        <p:txBody>
-          <a:bodyPr anchorCtr="0" anchor="t" bIns="91425" lIns="91425" spcFirstLastPara="1" rIns="91425" wrap="square" tIns="91425">
-            <a:noAutofit/>
-          </a:bodyPr>
-          <a:lstStyle/>
-          <a:p>
-            <a:pPr indent="0" lvl="0" marL="0" rtl="0" algn="l">
-              <a:spcBef>
-                <a:spcPts val="600"/>
-              </a:spcBef>
-              <a:spcAft>
-                <a:spcPts val="0"/>
-              </a:spcAft>
-              <a:buClr>
-                <a:schemeClr val="dk1"/>
-              </a:buClr>
-              <a:buSzPts val="1100"/>
-              <a:buFont typeface="Arial"/>
-              <a:buNone/>
-            </a:pPr>
-            <a:r>
-              <a:rPr b="1" lang="en" sz="1800">
-                <a:solidFill>
-                  <a:srgbClr val="999999"/>
-                </a:solidFill>
-                <a:latin typeface="Roboto Slab"/>
-                <a:ea typeface="Roboto Slab"/>
-                <a:cs typeface="Roboto Slab"/>
-                <a:sym typeface="Roboto Slab"/>
-              </a:rPr>
-              <a:t>4 Train Model</a:t>
-            </a:r>
-            <a:endParaRPr b="1" sz="1800">
-              <a:solidFill>
-                <a:srgbClr val="999999"/>
-              </a:solidFill>
-              <a:latin typeface="Roboto Slab"/>
-              <a:ea typeface="Roboto Slab"/>
-              <a:cs typeface="Roboto Slab"/>
-              <a:sym typeface="Roboto Slab"/>
-            </a:endParaRPr>
-          </a:p>
-          <a:p>
-            <a:pPr indent="0" lvl="0" marL="0" rtl="0" algn="l">
-              <a:spcBef>
-                <a:spcPts val="600"/>
-              </a:spcBef>
-              <a:spcAft>
-                <a:spcPts val="0"/>
-              </a:spcAft>
-              <a:buClr>
-                <a:schemeClr val="dk1"/>
-              </a:buClr>
-              <a:buSzPts val="1100"/>
-              <a:buFont typeface="Arial"/>
-              <a:buNone/>
-            </a:pPr>
-            <a:r>
-              <a:rPr lang="en" sz="1600">
-                <a:solidFill>
-                  <a:srgbClr val="999999"/>
-                </a:solidFill>
-                <a:latin typeface="Roboto Slab"/>
-                <a:ea typeface="Roboto Slab"/>
-                <a:cs typeface="Roboto Slab"/>
-                <a:sym typeface="Roboto Slab"/>
-              </a:rPr>
-              <a:t>Training the dataset on your selected model. In practice, datasets are split into train, validation and test sets in order to measure model performance.</a:t>
-            </a:r>
-            <a:endParaRPr b="1" sz="1600">
-              <a:solidFill>
-                <a:srgbClr val="999999"/>
-              </a:solidFill>
-              <a:latin typeface="Roboto Slab"/>
-              <a:ea typeface="Roboto Slab"/>
-              <a:cs typeface="Roboto Slab"/>
-              <a:sym typeface="Roboto Slab"/>
-            </a:endParaRPr>
-          </a:p>
-        </p:txBody>
-      </p:sp>
-      <p:sp>
-        <p:nvSpPr>
-          <p:cNvPr id="281" name="Google Shape;281;p47"/>
-          <p:cNvSpPr txBox="1"/>
-          <p:nvPr>
-            <p:ph idx="4294967295" type="body"/>
-          </p:nvPr>
-        </p:nvSpPr>
-        <p:spPr>
-          <a:xfrm>
-            <a:off x="3261075" y="3780525"/>
-            <a:ext cx="2419800" cy="3940800"/>
-          </a:xfrm>
-          <a:prstGeom prst="rect">
-            <a:avLst/>
-          </a:prstGeom>
-        </p:spPr>
-        <p:txBody>
-          <a:bodyPr anchorCtr="0" anchor="t" bIns="91425" lIns="91425" spcFirstLastPara="1" rIns="91425" wrap="square" tIns="91425">
-            <a:noAutofit/>
-          </a:bodyPr>
-          <a:lstStyle/>
-          <a:p>
-            <a:pPr indent="0" lvl="0" marL="0" rtl="0" algn="l">
-              <a:spcBef>
-                <a:spcPts val="600"/>
-              </a:spcBef>
-              <a:spcAft>
-                <a:spcPts val="0"/>
-              </a:spcAft>
-              <a:buNone/>
-            </a:pPr>
-            <a:r>
-              <a:rPr b="1" lang="en" sz="1800">
-                <a:solidFill>
-                  <a:srgbClr val="999999"/>
-                </a:solidFill>
-                <a:latin typeface="Roboto Slab"/>
-                <a:ea typeface="Roboto Slab"/>
-                <a:cs typeface="Roboto Slab"/>
-                <a:sym typeface="Roboto Slab"/>
-              </a:rPr>
-              <a:t>5 Evaluate Results</a:t>
-            </a:r>
-            <a:endParaRPr b="1" sz="1800">
-              <a:solidFill>
-                <a:srgbClr val="999999"/>
-              </a:solidFill>
-              <a:latin typeface="Roboto Slab"/>
-              <a:ea typeface="Roboto Slab"/>
-              <a:cs typeface="Roboto Slab"/>
-              <a:sym typeface="Roboto Slab"/>
-            </a:endParaRPr>
-          </a:p>
-          <a:p>
-            <a:pPr indent="0" lvl="0" marL="0" rtl="0" algn="l">
-              <a:spcBef>
-                <a:spcPts val="600"/>
-              </a:spcBef>
-              <a:spcAft>
-                <a:spcPts val="0"/>
-              </a:spcAft>
-              <a:buClr>
-                <a:schemeClr val="dk1"/>
-              </a:buClr>
-              <a:buSzPts val="1100"/>
-              <a:buFont typeface="Arial"/>
-              <a:buNone/>
-            </a:pPr>
-            <a:r>
-              <a:rPr lang="en" sz="1600">
-                <a:solidFill>
-                  <a:srgbClr val="999999"/>
-                </a:solidFill>
-                <a:latin typeface="Roboto Slab"/>
-                <a:ea typeface="Roboto Slab"/>
-                <a:cs typeface="Roboto Slab"/>
-                <a:sym typeface="Roboto Slab"/>
-              </a:rPr>
-              <a:t>Does the trained model solve your initial problem? Does it satisfy your performance requirements?</a:t>
-            </a:r>
-            <a:endParaRPr b="1" sz="1600">
-              <a:solidFill>
-                <a:srgbClr val="999999"/>
-              </a:solidFill>
-              <a:latin typeface="Roboto Slab"/>
-              <a:ea typeface="Roboto Slab"/>
-              <a:cs typeface="Roboto Slab"/>
-              <a:sym typeface="Roboto Slab"/>
-            </a:endParaRPr>
-          </a:p>
-        </p:txBody>
-      </p:sp>
-      <p:sp>
-        <p:nvSpPr>
-          <p:cNvPr id="282" name="Google Shape;282;p47"/>
-          <p:cNvSpPr txBox="1"/>
-          <p:nvPr>
-            <p:ph idx="4294967295" type="body"/>
-          </p:nvPr>
-        </p:nvSpPr>
-        <p:spPr>
-          <a:xfrm>
-            <a:off x="5804900" y="3780525"/>
-            <a:ext cx="2419800" cy="4229100"/>
-          </a:xfrm>
-          <a:prstGeom prst="rect">
-            <a:avLst/>
-          </a:prstGeom>
-        </p:spPr>
-        <p:txBody>
-          <a:bodyPr anchorCtr="0" anchor="t" bIns="91425" lIns="91425" spcFirstLastPara="1" rIns="91425" wrap="square" tIns="91425">
-            <a:noAutofit/>
-          </a:bodyPr>
-          <a:lstStyle/>
-          <a:p>
-            <a:pPr indent="0" lvl="0" marL="0" rtl="0" algn="l">
-              <a:spcBef>
-                <a:spcPts val="600"/>
-              </a:spcBef>
-              <a:spcAft>
-                <a:spcPts val="0"/>
-              </a:spcAft>
-              <a:buNone/>
-            </a:pPr>
-            <a:r>
-              <a:rPr b="1" lang="en" sz="1800">
-                <a:solidFill>
-                  <a:srgbClr val="999999"/>
-                </a:solidFill>
-                <a:latin typeface="Roboto Slab"/>
-                <a:ea typeface="Roboto Slab"/>
-                <a:cs typeface="Roboto Slab"/>
-                <a:sym typeface="Roboto Slab"/>
-              </a:rPr>
-              <a:t>6 Repeat!</a:t>
-            </a:r>
-            <a:endParaRPr b="1" sz="1800">
-              <a:solidFill>
-                <a:srgbClr val="999999"/>
-              </a:solidFill>
-              <a:latin typeface="Roboto Slab"/>
-              <a:ea typeface="Roboto Slab"/>
-              <a:cs typeface="Roboto Slab"/>
-              <a:sym typeface="Roboto Slab"/>
-            </a:endParaRPr>
-          </a:p>
-          <a:p>
-            <a:pPr indent="0" lvl="0" marL="0" rtl="0" algn="l">
-              <a:spcBef>
-                <a:spcPts val="600"/>
-              </a:spcBef>
-              <a:spcAft>
-                <a:spcPts val="0"/>
-              </a:spcAft>
-              <a:buClr>
-                <a:schemeClr val="dk1"/>
-              </a:buClr>
-              <a:buSzPts val="1100"/>
-              <a:buFont typeface="Arial"/>
-              <a:buNone/>
-            </a:pPr>
-            <a:r>
-              <a:rPr lang="en" sz="1600">
-                <a:solidFill>
-                  <a:srgbClr val="999999"/>
-                </a:solidFill>
-                <a:latin typeface="Roboto Slab"/>
-                <a:ea typeface="Roboto Slab"/>
-                <a:cs typeface="Roboto Slab"/>
-                <a:sym typeface="Roboto Slab"/>
-              </a:rPr>
-              <a:t>Improve your model by reiterating the process! </a:t>
-            </a:r>
-            <a:endParaRPr b="1" sz="1600">
-              <a:solidFill>
-                <a:srgbClr val="999999"/>
-              </a:solidFill>
-              <a:latin typeface="Roboto Slab"/>
-              <a:ea typeface="Roboto Slab"/>
-              <a:cs typeface="Roboto Slab"/>
-              <a:sym typeface="Roboto Slab"/>
-            </a:endParaRPr>
-          </a:p>
-          <a:p>
-            <a:pPr indent="0" lvl="0" marL="0" rtl="0" algn="l">
-              <a:spcBef>
-                <a:spcPts val="600"/>
-              </a:spcBef>
-              <a:spcAft>
-                <a:spcPts val="0"/>
-              </a:spcAft>
-              <a:buNone/>
-            </a:pPr>
-            <a:r>
-              <a:t/>
-            </a:r>
-            <a:endParaRPr sz="1200">
-              <a:solidFill>
-                <a:srgbClr val="999999"/>
-              </a:solidFill>
-            </a:endParaRPr>
-          </a:p>
-        </p:txBody>
-      </p:sp>
     </p:spTree>
   </p:cSld>
   <p:clrMapOvr>
@@ -37829,9 +38498,9 @@
 </file>
 
 <file path=ppt/theme/theme1.xml><?xml version="1.0" encoding="utf-8"?>
-<a:theme xmlns:a="http://schemas.openxmlformats.org/drawingml/2006/main" xmlns:r="http://schemas.openxmlformats.org/officeDocument/2006/relationships">
+<a:theme xmlns:a="http://schemas.openxmlformats.org/drawingml/2006/main" xmlns:r="http://schemas.openxmlformats.org/officeDocument/2006/relationships" name="Cordelia template">
   <a:themeElements>
-    <a:clrScheme name="Default">
+    <a:clrScheme name="Custom 347">
       <a:dk1>
         <a:srgbClr val="000000"/>
       </a:dk1>
@@ -37839,34 +38508,34 @@
         <a:srgbClr val="FFFFFF"/>
       </a:lt1>
       <a:dk2>
-        <a:srgbClr val="158158"/>
+        <a:srgbClr val="666666"/>
       </a:dk2>
       <a:lt2>
-        <a:srgbClr val="F3F3F3"/>
+        <a:srgbClr val="CCCCCC"/>
       </a:lt2>
       <a:accent1>
-        <a:srgbClr val="058DC7"/>
+        <a:srgbClr val="3A81BA"/>
       </a:accent1>
       <a:accent2>
-        <a:srgbClr val="50B432"/>
+        <a:srgbClr val="D89F39"/>
       </a:accent2>
       <a:accent3>
-        <a:srgbClr val="ED561B"/>
+        <a:srgbClr val="8BAB42"/>
       </a:accent3>
       <a:accent4>
-        <a:srgbClr val="EDEF00"/>
+        <a:srgbClr val="57A7B5"/>
       </a:accent4>
       <a:accent5>
-        <a:srgbClr val="24CBE5"/>
+        <a:srgbClr val="8B81D2"/>
       </a:accent5>
       <a:accent6>
-        <a:srgbClr val="64E572"/>
+        <a:srgbClr val="963334"/>
       </a:accent6>
       <a:hlink>
-        <a:srgbClr val="2200CC"/>
+        <a:srgbClr val="1155CC"/>
       </a:hlink>
       <a:folHlink>
-        <a:srgbClr val="551A8B"/>
+        <a:srgbClr val="6611CC"/>
       </a:folHlink>
     </a:clrScheme>
     <a:fontScheme name="Office">
@@ -38108,9 +38777,9 @@
 </file>
 
 <file path=ppt/theme/theme2.xml><?xml version="1.0" encoding="utf-8"?>
-<a:theme xmlns:a="http://schemas.openxmlformats.org/drawingml/2006/main" xmlns:r="http://schemas.openxmlformats.org/officeDocument/2006/relationships" name="Cordelia template">
+<a:theme xmlns:a="http://schemas.openxmlformats.org/drawingml/2006/main" xmlns:r="http://schemas.openxmlformats.org/officeDocument/2006/relationships">
   <a:themeElements>
-    <a:clrScheme name="Custom 347">
+    <a:clrScheme name="Default">
       <a:dk1>
         <a:srgbClr val="000000"/>
       </a:dk1>
@@ -38118,34 +38787,34 @@
         <a:srgbClr val="FFFFFF"/>
       </a:lt1>
       <a:dk2>
-        <a:srgbClr val="666666"/>
+        <a:srgbClr val="158158"/>
       </a:dk2>
       <a:lt2>
-        <a:srgbClr val="CCCCCC"/>
+        <a:srgbClr val="F3F3F3"/>
       </a:lt2>
       <a:accent1>
-        <a:srgbClr val="3A81BA"/>
+        <a:srgbClr val="058DC7"/>
       </a:accent1>
       <a:accent2>
-        <a:srgbClr val="D89F39"/>
+        <a:srgbClr val="50B432"/>
       </a:accent2>
       <a:accent3>
-        <a:srgbClr val="8BAB42"/>
+        <a:srgbClr val="ED561B"/>
       </a:accent3>
       <a:accent4>
-        <a:srgbClr val="57A7B5"/>
+        <a:srgbClr val="EDEF00"/>
       </a:accent4>
       <a:accent5>
-        <a:srgbClr val="8B81D2"/>
+        <a:srgbClr val="24CBE5"/>
       </a:accent5>
       <a:accent6>
-        <a:srgbClr val="963334"/>
+        <a:srgbClr val="64E572"/>
       </a:accent6>
       <a:hlink>
-        <a:srgbClr val="1155CC"/>
+        <a:srgbClr val="2200CC"/>
       </a:hlink>
       <a:folHlink>
-        <a:srgbClr val="6611CC"/>
+        <a:srgbClr val="551A8B"/>
       </a:folHlink>
     </a:clrScheme>
     <a:fontScheme name="Office">
